--- a/Presentations/Telephony Synthetic Data Generation via GANs.pptx
+++ b/Presentations/Telephony Synthetic Data Generation via GANs.pptx
@@ -5,7 +5,7 @@
     <p:sldMasterId id="2147483648" r:id="rId5"/>
   </p:sldMasterIdLst>
   <p:notesMasterIdLst>
-    <p:notesMasterId r:id="rId16"/>
+    <p:notesMasterId r:id="rId17"/>
   </p:notesMasterIdLst>
   <p:sldIdLst>
     <p:sldId id="315" r:id="rId6"/>
@@ -17,7 +17,8 @@
     <p:sldId id="336" r:id="rId12"/>
     <p:sldId id="331" r:id="rId13"/>
     <p:sldId id="334" r:id="rId14"/>
-    <p:sldId id="327" r:id="rId15"/>
+    <p:sldId id="337" r:id="rId15"/>
+    <p:sldId id="327" r:id="rId16"/>
   </p:sldIdLst>
   <p:sldSz cx="12192000" cy="6858000"/>
   <p:notesSz cx="6858000" cy="9144000"/>
@@ -275,7 +276,7 @@
               <a:pPr>
                 <a:defRPr/>
               </a:pPr>
-              <a:t>5/28/2022</a:t>
+              <a:t>5/29/2022</a:t>
             </a:fld>
             <a:endParaRPr lang="en-US"/>
           </a:p>
@@ -8500,6 +8501,948 @@
       </p:grpSpPr>
       <p:sp>
         <p:nvSpPr>
+          <p:cNvPr id="3" name="Titolo 2"/>
+          <p:cNvSpPr>
+            <a:spLocks noGrp="1"/>
+          </p:cNvSpPr>
+          <p:nvPr>
+            <p:ph type="title"/>
+          </p:nvPr>
+        </p:nvSpPr>
+        <p:spPr>
+          <a:xfrm>
+            <a:off x="461346" y="463247"/>
+            <a:ext cx="11269308" cy="384721"/>
+          </a:xfrm>
+        </p:spPr>
+        <p:txBody>
+          <a:bodyPr/>
+          <a:lstStyle/>
+          <a:p>
+            <a:r>
+              <a:rPr lang="it-IT" dirty="0">
+                <a:solidFill>
+                  <a:srgbClr val="212121"/>
+                </a:solidFill>
+                <a:latin typeface="Roboto" panose="02000000000000000000" pitchFamily="2" charset="0"/>
+              </a:rPr>
+              <a:t>Privacy</a:t>
+            </a:r>
+            <a:r>
+              <a:rPr lang="it-IT" sz="2800" dirty="0">
+                <a:solidFill>
+                  <a:srgbClr val="212121"/>
+                </a:solidFill>
+                <a:latin typeface="Roboto" panose="02000000000000000000" pitchFamily="2" charset="0"/>
+              </a:rPr>
+              <a:t> </a:t>
+            </a:r>
+            <a:r>
+              <a:rPr lang="it-IT" sz="2800" dirty="0" err="1">
+                <a:solidFill>
+                  <a:srgbClr val="212121"/>
+                </a:solidFill>
+                <a:latin typeface="Roboto" panose="02000000000000000000" pitchFamily="2" charset="0"/>
+              </a:rPr>
+              <a:t>Metrics</a:t>
+            </a:r>
+            <a:r>
+              <a:rPr lang="it-IT" sz="2800" dirty="0">
+                <a:solidFill>
+                  <a:srgbClr val="212121"/>
+                </a:solidFill>
+                <a:latin typeface="Roboto" panose="02000000000000000000" pitchFamily="2" charset="0"/>
+              </a:rPr>
+              <a:t> - Model Evaluation by Matching Common </a:t>
+            </a:r>
+            <a:r>
+              <a:rPr lang="it-IT" sz="2800" dirty="0" err="1">
+                <a:solidFill>
+                  <a:srgbClr val="212121"/>
+                </a:solidFill>
+                <a:latin typeface="Roboto" panose="02000000000000000000" pitchFamily="2" charset="0"/>
+              </a:rPr>
+              <a:t>Values</a:t>
+            </a:r>
+            <a:endParaRPr lang="it-IT" b="0" i="0" dirty="0">
+              <a:solidFill>
+                <a:srgbClr val="212121"/>
+              </a:solidFill>
+              <a:effectLst/>
+              <a:latin typeface="Roboto" panose="02000000000000000000" pitchFamily="2" charset="0"/>
+            </a:endParaRPr>
+          </a:p>
+        </p:txBody>
+      </p:sp>
+      <p:sp>
+        <p:nvSpPr>
+          <p:cNvPr id="4" name="Segnaposto piè di pagina 3"/>
+          <p:cNvSpPr>
+            <a:spLocks noGrp="1"/>
+          </p:cNvSpPr>
+          <p:nvPr>
+            <p:ph type="ftr" sz="quarter" idx="10"/>
+          </p:nvPr>
+        </p:nvSpPr>
+        <p:spPr/>
+        <p:txBody>
+          <a:bodyPr/>
+          <a:lstStyle/>
+          <a:p>
+            <a:pPr>
+              <a:defRPr/>
+            </a:pPr>
+            <a:r>
+              <a:rPr lang="it-IT" sz="900" dirty="0" err="1"/>
+              <a:t>Telephony</a:t>
+            </a:r>
+            <a:r>
+              <a:rPr lang="it-IT" sz="900" dirty="0"/>
+              <a:t> </a:t>
+            </a:r>
+            <a:r>
+              <a:rPr lang="it-IT" sz="900" dirty="0" err="1"/>
+              <a:t>Synthetic</a:t>
+            </a:r>
+            <a:r>
+              <a:rPr lang="it-IT" sz="900" dirty="0"/>
+              <a:t> Data Generation </a:t>
+            </a:r>
+            <a:r>
+              <a:rPr lang="it-IT" dirty="0"/>
+              <a:t>via Generative </a:t>
+            </a:r>
+            <a:r>
+              <a:rPr lang="it-IT" dirty="0" err="1"/>
+              <a:t>Adversarial</a:t>
+            </a:r>
+            <a:r>
+              <a:rPr lang="it-IT" dirty="0"/>
+              <a:t> Networks | FRANCESCO PUGLIESE, Massimo De </a:t>
+            </a:r>
+            <a:r>
+              <a:rPr lang="it-IT" dirty="0" err="1"/>
+              <a:t>Cubellis</a:t>
+            </a:r>
+            <a:r>
+              <a:rPr lang="it-IT" dirty="0"/>
+              <a:t>, Roberta RADINI</a:t>
+            </a:r>
+            <a:endParaRPr lang="en-US" dirty="0"/>
+          </a:p>
+        </p:txBody>
+      </p:sp>
+      <p:sp>
+        <p:nvSpPr>
+          <p:cNvPr id="5" name="Segnaposto numero diapositiva 4"/>
+          <p:cNvSpPr>
+            <a:spLocks noGrp="1"/>
+          </p:cNvSpPr>
+          <p:nvPr>
+            <p:ph type="sldNum" sz="quarter" idx="11"/>
+          </p:nvPr>
+        </p:nvSpPr>
+        <p:spPr/>
+        <p:txBody>
+          <a:bodyPr/>
+          <a:lstStyle/>
+          <a:p>
+            <a:pPr>
+              <a:defRPr/>
+            </a:pPr>
+            <a:fld id="{48B4153A-D4C5-4CEF-8992-0D8815C829E3}" type="slidenum">
+              <a:rPr lang="en-US" smtClean="0"/>
+              <a:pPr>
+                <a:defRPr/>
+              </a:pPr>
+              <a:t>10</a:t>
+            </a:fld>
+            <a:endParaRPr lang="en-US" dirty="0"/>
+          </a:p>
+        </p:txBody>
+      </p:sp>
+      <p:pic>
+        <p:nvPicPr>
+          <p:cNvPr id="8" name="Immagine 7">
+            <a:extLst>
+              <a:ext uri="{FF2B5EF4-FFF2-40B4-BE49-F238E27FC236}">
+                <a16:creationId xmlns:a16="http://schemas.microsoft.com/office/drawing/2014/main" id="{3435491D-4BC4-1972-EFA6-C614EF3B82B4}"/>
+              </a:ext>
+            </a:extLst>
+          </p:cNvPr>
+          <p:cNvPicPr>
+            <a:picLocks noChangeAspect="1"/>
+          </p:cNvPicPr>
+          <p:nvPr/>
+        </p:nvPicPr>
+        <p:blipFill>
+          <a:blip r:embed="rId2"/>
+          <a:stretch>
+            <a:fillRect/>
+          </a:stretch>
+        </p:blipFill>
+        <p:spPr>
+          <a:xfrm>
+            <a:off x="3134649" y="2549252"/>
+            <a:ext cx="3596553" cy="3575240"/>
+          </a:xfrm>
+          <a:prstGeom prst="rect">
+            <a:avLst/>
+          </a:prstGeom>
+        </p:spPr>
+      </p:pic>
+      <p:pic>
+        <p:nvPicPr>
+          <p:cNvPr id="10" name="Immagine 9">
+            <a:extLst>
+              <a:ext uri="{FF2B5EF4-FFF2-40B4-BE49-F238E27FC236}">
+                <a16:creationId xmlns:a16="http://schemas.microsoft.com/office/drawing/2014/main" id="{908AB300-79D4-92F2-D2CC-86272B06460A}"/>
+              </a:ext>
+            </a:extLst>
+          </p:cNvPr>
+          <p:cNvPicPr>
+            <a:picLocks noChangeAspect="1"/>
+          </p:cNvPicPr>
+          <p:nvPr/>
+        </p:nvPicPr>
+        <p:blipFill>
+          <a:blip r:embed="rId3"/>
+          <a:stretch>
+            <a:fillRect/>
+          </a:stretch>
+        </p:blipFill>
+        <p:spPr>
+          <a:xfrm>
+            <a:off x="7076205" y="2603123"/>
+            <a:ext cx="3672307" cy="3575241"/>
+          </a:xfrm>
+          <a:prstGeom prst="rect">
+            <a:avLst/>
+          </a:prstGeom>
+        </p:spPr>
+      </p:pic>
+      <p:sp>
+        <p:nvSpPr>
+          <p:cNvPr id="11" name="CasellaDiTesto 10">
+            <a:extLst>
+              <a:ext uri="{FF2B5EF4-FFF2-40B4-BE49-F238E27FC236}">
+                <a16:creationId xmlns:a16="http://schemas.microsoft.com/office/drawing/2014/main" id="{6496A546-D1CB-CB39-E8C0-EB4323D1205A}"/>
+              </a:ext>
+            </a:extLst>
+          </p:cNvPr>
+          <p:cNvSpPr txBox="1"/>
+          <p:nvPr/>
+        </p:nvSpPr>
+        <p:spPr>
+          <a:xfrm>
+            <a:off x="2670257" y="1925005"/>
+            <a:ext cx="4787757" cy="923330"/>
+          </a:xfrm>
+          <a:prstGeom prst="rect">
+            <a:avLst/>
+          </a:prstGeom>
+          <a:noFill/>
+        </p:spPr>
+        <p:txBody>
+          <a:bodyPr wrap="square" rtlCol="0">
+            <a:spAutoFit/>
+          </a:bodyPr>
+          <a:lstStyle/>
+          <a:p>
+            <a:pPr algn="ctr"/>
+            <a:r>
+              <a:rPr lang="it-IT" b="1" u="sng" dirty="0">
+                <a:latin typeface="Arial" panose="020B0604020202020204" pitchFamily="34" charset="0"/>
+                <a:cs typeface="Arial" panose="020B0604020202020204" pitchFamily="34" charset="0"/>
+              </a:rPr>
+              <a:t>Privacy </a:t>
+            </a:r>
+            <a:r>
+              <a:rPr lang="it-IT" b="1" u="sng" dirty="0" err="1">
+                <a:latin typeface="Arial" panose="020B0604020202020204" pitchFamily="34" charset="0"/>
+                <a:cs typeface="Arial" panose="020B0604020202020204" pitchFamily="34" charset="0"/>
+              </a:rPr>
+              <a:t>Metrics</a:t>
+            </a:r>
+            <a:r>
+              <a:rPr lang="it-IT" b="1" u="sng" dirty="0">
+                <a:latin typeface="Arial" panose="020B0604020202020204" pitchFamily="34" charset="0"/>
+                <a:cs typeface="Arial" panose="020B0604020202020204" pitchFamily="34" charset="0"/>
+              </a:rPr>
+              <a:t> Test 1</a:t>
+            </a:r>
+          </a:p>
+          <a:p>
+            <a:pPr algn="ctr"/>
+            <a:r>
+              <a:rPr lang="it-IT" b="1" dirty="0">
+                <a:latin typeface="Arial" panose="020B0604020202020204" pitchFamily="34" charset="0"/>
+                <a:cs typeface="Arial" panose="020B0604020202020204" pitchFamily="34" charset="0"/>
+              </a:rPr>
+              <a:t>Aggregate Data: </a:t>
+            </a:r>
+            <a:r>
+              <a:rPr lang="en-US" b="1" i="0" dirty="0">
+                <a:solidFill>
+                  <a:srgbClr val="212121"/>
+                </a:solidFill>
+                <a:effectLst/>
+                <a:latin typeface="Roboto" panose="02000000000000000000" pitchFamily="2" charset="0"/>
+              </a:rPr>
+              <a:t>0.9876543209876543</a:t>
+            </a:r>
+            <a:endParaRPr lang="it-IT" b="1" dirty="0">
+              <a:latin typeface="Arial" panose="020B0604020202020204" pitchFamily="34" charset="0"/>
+              <a:cs typeface="Arial" panose="020B0604020202020204" pitchFamily="34" charset="0"/>
+            </a:endParaRPr>
+          </a:p>
+          <a:p>
+            <a:pPr algn="ctr"/>
+            <a:endParaRPr lang="it-IT" b="1" dirty="0">
+              <a:latin typeface="Arial" panose="020B0604020202020204" pitchFamily="34" charset="0"/>
+              <a:cs typeface="Arial" panose="020B0604020202020204" pitchFamily="34" charset="0"/>
+            </a:endParaRPr>
+          </a:p>
+        </p:txBody>
+      </p:sp>
+      <p:sp>
+        <p:nvSpPr>
+          <p:cNvPr id="14" name="CasellaDiTesto 13">
+            <a:extLst>
+              <a:ext uri="{FF2B5EF4-FFF2-40B4-BE49-F238E27FC236}">
+                <a16:creationId xmlns:a16="http://schemas.microsoft.com/office/drawing/2014/main" id="{2D41D2ED-7D27-B9C5-6366-3D1E55613E24}"/>
+              </a:ext>
+            </a:extLst>
+          </p:cNvPr>
+          <p:cNvSpPr txBox="1"/>
+          <p:nvPr/>
+        </p:nvSpPr>
+        <p:spPr>
+          <a:xfrm>
+            <a:off x="6441893" y="1931743"/>
+            <a:ext cx="4787757" cy="646331"/>
+          </a:xfrm>
+          <a:prstGeom prst="rect">
+            <a:avLst/>
+          </a:prstGeom>
+          <a:noFill/>
+        </p:spPr>
+        <p:txBody>
+          <a:bodyPr wrap="square" rtlCol="0">
+            <a:spAutoFit/>
+          </a:bodyPr>
+          <a:lstStyle/>
+          <a:p>
+            <a:pPr algn="ctr"/>
+            <a:r>
+              <a:rPr lang="it-IT" b="1" u="sng" dirty="0">
+                <a:latin typeface="Arial" panose="020B0604020202020204" pitchFamily="34" charset="0"/>
+                <a:cs typeface="Arial" panose="020B0604020202020204" pitchFamily="34" charset="0"/>
+              </a:rPr>
+              <a:t>Privacy </a:t>
+            </a:r>
+            <a:r>
+              <a:rPr lang="it-IT" b="1" u="sng" dirty="0" err="1">
+                <a:latin typeface="Arial" panose="020B0604020202020204" pitchFamily="34" charset="0"/>
+                <a:cs typeface="Arial" panose="020B0604020202020204" pitchFamily="34" charset="0"/>
+              </a:rPr>
+              <a:t>Metrics</a:t>
+            </a:r>
+            <a:r>
+              <a:rPr lang="it-IT" b="1" u="sng" dirty="0">
+                <a:latin typeface="Arial" panose="020B0604020202020204" pitchFamily="34" charset="0"/>
+                <a:cs typeface="Arial" panose="020B0604020202020204" pitchFamily="34" charset="0"/>
+              </a:rPr>
+              <a:t> Test 2</a:t>
+            </a:r>
+          </a:p>
+          <a:p>
+            <a:pPr algn="ctr"/>
+            <a:r>
+              <a:rPr lang="it-IT" b="1" dirty="0">
+                <a:latin typeface="Arial" panose="020B0604020202020204" pitchFamily="34" charset="0"/>
+                <a:cs typeface="Arial" panose="020B0604020202020204" pitchFamily="34" charset="0"/>
+              </a:rPr>
+              <a:t>Aggregate Data: 1</a:t>
+            </a:r>
+            <a:r>
+              <a:rPr lang="en-US" b="1" i="0" dirty="0">
+                <a:solidFill>
+                  <a:srgbClr val="212121"/>
+                </a:solidFill>
+                <a:effectLst/>
+                <a:latin typeface="Roboto" panose="02000000000000000000" pitchFamily="2" charset="0"/>
+              </a:rPr>
+              <a:t>.0</a:t>
+            </a:r>
+            <a:endParaRPr lang="it-IT" b="1" dirty="0">
+              <a:latin typeface="Arial" panose="020B0604020202020204" pitchFamily="34" charset="0"/>
+              <a:cs typeface="Arial" panose="020B0604020202020204" pitchFamily="34" charset="0"/>
+            </a:endParaRPr>
+          </a:p>
+        </p:txBody>
+      </p:sp>
+      <mc:AlternateContent xmlns:mc="http://schemas.openxmlformats.org/markup-compatibility/2006">
+        <mc:Choice xmlns:a14="http://schemas.microsoft.com/office/drawing/2010/main" Requires="a14">
+          <p:sp>
+            <p:nvSpPr>
+              <p:cNvPr id="15" name="CasellaDiTesto 14">
+                <a:extLst>
+                  <a:ext uri="{FF2B5EF4-FFF2-40B4-BE49-F238E27FC236}">
+                    <a16:creationId xmlns:a16="http://schemas.microsoft.com/office/drawing/2014/main" id="{B929C71C-1917-E436-AEAE-C35289C5D090}"/>
+                  </a:ext>
+                </a:extLst>
+              </p:cNvPr>
+              <p:cNvSpPr txBox="1"/>
+              <p:nvPr/>
+            </p:nvSpPr>
+            <p:spPr>
+              <a:xfrm>
+                <a:off x="5700202" y="1156823"/>
+                <a:ext cx="2271519" cy="701346"/>
+              </a:xfrm>
+              <a:prstGeom prst="rect">
+                <a:avLst/>
+              </a:prstGeom>
+              <a:noFill/>
+              <a:ln>
+                <a:solidFill>
+                  <a:schemeClr val="tx1"/>
+                </a:solidFill>
+              </a:ln>
+            </p:spPr>
+            <p:txBody>
+              <a:bodyPr wrap="none" lIns="0" tIns="0" rIns="0" bIns="0" rtlCol="0">
+                <a:spAutoFit/>
+              </a:bodyPr>
+              <a:lstStyle/>
+              <a:p>
+                <a14:m>
+                  <m:oMathPara xmlns:m="http://schemas.openxmlformats.org/officeDocument/2006/math">
+                    <m:oMathParaPr>
+                      <m:jc m:val="centerGroup"/>
+                    </m:oMathParaPr>
+                    <m:oMath xmlns:m="http://schemas.openxmlformats.org/officeDocument/2006/math">
+                      <m:r>
+                        <a:rPr lang="it-IT" b="1" i="0" smtClean="0">
+                          <a:latin typeface="Cambria Math" panose="02040503050406030204" pitchFamily="18" charset="0"/>
+                        </a:rPr>
+                        <m:t>𝐀</m:t>
+                      </m:r>
+                      <m:r>
+                        <a:rPr lang="it-IT" b="1" i="1" smtClean="0">
+                          <a:latin typeface="Cambria Math" panose="02040503050406030204" pitchFamily="18" charset="0"/>
+                        </a:rPr>
+                        <m:t>𝐏</m:t>
+                      </m:r>
+                      <m:r>
+                        <a:rPr lang="it-IT" b="1" i="0" smtClean="0">
+                          <a:latin typeface="Cambria Math" panose="02040503050406030204" pitchFamily="18" charset="0"/>
+                        </a:rPr>
+                        <m:t>𝐌</m:t>
+                      </m:r>
+                      <m:r>
+                        <a:rPr lang="it-IT" b="1" i="0" smtClean="0">
+                          <a:latin typeface="Cambria Math" panose="02040503050406030204" pitchFamily="18" charset="0"/>
+                        </a:rPr>
+                        <m:t>= </m:t>
+                      </m:r>
+                      <m:r>
+                        <a:rPr lang="it-IT" b="1" i="0" smtClean="0">
+                          <a:latin typeface="Cambria Math" panose="02040503050406030204" pitchFamily="18" charset="0"/>
+                        </a:rPr>
+                        <m:t>𝟏</m:t>
+                      </m:r>
+                      <m:r>
+                        <a:rPr lang="it-IT" b="1" i="1" smtClean="0">
+                          <a:latin typeface="Cambria Math" panose="02040503050406030204" pitchFamily="18" charset="0"/>
+                        </a:rPr>
+                        <m:t>−</m:t>
+                      </m:r>
+                      <m:f>
+                        <m:fPr>
+                          <m:ctrlPr>
+                            <a:rPr lang="pt-BR" b="1" i="1" smtClean="0">
+                              <a:latin typeface="Cambria Math" panose="02040503050406030204" pitchFamily="18" charset="0"/>
+                            </a:rPr>
+                          </m:ctrlPr>
+                        </m:fPr>
+                        <m:num>
+                          <m:nary>
+                            <m:naryPr>
+                              <m:chr m:val="∑"/>
+                              <m:ctrlPr>
+                                <a:rPr lang="pt-BR" b="1" i="1">
+                                  <a:latin typeface="Cambria Math" panose="02040503050406030204" pitchFamily="18" charset="0"/>
+                                </a:rPr>
+                              </m:ctrlPr>
+                            </m:naryPr>
+                            <m:sub>
+                              <m:r>
+                                <a:rPr lang="pt-BR" b="1" i="1">
+                                  <a:latin typeface="Cambria Math" panose="02040503050406030204" pitchFamily="18" charset="0"/>
+                                </a:rPr>
+                                <m:t>𝒌</m:t>
+                              </m:r>
+                              <m:r>
+                                <a:rPr lang="pt-BR" b="1" i="1">
+                                  <a:latin typeface="Cambria Math" panose="02040503050406030204" pitchFamily="18" charset="0"/>
+                                </a:rPr>
+                                <m:t>=</m:t>
+                              </m:r>
+                              <m:r>
+                                <a:rPr lang="pt-BR" b="1" i="1">
+                                  <a:latin typeface="Cambria Math" panose="02040503050406030204" pitchFamily="18" charset="0"/>
+                                </a:rPr>
+                                <m:t>𝟎</m:t>
+                              </m:r>
+                            </m:sub>
+                            <m:sup>
+                              <m:r>
+                                <a:rPr lang="pt-BR" b="1" i="1">
+                                  <a:latin typeface="Cambria Math" panose="02040503050406030204" pitchFamily="18" charset="0"/>
+                                </a:rPr>
+                                <m:t>𝒏</m:t>
+                              </m:r>
+                            </m:sup>
+                            <m:e>
+                              <m:f>
+                                <m:fPr>
+                                  <m:ctrlPr>
+                                    <a:rPr lang="pt-BR" b="1" i="1">
+                                      <a:latin typeface="Cambria Math" panose="02040503050406030204" pitchFamily="18" charset="0"/>
+                                    </a:rPr>
+                                  </m:ctrlPr>
+                                </m:fPr>
+                                <m:num>
+                                  <m:sSub>
+                                    <m:sSubPr>
+                                      <m:ctrlPr>
+                                        <a:rPr lang="pt-BR" b="1" i="1">
+                                          <a:latin typeface="Cambria Math" panose="02040503050406030204" pitchFamily="18" charset="0"/>
+                                        </a:rPr>
+                                      </m:ctrlPr>
+                                    </m:sSubPr>
+                                    <m:e>
+                                      <m:r>
+                                        <a:rPr lang="it-IT" b="1" i="1">
+                                          <a:latin typeface="Cambria Math" panose="02040503050406030204" pitchFamily="18" charset="0"/>
+                                        </a:rPr>
+                                        <m:t>𝑺</m:t>
+                                      </m:r>
+                                    </m:e>
+                                    <m:sub>
+                                      <m:r>
+                                        <a:rPr lang="it-IT" b="1" i="1">
+                                          <a:latin typeface="Cambria Math" panose="02040503050406030204" pitchFamily="18" charset="0"/>
+                                        </a:rPr>
+                                        <m:t>𝒌</m:t>
+                                      </m:r>
+                                    </m:sub>
+                                  </m:sSub>
+                                </m:num>
+                                <m:den>
+                                  <m:r>
+                                    <a:rPr lang="it-IT" b="1" i="1">
+                                      <a:latin typeface="Cambria Math" panose="02040503050406030204" pitchFamily="18" charset="0"/>
+                                    </a:rPr>
+                                    <m:t>𝟏𝟎𝟎</m:t>
+                                  </m:r>
+                                </m:den>
+                              </m:f>
+                            </m:e>
+                          </m:nary>
+                        </m:num>
+                        <m:den>
+                          <m:r>
+                            <a:rPr lang="it-IT" b="1" i="1" smtClean="0">
+                              <a:latin typeface="Cambria Math" panose="02040503050406030204" pitchFamily="18" charset="0"/>
+                            </a:rPr>
+                            <m:t>𝑵</m:t>
+                          </m:r>
+                        </m:den>
+                      </m:f>
+                    </m:oMath>
+                  </m:oMathPara>
+                </a14:m>
+                <a:endParaRPr lang="it-IT" b="1" dirty="0"/>
+              </a:p>
+            </p:txBody>
+          </p:sp>
+        </mc:Choice>
+        <mc:Fallback>
+          <p:sp>
+            <p:nvSpPr>
+              <p:cNvPr id="15" name="CasellaDiTesto 14">
+                <a:extLst>
+                  <a:ext uri="{FF2B5EF4-FFF2-40B4-BE49-F238E27FC236}">
+                    <a16:creationId xmlns:a16="http://schemas.microsoft.com/office/drawing/2014/main" id="{B929C71C-1917-E436-AEAE-C35289C5D090}"/>
+                  </a:ext>
+                </a:extLst>
+              </p:cNvPr>
+              <p:cNvSpPr txBox="1">
+                <a:spLocks noRot="1" noChangeAspect="1" noMove="1" noResize="1" noEditPoints="1" noAdjustHandles="1" noChangeArrowheads="1" noChangeShapeType="1" noTextEdit="1"/>
+              </p:cNvSpPr>
+              <p:nvPr/>
+            </p:nvSpPr>
+            <p:spPr>
+              <a:xfrm>
+                <a:off x="5700202" y="1156823"/>
+                <a:ext cx="2271519" cy="701346"/>
+              </a:xfrm>
+              <a:prstGeom prst="rect">
+                <a:avLst/>
+              </a:prstGeom>
+              <a:blipFill>
+                <a:blip r:embed="rId4"/>
+                <a:stretch>
+                  <a:fillRect/>
+                </a:stretch>
+              </a:blipFill>
+              <a:ln>
+                <a:solidFill>
+                  <a:schemeClr val="tx1"/>
+                </a:solidFill>
+              </a:ln>
+            </p:spPr>
+            <p:txBody>
+              <a:bodyPr/>
+              <a:lstStyle/>
+              <a:p>
+                <a:r>
+                  <a:rPr lang="it-IT">
+                    <a:noFill/>
+                  </a:rPr>
+                  <a:t> </a:t>
+                </a:r>
+              </a:p>
+            </p:txBody>
+          </p:sp>
+        </mc:Fallback>
+      </mc:AlternateContent>
+      <p:sp>
+        <p:nvSpPr>
+          <p:cNvPr id="16" name="CasellaDiTesto 15">
+            <a:extLst>
+              <a:ext uri="{FF2B5EF4-FFF2-40B4-BE49-F238E27FC236}">
+                <a16:creationId xmlns:a16="http://schemas.microsoft.com/office/drawing/2014/main" id="{3C953CD5-E43A-1DC3-78D7-AD2F96E72EFD}"/>
+              </a:ext>
+            </a:extLst>
+          </p:cNvPr>
+          <p:cNvSpPr txBox="1"/>
+          <p:nvPr/>
+        </p:nvSpPr>
+        <p:spPr>
+          <a:xfrm>
+            <a:off x="355911" y="1413935"/>
+            <a:ext cx="2354875" cy="5078313"/>
+          </a:xfrm>
+          <a:prstGeom prst="rect">
+            <a:avLst/>
+          </a:prstGeom>
+          <a:noFill/>
+        </p:spPr>
+        <p:txBody>
+          <a:bodyPr wrap="square" rtlCol="0">
+            <a:spAutoFit/>
+          </a:bodyPr>
+          <a:lstStyle/>
+          <a:p>
+            <a:r>
+              <a:rPr lang="it-IT" dirty="0">
+                <a:latin typeface="Arial" panose="020B0604020202020204" pitchFamily="34" charset="0"/>
+                <a:cs typeface="Arial" panose="020B0604020202020204" pitchFamily="34" charset="0"/>
+              </a:rPr>
+              <a:t>The First Chart (</a:t>
+            </a:r>
+            <a:r>
+              <a:rPr lang="it-IT" b="1" dirty="0">
+                <a:latin typeface="Arial" panose="020B0604020202020204" pitchFamily="34" charset="0"/>
+                <a:cs typeface="Arial" panose="020B0604020202020204" pitchFamily="34" charset="0"/>
+              </a:rPr>
+              <a:t>Test 1</a:t>
+            </a:r>
+            <a:r>
+              <a:rPr lang="it-IT" dirty="0">
+                <a:latin typeface="Arial" panose="020B0604020202020204" pitchFamily="34" charset="0"/>
+                <a:cs typeface="Arial" panose="020B0604020202020204" pitchFamily="34" charset="0"/>
+              </a:rPr>
+              <a:t>) </a:t>
+            </a:r>
+            <a:r>
+              <a:rPr lang="it-IT" dirty="0" err="1">
+                <a:latin typeface="Arial" panose="020B0604020202020204" pitchFamily="34" charset="0"/>
+                <a:cs typeface="Arial" panose="020B0604020202020204" pitchFamily="34" charset="0"/>
+              </a:rPr>
+              <a:t>means</a:t>
+            </a:r>
+            <a:r>
+              <a:rPr lang="it-IT" dirty="0">
+                <a:latin typeface="Arial" panose="020B0604020202020204" pitchFamily="34" charset="0"/>
+                <a:cs typeface="Arial" panose="020B0604020202020204" pitchFamily="34" charset="0"/>
+              </a:rPr>
+              <a:t> </a:t>
+            </a:r>
+            <a:r>
+              <a:rPr lang="it-IT" dirty="0" err="1">
+                <a:latin typeface="Arial" panose="020B0604020202020204" pitchFamily="34" charset="0"/>
+                <a:cs typeface="Arial" panose="020B0604020202020204" pitchFamily="34" charset="0"/>
+              </a:rPr>
+              <a:t>that</a:t>
+            </a:r>
+            <a:r>
+              <a:rPr lang="it-IT" dirty="0">
+                <a:latin typeface="Arial" panose="020B0604020202020204" pitchFamily="34" charset="0"/>
+                <a:cs typeface="Arial" panose="020B0604020202020204" pitchFamily="34" charset="0"/>
+              </a:rPr>
+              <a:t> </a:t>
+            </a:r>
+            <a:r>
+              <a:rPr lang="it-IT" dirty="0" err="1">
+                <a:latin typeface="Arial" panose="020B0604020202020204" pitchFamily="34" charset="0"/>
+                <a:cs typeface="Arial" panose="020B0604020202020204" pitchFamily="34" charset="0"/>
+              </a:rPr>
+              <a:t>within</a:t>
+            </a:r>
+            <a:r>
+              <a:rPr lang="it-IT" dirty="0">
+                <a:latin typeface="Arial" panose="020B0604020202020204" pitchFamily="34" charset="0"/>
+                <a:cs typeface="Arial" panose="020B0604020202020204" pitchFamily="34" charset="0"/>
+              </a:rPr>
+              <a:t> the 81 </a:t>
+            </a:r>
+            <a:r>
+              <a:rPr lang="it-IT" dirty="0" err="1">
+                <a:latin typeface="Arial" panose="020B0604020202020204" pitchFamily="34" charset="0"/>
+                <a:cs typeface="Arial" panose="020B0604020202020204" pitchFamily="34" charset="0"/>
+              </a:rPr>
+              <a:t>rows</a:t>
+            </a:r>
+            <a:r>
+              <a:rPr lang="it-IT" dirty="0">
+                <a:latin typeface="Arial" panose="020B0604020202020204" pitchFamily="34" charset="0"/>
+                <a:cs typeface="Arial" panose="020B0604020202020204" pitchFamily="34" charset="0"/>
+              </a:rPr>
+              <a:t> </a:t>
+            </a:r>
+            <a:r>
+              <a:rPr lang="it-IT" dirty="0" err="1">
+                <a:latin typeface="Arial" panose="020B0604020202020204" pitchFamily="34" charset="0"/>
+                <a:cs typeface="Arial" panose="020B0604020202020204" pitchFamily="34" charset="0"/>
+              </a:rPr>
+              <a:t>obtained</a:t>
+            </a:r>
+            <a:r>
+              <a:rPr lang="it-IT" dirty="0">
+                <a:latin typeface="Arial" panose="020B0604020202020204" pitchFamily="34" charset="0"/>
+                <a:cs typeface="Arial" panose="020B0604020202020204" pitchFamily="34" charset="0"/>
+              </a:rPr>
+              <a:t> with the merge on </a:t>
+            </a:r>
+            <a:r>
+              <a:rPr lang="it-IT" b="1" dirty="0">
+                <a:latin typeface="Arial" panose="020B0604020202020204" pitchFamily="34" charset="0"/>
+                <a:cs typeface="Arial" panose="020B0604020202020204" pitchFamily="34" charset="0"/>
+              </a:rPr>
+              <a:t>ANTENNA</a:t>
+            </a:r>
+            <a:r>
+              <a:rPr lang="it-IT" dirty="0">
+                <a:latin typeface="Arial" panose="020B0604020202020204" pitchFamily="34" charset="0"/>
+                <a:cs typeface="Arial" panose="020B0604020202020204" pitchFamily="34" charset="0"/>
+              </a:rPr>
+              <a:t>_</a:t>
+            </a:r>
+            <a:r>
+              <a:rPr lang="it-IT" b="1" dirty="0">
+                <a:latin typeface="Arial" panose="020B0604020202020204" pitchFamily="34" charset="0"/>
+                <a:cs typeface="Arial" panose="020B0604020202020204" pitchFamily="34" charset="0"/>
+              </a:rPr>
+              <a:t>CODE </a:t>
+            </a:r>
+            <a:r>
+              <a:rPr lang="it-IT" dirty="0" err="1">
+                <a:latin typeface="Arial" panose="020B0604020202020204" pitchFamily="34" charset="0"/>
+                <a:cs typeface="Arial" panose="020B0604020202020204" pitchFamily="34" charset="0"/>
+              </a:rPr>
+              <a:t>there</a:t>
+            </a:r>
+            <a:r>
+              <a:rPr lang="it-IT" dirty="0">
+                <a:latin typeface="Arial" panose="020B0604020202020204" pitchFamily="34" charset="0"/>
+                <a:cs typeface="Arial" panose="020B0604020202020204" pitchFamily="34" charset="0"/>
+              </a:rPr>
+              <a:t> are 80 with 0% of matches on </a:t>
+            </a:r>
+            <a:r>
+              <a:rPr lang="it-IT" b="1" dirty="0">
+                <a:latin typeface="Arial" panose="020B0604020202020204" pitchFamily="34" charset="0"/>
+                <a:cs typeface="Arial" panose="020B0604020202020204" pitchFamily="34" charset="0"/>
+              </a:rPr>
+              <a:t>SIM_CODE</a:t>
+            </a:r>
+            <a:r>
+              <a:rPr lang="it-IT" dirty="0">
+                <a:latin typeface="Arial" panose="020B0604020202020204" pitchFamily="34" charset="0"/>
+                <a:cs typeface="Arial" panose="020B0604020202020204" pitchFamily="34" charset="0"/>
+              </a:rPr>
+              <a:t> and 1 with 100% of matches. So </a:t>
+            </a:r>
+            <a:r>
+              <a:rPr lang="it-IT" dirty="0" err="1">
+                <a:latin typeface="Arial" panose="020B0604020202020204" pitchFamily="34" charset="0"/>
+                <a:cs typeface="Arial" panose="020B0604020202020204" pitchFamily="34" charset="0"/>
+              </a:rPr>
+              <a:t>there</a:t>
+            </a:r>
+            <a:r>
+              <a:rPr lang="it-IT" dirty="0">
+                <a:latin typeface="Arial" panose="020B0604020202020204" pitchFamily="34" charset="0"/>
+                <a:cs typeface="Arial" panose="020B0604020202020204" pitchFamily="34" charset="0"/>
+              </a:rPr>
+              <a:t> </a:t>
+            </a:r>
+            <a:r>
+              <a:rPr lang="it-IT" dirty="0" err="1">
+                <a:latin typeface="Arial" panose="020B0604020202020204" pitchFamily="34" charset="0"/>
+                <a:cs typeface="Arial" panose="020B0604020202020204" pitchFamily="34" charset="0"/>
+              </a:rPr>
+              <a:t>is</a:t>
+            </a:r>
+            <a:r>
+              <a:rPr lang="it-IT" dirty="0">
+                <a:latin typeface="Arial" panose="020B0604020202020204" pitchFamily="34" charset="0"/>
+                <a:cs typeface="Arial" panose="020B0604020202020204" pitchFamily="34" charset="0"/>
+              </a:rPr>
+              <a:t> a small </a:t>
+            </a:r>
+            <a:r>
+              <a:rPr lang="it-IT" b="1" dirty="0" err="1">
+                <a:latin typeface="Arial" panose="020B0604020202020204" pitchFamily="34" charset="0"/>
+                <a:cs typeface="Arial" panose="020B0604020202020204" pitchFamily="34" charset="0"/>
+              </a:rPr>
+              <a:t>failure</a:t>
+            </a:r>
+            <a:r>
+              <a:rPr lang="it-IT" dirty="0">
+                <a:latin typeface="Arial" panose="020B0604020202020204" pitchFamily="34" charset="0"/>
+                <a:cs typeface="Arial" panose="020B0604020202020204" pitchFamily="34" charset="0"/>
+              </a:rPr>
+              <a:t> in the </a:t>
+            </a:r>
+            <a:r>
+              <a:rPr lang="it-IT" b="1" dirty="0">
+                <a:latin typeface="Arial" panose="020B0604020202020204" pitchFamily="34" charset="0"/>
+                <a:cs typeface="Arial" panose="020B0604020202020204" pitchFamily="34" charset="0"/>
+              </a:rPr>
+              <a:t>Privacy </a:t>
+            </a:r>
+            <a:r>
+              <a:rPr lang="it-IT" b="1" dirty="0" err="1">
+                <a:latin typeface="Arial" panose="020B0604020202020204" pitchFamily="34" charset="0"/>
+                <a:cs typeface="Arial" panose="020B0604020202020204" pitchFamily="34" charset="0"/>
+              </a:rPr>
+              <a:t>Preserving</a:t>
+            </a:r>
+            <a:r>
+              <a:rPr lang="it-IT" b="1" dirty="0">
+                <a:latin typeface="Arial" panose="020B0604020202020204" pitchFamily="34" charset="0"/>
+                <a:cs typeface="Arial" panose="020B0604020202020204" pitchFamily="34" charset="0"/>
+              </a:rPr>
+              <a:t> </a:t>
+            </a:r>
+            <a:r>
+              <a:rPr lang="it-IT" b="1" dirty="0" err="1">
+                <a:latin typeface="Arial" panose="020B0604020202020204" pitchFamily="34" charset="0"/>
+                <a:cs typeface="Arial" panose="020B0604020202020204" pitchFamily="34" charset="0"/>
+              </a:rPr>
+              <a:t>Process</a:t>
+            </a:r>
+            <a:r>
+              <a:rPr lang="it-IT" dirty="0">
+                <a:latin typeface="Arial" panose="020B0604020202020204" pitchFamily="34" charset="0"/>
+                <a:cs typeface="Arial" panose="020B0604020202020204" pitchFamily="34" charset="0"/>
+              </a:rPr>
+              <a:t>. </a:t>
+            </a:r>
+          </a:p>
+          <a:p>
+            <a:endParaRPr lang="it-IT" b="1" dirty="0">
+              <a:latin typeface="Arial" panose="020B0604020202020204" pitchFamily="34" charset="0"/>
+              <a:cs typeface="Arial" panose="020B0604020202020204" pitchFamily="34" charset="0"/>
+            </a:endParaRPr>
+          </a:p>
+          <a:p>
+            <a:r>
+              <a:rPr lang="it-IT" b="1" dirty="0">
+                <a:latin typeface="Arial" panose="020B0604020202020204" pitchFamily="34" charset="0"/>
+                <a:cs typeface="Arial" panose="020B0604020202020204" pitchFamily="34" charset="0"/>
+              </a:rPr>
+              <a:t>In the second chart </a:t>
+            </a:r>
+            <a:r>
+              <a:rPr lang="it-IT" b="1" dirty="0" err="1">
+                <a:latin typeface="Arial" panose="020B0604020202020204" pitchFamily="34" charset="0"/>
+                <a:cs typeface="Arial" panose="020B0604020202020204" pitchFamily="34" charset="0"/>
+              </a:rPr>
+              <a:t>there</a:t>
+            </a:r>
+            <a:r>
+              <a:rPr lang="it-IT" b="1" dirty="0">
+                <a:latin typeface="Arial" panose="020B0604020202020204" pitchFamily="34" charset="0"/>
+                <a:cs typeface="Arial" panose="020B0604020202020204" pitchFamily="34" charset="0"/>
+              </a:rPr>
+              <a:t> are no matches and </a:t>
+            </a:r>
+            <a:r>
+              <a:rPr lang="it-IT" b="1" dirty="0" err="1">
+                <a:latin typeface="Arial" panose="020B0604020202020204" pitchFamily="34" charset="0"/>
+                <a:cs typeface="Arial" panose="020B0604020202020204" pitchFamily="34" charset="0"/>
+              </a:rPr>
+              <a:t>failures</a:t>
+            </a:r>
+            <a:r>
+              <a:rPr lang="it-IT" b="1" dirty="0">
+                <a:latin typeface="Arial" panose="020B0604020202020204" pitchFamily="34" charset="0"/>
+                <a:cs typeface="Arial" panose="020B0604020202020204" pitchFamily="34" charset="0"/>
+              </a:rPr>
+              <a:t>. </a:t>
+            </a:r>
+          </a:p>
+        </p:txBody>
+      </p:sp>
+    </p:spTree>
+    <p:extLst>
+      <p:ext uri="{BB962C8B-B14F-4D97-AF65-F5344CB8AC3E}">
+        <p14:creationId xmlns:p14="http://schemas.microsoft.com/office/powerpoint/2010/main" val="1678855952"/>
+      </p:ext>
+    </p:extLst>
+  </p:cSld>
+  <p:clrMapOvr>
+    <a:masterClrMapping/>
+  </p:clrMapOvr>
+</p:sld>
+</file>
+
+<file path=ppt/slides/slide11.xml><?xml version="1.0" encoding="utf-8"?>
+<p:sld xmlns:a="http://schemas.openxmlformats.org/drawingml/2006/main" xmlns:r="http://schemas.openxmlformats.org/officeDocument/2006/relationships" xmlns:p="http://schemas.openxmlformats.org/presentationml/2006/main">
+  <p:cSld>
+    <p:spTree>
+      <p:nvGrpSpPr>
+        <p:cNvPr id="1" name=""/>
+        <p:cNvGrpSpPr/>
+        <p:nvPr/>
+      </p:nvGrpSpPr>
+      <p:grpSpPr>
+        <a:xfrm>
+          <a:off x="0" y="0"/>
+          <a:ext cx="0" cy="0"/>
+          <a:chOff x="0" y="0"/>
+          <a:chExt cx="0" cy="0"/>
+        </a:xfrm>
+      </p:grpSpPr>
+      <p:sp>
+        <p:nvSpPr>
           <p:cNvPr id="2" name="Titolo 1">
             <a:extLst>
               <a:ext uri="{FF2B5EF4-FFF2-40B4-BE49-F238E27FC236}">
@@ -8521,8 +9464,36 @@
           <a:p>
             <a:r>
               <a:rPr lang="it-IT" dirty="0"/>
-              <a:t>grazie</a:t>
-            </a:r>
+              <a:t>Thank </a:t>
+            </a:r>
+            <a:r>
+              <a:rPr lang="it-IT" dirty="0" err="1"/>
+              <a:t>You</a:t>
+            </a:r>
+            <a:r>
+              <a:rPr lang="it-IT" dirty="0"/>
+              <a:t> </a:t>
+            </a:r>
+            <a:br>
+              <a:rPr lang="it-IT" dirty="0"/>
+            </a:br>
+            <a:r>
+              <a:rPr lang="it-IT" dirty="0"/>
+              <a:t>for </a:t>
+            </a:r>
+            <a:r>
+              <a:rPr lang="it-IT" dirty="0" err="1"/>
+              <a:t>your</a:t>
+            </a:r>
+            <a:r>
+              <a:rPr lang="it-IT" dirty="0"/>
+              <a:t> </a:t>
+            </a:r>
+            <a:r>
+              <a:rPr lang="it-IT" dirty="0" err="1"/>
+              <a:t>attention</a:t>
+            </a:r>
+            <a:endParaRPr lang="it-IT" dirty="0"/>
           </a:p>
         </p:txBody>
       </p:sp>
@@ -8542,15 +9513,62 @@
             <p:ph type="body" idx="1"/>
           </p:nvPr>
         </p:nvSpPr>
-        <p:spPr/>
+        <p:spPr>
+          <a:xfrm>
+            <a:off x="3246635" y="3997493"/>
+            <a:ext cx="6064500" cy="1607662"/>
+          </a:xfrm>
+        </p:spPr>
         <p:txBody>
           <a:bodyPr/>
           <a:lstStyle/>
           <a:p>
             <a:r>
               <a:rPr lang="it-IT" dirty="0"/>
-              <a:t>NOME COGNOME | nome.cognome@istat.it</a:t>
-            </a:r>
+              <a:t>FRANCESCO PUGLIESE | </a:t>
+            </a:r>
+            <a:r>
+              <a:rPr lang="it-IT" dirty="0">
+                <a:hlinkClick r:id="rId2"/>
+              </a:rPr>
+              <a:t>francesco.pugliese@istat.it</a:t>
+            </a:r>
+            <a:endParaRPr lang="it-IT" dirty="0"/>
+          </a:p>
+          <a:p>
+            <a:r>
+              <a:rPr lang="it-IT" dirty="0"/>
+              <a:t>MASSIMO DE CUBELLIS | </a:t>
+            </a:r>
+            <a:r>
+              <a:rPr lang="it-IT" dirty="0">
+                <a:hlinkClick r:id="rId3">
+                  <a:extLst>
+                    <a:ext uri="{A12FA001-AC4F-418D-AE19-62706E023703}">
+                      <ahyp:hlinkClr xmlns:ahyp="http://schemas.microsoft.com/office/drawing/2018/hyperlinkcolor" val="tx"/>
+                    </a:ext>
+                  </a:extLst>
+                </a:hlinkClick>
+              </a:rPr>
+              <a:t>decubell@istat.it</a:t>
+            </a:r>
+            <a:endParaRPr lang="it-IT" dirty="0"/>
+          </a:p>
+          <a:p>
+            <a:r>
+              <a:rPr lang="it-IT" dirty="0"/>
+              <a:t>ROBERTA RADINI | </a:t>
+            </a:r>
+            <a:r>
+              <a:rPr lang="it-IT" dirty="0">
+                <a:hlinkClick r:id="rId4"/>
+              </a:rPr>
+              <a:t>radini@istat.it</a:t>
+            </a:r>
+            <a:endParaRPr lang="it-IT" dirty="0"/>
+          </a:p>
+          <a:p>
+            <a:endParaRPr lang="it-IT" dirty="0"/>
           </a:p>
         </p:txBody>
       </p:sp>
@@ -8627,7 +9645,7 @@
           <a:p>
             <a:r>
               <a:rPr lang="en-US" dirty="0"/>
-              <a:t>Attributes: NUM_CALLER_KEY (Sim code)</a:t>
+              <a:t>Attributes: SIM_CODE</a:t>
             </a:r>
             <a:br>
               <a:rPr lang="en-US" dirty="0"/>
@@ -8641,14 +9659,14 @@
             </a:br>
             <a:r>
               <a:rPr lang="en-US" dirty="0"/>
-              <a:t>                 TIME_MIN_CALL (Time call)</a:t>
+              <a:t>                 TIME_CALL</a:t>
             </a:r>
             <a:br>
               <a:rPr lang="en-US" dirty="0"/>
             </a:br>
             <a:r>
               <a:rPr lang="en-US" dirty="0"/>
-              <a:t>                 CELL_CALL_CODE (Antenna code)</a:t>
+              <a:t>                 ANTENNA_CODE</a:t>
             </a:r>
           </a:p>
           <a:p>
@@ -9303,7 +10321,39 @@
             </a:pPr>
             <a:r>
               <a:rPr lang="en-US" dirty="0"/>
-              <a:t>Graphical analysis of comparison of univariate and bivariate distributions on categorical values of real data and synthetic data</a:t>
+              <a:t>Graphical analysis with </a:t>
+            </a:r>
+            <a:r>
+              <a:rPr lang="en-US" b="1" dirty="0"/>
+              <a:t>Univariate Distributions Comparisons</a:t>
+            </a:r>
+            <a:r>
+              <a:rPr lang="en-US" dirty="0"/>
+              <a:t> on the </a:t>
+            </a:r>
+            <a:r>
+              <a:rPr lang="en-US" b="1" dirty="0"/>
+              <a:t>Categorical</a:t>
+            </a:r>
+            <a:r>
+              <a:rPr lang="en-US" dirty="0"/>
+              <a:t> Variables from </a:t>
+            </a:r>
+            <a:r>
+              <a:rPr lang="en-US" b="1" dirty="0"/>
+              <a:t>Real Data</a:t>
+            </a:r>
+            <a:r>
+              <a:rPr lang="en-US" dirty="0"/>
+              <a:t> and </a:t>
+            </a:r>
+            <a:r>
+              <a:rPr lang="en-US" b="1" dirty="0"/>
+              <a:t>Synthetic Data</a:t>
+            </a:r>
+            <a:r>
+              <a:rPr lang="en-US" dirty="0"/>
+              <a:t>.</a:t>
             </a:r>
           </a:p>
           <a:p>
@@ -9330,19 +10380,106 @@
             <p:ph type="title"/>
           </p:nvPr>
         </p:nvSpPr>
-        <p:spPr/>
+        <p:spPr>
+          <a:xfrm>
+            <a:off x="461346" y="740649"/>
+            <a:ext cx="11269308" cy="424949"/>
+          </a:xfrm>
+        </p:spPr>
         <p:txBody>
           <a:bodyPr/>
           <a:lstStyle/>
           <a:p>
-            <a:r>
-              <a:rPr lang="it-IT" dirty="0"/>
-              <a:t>A first </a:t>
-            </a:r>
-            <a:r>
-              <a:rPr lang="it-IT" dirty="0" err="1"/>
-              <a:t>analysis</a:t>
-            </a:r>
+            <a:pPr algn="ctr"/>
+            <a:r>
+              <a:rPr lang="it-IT" b="1" i="0" dirty="0" err="1">
+                <a:solidFill>
+                  <a:srgbClr val="212121"/>
+                </a:solidFill>
+                <a:effectLst/>
+                <a:latin typeface="Roboto" panose="02000000000000000000" pitchFamily="2" charset="0"/>
+              </a:rPr>
+              <a:t>Original</a:t>
+            </a:r>
+            <a:r>
+              <a:rPr lang="it-IT" b="1" i="0" dirty="0">
+                <a:solidFill>
+                  <a:srgbClr val="212121"/>
+                </a:solidFill>
+                <a:effectLst/>
+                <a:latin typeface="Roboto" panose="02000000000000000000" pitchFamily="2" charset="0"/>
+              </a:rPr>
+              <a:t> and </a:t>
+            </a:r>
+            <a:r>
+              <a:rPr lang="it-IT" b="1" i="0" dirty="0" err="1">
+                <a:solidFill>
+                  <a:srgbClr val="212121"/>
+                </a:solidFill>
+                <a:effectLst/>
+                <a:latin typeface="Roboto" panose="02000000000000000000" pitchFamily="2" charset="0"/>
+              </a:rPr>
+              <a:t>Synthetic</a:t>
+            </a:r>
+            <a:r>
+              <a:rPr lang="it-IT" b="1" i="0" dirty="0">
+                <a:solidFill>
+                  <a:srgbClr val="212121"/>
+                </a:solidFill>
+                <a:effectLst/>
+                <a:latin typeface="Roboto" panose="02000000000000000000" pitchFamily="2" charset="0"/>
+              </a:rPr>
+              <a:t> Data </a:t>
+            </a:r>
+            <a:r>
+              <a:rPr lang="it-IT" b="1" i="0" dirty="0" err="1">
+                <a:solidFill>
+                  <a:srgbClr val="212121"/>
+                </a:solidFill>
+                <a:effectLst/>
+                <a:latin typeface="Roboto" panose="02000000000000000000" pitchFamily="2" charset="0"/>
+              </a:rPr>
+              <a:t>Univariate</a:t>
+            </a:r>
+            <a:r>
+              <a:rPr lang="it-IT" b="1" i="0" dirty="0">
+                <a:solidFill>
+                  <a:srgbClr val="212121"/>
+                </a:solidFill>
+                <a:effectLst/>
+                <a:latin typeface="Roboto" panose="02000000000000000000" pitchFamily="2" charset="0"/>
+              </a:rPr>
+              <a:t> Distribution </a:t>
+            </a:r>
+            <a:r>
+              <a:rPr lang="it-IT" b="1" i="0" dirty="0" err="1">
+                <a:solidFill>
+                  <a:srgbClr val="212121"/>
+                </a:solidFill>
+                <a:effectLst/>
+                <a:latin typeface="Roboto" panose="02000000000000000000" pitchFamily="2" charset="0"/>
+              </a:rPr>
+              <a:t>Visualization</a:t>
+            </a:r>
+            <a:r>
+              <a:rPr lang="it-IT" b="1" i="0" dirty="0">
+                <a:solidFill>
+                  <a:srgbClr val="212121"/>
+                </a:solidFill>
+                <a:effectLst/>
+                <a:latin typeface="Roboto" panose="02000000000000000000" pitchFamily="2" charset="0"/>
+              </a:rPr>
+              <a:t> </a:t>
+            </a:r>
+            <a:br>
+              <a:rPr lang="it-IT" b="0" i="0" dirty="0">
+                <a:solidFill>
+                  <a:srgbClr val="212121"/>
+                </a:solidFill>
+                <a:effectLst/>
+                <a:latin typeface="Roboto" panose="02000000000000000000" pitchFamily="2" charset="0"/>
+              </a:rPr>
+            </a:br>
             <a:endParaRPr lang="it-IT" dirty="0"/>
           </a:p>
         </p:txBody>
@@ -9434,100 +10571,339 @@
           </a:p>
         </p:txBody>
       </p:sp>
-      <p:sp>
-        <p:nvSpPr>
-          <p:cNvPr id="6" name="Rettangolo 5">
+      <p:graphicFrame>
+        <p:nvGraphicFramePr>
+          <p:cNvPr id="12" name="Tabella 12">
             <a:extLst>
               <a:ext uri="{FF2B5EF4-FFF2-40B4-BE49-F238E27FC236}">
-                <a16:creationId xmlns:a16="http://schemas.microsoft.com/office/drawing/2014/main" id="{E7CB787C-5BBD-8238-55CE-60ED3ECEDCEA}"/>
+                <a16:creationId xmlns:a16="http://schemas.microsoft.com/office/drawing/2014/main" id="{8E9FA477-A2B0-C647-BAE4-03196F9E5244}"/>
               </a:ext>
             </a:extLst>
           </p:cNvPr>
-          <p:cNvSpPr/>
+          <p:cNvGraphicFramePr>
+            <a:graphicFrameLocks noGrp="1"/>
+          </p:cNvGraphicFramePr>
+          <p:nvPr>
+            <p:extLst>
+              <p:ext uri="{D42A27DB-BD31-4B8C-83A1-F6EECF244321}">
+                <p14:modId xmlns:p14="http://schemas.microsoft.com/office/powerpoint/2010/main" val="7219125"/>
+              </p:ext>
+            </p:extLst>
+          </p:nvPr>
+        </p:nvGraphicFramePr>
+        <p:xfrm>
+          <a:off x="579030" y="2061773"/>
+          <a:ext cx="10536549" cy="4292753"/>
+        </p:xfrm>
+        <a:graphic>
+          <a:graphicData uri="http://schemas.openxmlformats.org/drawingml/2006/table">
+            <a:tbl>
+              <a:tblPr firstRow="1" bandRow="1">
+                <a:tableStyleId>{5C22544A-7EE6-4342-B048-85BDC9FD1C3A}</a:tableStyleId>
+              </a:tblPr>
+              <a:tblGrid>
+                <a:gridCol w="2277186">
+                  <a:extLst>
+                    <a:ext uri="{9D8B030D-6E8A-4147-A177-3AD203B41FA5}">
+                      <a16:colId xmlns:a16="http://schemas.microsoft.com/office/drawing/2014/main" val="3548202202"/>
+                    </a:ext>
+                  </a:extLst>
+                </a:gridCol>
+                <a:gridCol w="4038241">
+                  <a:extLst>
+                    <a:ext uri="{9D8B030D-6E8A-4147-A177-3AD203B41FA5}">
+                      <a16:colId xmlns:a16="http://schemas.microsoft.com/office/drawing/2014/main" val="1309839314"/>
+                    </a:ext>
+                  </a:extLst>
+                </a:gridCol>
+                <a:gridCol w="4221122">
+                  <a:extLst>
+                    <a:ext uri="{9D8B030D-6E8A-4147-A177-3AD203B41FA5}">
+                      <a16:colId xmlns:a16="http://schemas.microsoft.com/office/drawing/2014/main" val="2743332816"/>
+                    </a:ext>
+                  </a:extLst>
+                </a:gridCol>
+              </a:tblGrid>
+              <a:tr h="445061">
+                <a:tc>
+                  <a:txBody>
+                    <a:bodyPr/>
+                    <a:lstStyle/>
+                    <a:p>
+                      <a:endParaRPr lang="it-IT" dirty="0"/>
+                    </a:p>
+                  </a:txBody>
+                  <a:tcPr/>
+                </a:tc>
+                <a:tc>
+                  <a:txBody>
+                    <a:bodyPr/>
+                    <a:lstStyle/>
+                    <a:p>
+                      <a:pPr algn="ctr"/>
+                      <a:r>
+                        <a:rPr lang="it-IT" dirty="0"/>
+                        <a:t>ORIGINAL DATASET</a:t>
+                      </a:r>
+                    </a:p>
+                  </a:txBody>
+                  <a:tcPr/>
+                </a:tc>
+                <a:tc>
+                  <a:txBody>
+                    <a:bodyPr/>
+                    <a:lstStyle/>
+                    <a:p>
+                      <a:pPr marL="0" marR="0" lvl="0" indent="0" algn="ctr" defTabSz="457200" rtl="0" eaLnBrk="1" fontAlgn="auto" latinLnBrk="0" hangingPunct="1">
+                        <a:lnSpc>
+                          <a:spcPct val="100000"/>
+                        </a:lnSpc>
+                        <a:spcBef>
+                          <a:spcPts val="0"/>
+                        </a:spcBef>
+                        <a:spcAft>
+                          <a:spcPts val="0"/>
+                        </a:spcAft>
+                        <a:buClrTx/>
+                        <a:buSzTx/>
+                        <a:buFontTx/>
+                        <a:buNone/>
+                        <a:tabLst/>
+                        <a:defRPr/>
+                      </a:pPr>
+                      <a:r>
+                        <a:rPr lang="it-IT" dirty="0"/>
+                        <a:t>SYNTHETIC DATASET</a:t>
+                      </a:r>
+                    </a:p>
+                  </a:txBody>
+                  <a:tcPr/>
+                </a:tc>
+                <a:extLst>
+                  <a:ext uri="{0D108BD9-81ED-4DB2-BD59-A6C34878D82A}">
+                    <a16:rowId xmlns:a16="http://schemas.microsoft.com/office/drawing/2014/main" val="3480578365"/>
+                  </a:ext>
+                </a:extLst>
+              </a:tr>
+              <a:tr h="1923846">
+                <a:tc>
+                  <a:txBody>
+                    <a:bodyPr/>
+                    <a:lstStyle/>
+                    <a:p>
+                      <a:endParaRPr lang="it-IT" b="1" dirty="0"/>
+                    </a:p>
+                    <a:p>
+                      <a:endParaRPr lang="it-IT" b="1" dirty="0"/>
+                    </a:p>
+                    <a:p>
+                      <a:r>
+                        <a:rPr lang="it-IT" b="1" dirty="0"/>
+                        <a:t>SIM_CODE</a:t>
+                      </a:r>
+                    </a:p>
+                  </a:txBody>
+                  <a:tcPr/>
+                </a:tc>
+                <a:tc>
+                  <a:txBody>
+                    <a:bodyPr/>
+                    <a:lstStyle/>
+                    <a:p>
+                      <a:endParaRPr lang="it-IT"/>
+                    </a:p>
+                  </a:txBody>
+                  <a:tcPr/>
+                </a:tc>
+                <a:tc>
+                  <a:txBody>
+                    <a:bodyPr/>
+                    <a:lstStyle/>
+                    <a:p>
+                      <a:endParaRPr lang="it-IT" dirty="0"/>
+                    </a:p>
+                  </a:txBody>
+                  <a:tcPr/>
+                </a:tc>
+                <a:extLst>
+                  <a:ext uri="{0D108BD9-81ED-4DB2-BD59-A6C34878D82A}">
+                    <a16:rowId xmlns:a16="http://schemas.microsoft.com/office/drawing/2014/main" val="2439133455"/>
+                  </a:ext>
+                </a:extLst>
+              </a:tr>
+              <a:tr h="1923846">
+                <a:tc>
+                  <a:txBody>
+                    <a:bodyPr/>
+                    <a:lstStyle/>
+                    <a:p>
+                      <a:endParaRPr lang="it-IT" dirty="0"/>
+                    </a:p>
+                    <a:p>
+                      <a:endParaRPr lang="it-IT" dirty="0"/>
+                    </a:p>
+                    <a:p>
+                      <a:endParaRPr lang="it-IT" b="1" dirty="0"/>
+                    </a:p>
+                    <a:p>
+                      <a:r>
+                        <a:rPr lang="it-IT" b="1" dirty="0"/>
+                        <a:t>ANTENNA_CODE</a:t>
+                      </a:r>
+                    </a:p>
+                  </a:txBody>
+                  <a:tcPr/>
+                </a:tc>
+                <a:tc>
+                  <a:txBody>
+                    <a:bodyPr/>
+                    <a:lstStyle/>
+                    <a:p>
+                      <a:endParaRPr lang="it-IT" dirty="0"/>
+                    </a:p>
+                  </a:txBody>
+                  <a:tcPr/>
+                </a:tc>
+                <a:tc>
+                  <a:txBody>
+                    <a:bodyPr/>
+                    <a:lstStyle/>
+                    <a:p>
+                      <a:endParaRPr lang="it-IT" dirty="0"/>
+                    </a:p>
+                  </a:txBody>
+                  <a:tcPr/>
+                </a:tc>
+                <a:extLst>
+                  <a:ext uri="{0D108BD9-81ED-4DB2-BD59-A6C34878D82A}">
+                    <a16:rowId xmlns:a16="http://schemas.microsoft.com/office/drawing/2014/main" val="2861626588"/>
+                  </a:ext>
+                </a:extLst>
+              </a:tr>
+            </a:tbl>
+          </a:graphicData>
+        </a:graphic>
+      </p:graphicFrame>
+      <p:pic>
+        <p:nvPicPr>
+          <p:cNvPr id="14" name="Immagine 13">
+            <a:extLst>
+              <a:ext uri="{FF2B5EF4-FFF2-40B4-BE49-F238E27FC236}">
+                <a16:creationId xmlns:a16="http://schemas.microsoft.com/office/drawing/2014/main" id="{B52222FA-FB4F-92F9-AAC3-BFE9FC718826}"/>
+              </a:ext>
+            </a:extLst>
+          </p:cNvPr>
+          <p:cNvPicPr>
+            <a:picLocks noChangeAspect="1"/>
+          </p:cNvPicPr>
           <p:nvPr/>
-        </p:nvSpPr>
+        </p:nvPicPr>
+        <p:blipFill>
+          <a:blip r:embed="rId2"/>
+          <a:stretch>
+            <a:fillRect/>
+          </a:stretch>
+        </p:blipFill>
         <p:spPr>
           <a:xfrm>
-            <a:off x="2724539" y="2332653"/>
-            <a:ext cx="2612571" cy="2388637"/>
+            <a:off x="2973131" y="2537687"/>
+            <a:ext cx="3797539" cy="1808282"/>
           </a:xfrm>
           <a:prstGeom prst="rect">
             <a:avLst/>
           </a:prstGeom>
         </p:spPr>
-        <p:style>
-          <a:lnRef idx="2">
-            <a:schemeClr val="accent6"/>
-          </a:lnRef>
-          <a:fillRef idx="1">
-            <a:schemeClr val="lt1"/>
-          </a:fillRef>
-          <a:effectRef idx="0">
-            <a:schemeClr val="accent6"/>
-          </a:effectRef>
-          <a:fontRef idx="minor">
-            <a:schemeClr val="dk1"/>
-          </a:fontRef>
-        </p:style>
-        <p:txBody>
-          <a:bodyPr rtlCol="0" anchor="ctr"/>
-          <a:lstStyle/>
-          <a:p>
-            <a:pPr algn="ctr"/>
-            <a:r>
-              <a:rPr lang="it-IT" dirty="0"/>
-              <a:t>Inserire qui il grafico della distribuzione dei dati reali</a:t>
-            </a:r>
-          </a:p>
-        </p:txBody>
-      </p:sp>
-      <p:sp>
-        <p:nvSpPr>
-          <p:cNvPr id="7" name="Rettangolo 6">
+      </p:pic>
+      <p:pic>
+        <p:nvPicPr>
+          <p:cNvPr id="17" name="Immagine 16">
             <a:extLst>
               <a:ext uri="{FF2B5EF4-FFF2-40B4-BE49-F238E27FC236}">
-                <a16:creationId xmlns:a16="http://schemas.microsoft.com/office/drawing/2014/main" id="{A9B2C097-7312-76E4-BD78-4E943937E66F}"/>
+                <a16:creationId xmlns:a16="http://schemas.microsoft.com/office/drawing/2014/main" id="{BC3636CD-2E9E-5FC3-1B35-C559BA80B3BD}"/>
               </a:ext>
             </a:extLst>
           </p:cNvPr>
-          <p:cNvSpPr/>
+          <p:cNvPicPr>
+            <a:picLocks noChangeAspect="1"/>
+          </p:cNvPicPr>
           <p:nvPr/>
-        </p:nvSpPr>
+        </p:nvPicPr>
+        <p:blipFill>
+          <a:blip r:embed="rId3"/>
+          <a:stretch>
+            <a:fillRect/>
+          </a:stretch>
+        </p:blipFill>
         <p:spPr>
           <a:xfrm>
-            <a:off x="7155171" y="2332652"/>
-            <a:ext cx="2612571" cy="2388637"/>
+            <a:off x="7059095" y="2537686"/>
+            <a:ext cx="3913705" cy="1808281"/>
           </a:xfrm>
           <a:prstGeom prst="rect">
             <a:avLst/>
           </a:prstGeom>
         </p:spPr>
-        <p:style>
-          <a:lnRef idx="2">
-            <a:schemeClr val="accent6"/>
-          </a:lnRef>
-          <a:fillRef idx="1">
-            <a:schemeClr val="lt1"/>
-          </a:fillRef>
-          <a:effectRef idx="0">
-            <a:schemeClr val="accent6"/>
-          </a:effectRef>
-          <a:fontRef idx="minor">
-            <a:schemeClr val="dk1"/>
-          </a:fontRef>
-        </p:style>
-        <p:txBody>
-          <a:bodyPr rtlCol="0" anchor="ctr"/>
-          <a:lstStyle/>
-          <a:p>
-            <a:pPr algn="ctr"/>
-            <a:r>
-              <a:rPr lang="it-IT" dirty="0"/>
-              <a:t>Inserire qui il grafico della distribuzione dei dati sintetici</a:t>
-            </a:r>
-          </a:p>
-        </p:txBody>
-      </p:sp>
+      </p:pic>
+      <p:pic>
+        <p:nvPicPr>
+          <p:cNvPr id="19" name="Immagine 18">
+            <a:extLst>
+              <a:ext uri="{FF2B5EF4-FFF2-40B4-BE49-F238E27FC236}">
+                <a16:creationId xmlns:a16="http://schemas.microsoft.com/office/drawing/2014/main" id="{11BF3439-F882-48D2-BD8B-8FC5288CD017}"/>
+              </a:ext>
+            </a:extLst>
+          </p:cNvPr>
+          <p:cNvPicPr>
+            <a:picLocks noChangeAspect="1"/>
+          </p:cNvPicPr>
+          <p:nvPr/>
+        </p:nvPicPr>
+        <p:blipFill>
+          <a:blip r:embed="rId4"/>
+          <a:stretch>
+            <a:fillRect/>
+          </a:stretch>
+        </p:blipFill>
+        <p:spPr>
+          <a:xfrm>
+            <a:off x="2973131" y="4477140"/>
+            <a:ext cx="3797539" cy="1808283"/>
+          </a:xfrm>
+          <a:prstGeom prst="rect">
+            <a:avLst/>
+          </a:prstGeom>
+        </p:spPr>
+      </p:pic>
+      <p:pic>
+        <p:nvPicPr>
+          <p:cNvPr id="21" name="Immagine 20">
+            <a:extLst>
+              <a:ext uri="{FF2B5EF4-FFF2-40B4-BE49-F238E27FC236}">
+                <a16:creationId xmlns:a16="http://schemas.microsoft.com/office/drawing/2014/main" id="{67A92ECE-DFE9-DA62-C84E-67BC6366CA37}"/>
+              </a:ext>
+            </a:extLst>
+          </p:cNvPr>
+          <p:cNvPicPr>
+            <a:picLocks noChangeAspect="1"/>
+          </p:cNvPicPr>
+          <p:nvPr/>
+        </p:nvPicPr>
+        <p:blipFill>
+          <a:blip r:embed="rId5"/>
+          <a:stretch>
+            <a:fillRect/>
+          </a:stretch>
+        </p:blipFill>
+        <p:spPr>
+          <a:xfrm>
+            <a:off x="7032908" y="4521914"/>
+            <a:ext cx="3939892" cy="1763510"/>
+          </a:xfrm>
+          <a:prstGeom prst="rect">
+            <a:avLst/>
+          </a:prstGeom>
+        </p:spPr>
+      </p:pic>
     </p:spTree>
     <p:extLst>
       <p:ext uri="{BB962C8B-B14F-4D97-AF65-F5344CB8AC3E}">
@@ -10152,7 +11528,7 @@
                 </a:solidFill>
                 <a:latin typeface="arial" panose="020B0604020202020204" pitchFamily="34" charset="0"/>
               </a:rPr>
-              <a:t>“SIM CODE” </a:t>
+              <a:t>“SIM_CODE” </a:t>
             </a:r>
             <a:r>
               <a:rPr lang="en-US" dirty="0">
@@ -10371,7 +11747,27 @@
                 <a:latin typeface="arial" panose="020B0604020202020204" pitchFamily="34" charset="0"/>
                 <a:cs typeface="+mn-cs"/>
               </a:rPr>
-              <a:t> of the Synthetic Data Gym of the </a:t>
+              <a:t> of the </a:t>
+            </a:r>
+            <a:r>
+              <a:rPr lang="en-US" b="1" dirty="0">
+                <a:solidFill>
+                  <a:srgbClr val="202124"/>
+                </a:solidFill>
+                <a:latin typeface="arial" panose="020B0604020202020204" pitchFamily="34" charset="0"/>
+                <a:cs typeface="+mn-cs"/>
+              </a:rPr>
+              <a:t>Synthetic Data Gym</a:t>
+            </a:r>
+            <a:r>
+              <a:rPr lang="en-US" dirty="0">
+                <a:solidFill>
+                  <a:srgbClr val="202124"/>
+                </a:solidFill>
+                <a:latin typeface="arial" panose="020B0604020202020204" pitchFamily="34" charset="0"/>
+                <a:cs typeface="+mn-cs"/>
+              </a:rPr>
+              <a:t> of the </a:t>
             </a:r>
             <a:r>
               <a:rPr lang="en-US" b="1" dirty="0">
@@ -10833,7 +12229,6 @@
                   <a:srgbClr val="212121"/>
                 </a:solidFill>
                 <a:effectLst/>
-                <a:latin typeface="Roboto" panose="02000000000000000000" pitchFamily="2" charset="0"/>
               </a:rPr>
               <a:t>sdv.metrics.tabular.KSTest</a:t>
             </a:r>
@@ -10843,7 +12238,6 @@
                   <a:srgbClr val="212121"/>
                 </a:solidFill>
                 <a:effectLst/>
-                <a:latin typeface="Roboto" panose="02000000000000000000" pitchFamily="2" charset="0"/>
               </a:rPr>
               <a:t>:</a:t>
             </a:r>
@@ -10853,7 +12247,6 @@
                   <a:srgbClr val="212121"/>
                 </a:solidFill>
                 <a:effectLst/>
-                <a:latin typeface="Roboto" panose="02000000000000000000" pitchFamily="2" charset="0"/>
               </a:rPr>
               <a:t> This metric uses the two-sample </a:t>
             </a:r>
@@ -10863,7 +12256,6 @@
                   <a:srgbClr val="212121"/>
                 </a:solidFill>
                 <a:effectLst/>
-                <a:latin typeface="Roboto" panose="02000000000000000000" pitchFamily="2" charset="0"/>
               </a:rPr>
               <a:t>Kolmogorov–Smirnov Test</a:t>
             </a:r>
@@ -10873,7 +12265,6 @@
                   <a:srgbClr val="212121"/>
                 </a:solidFill>
                 <a:effectLst/>
-                <a:latin typeface="Roboto" panose="02000000000000000000" pitchFamily="2" charset="0"/>
               </a:rPr>
               <a:t> to compare the distributions of continuous columns using the empirical </a:t>
             </a:r>
@@ -10883,7 +12274,6 @@
                   <a:srgbClr val="212121"/>
                 </a:solidFill>
                 <a:effectLst/>
-                <a:latin typeface="Roboto" panose="02000000000000000000" pitchFamily="2" charset="0"/>
               </a:rPr>
               <a:t>CDF (Cumulative </a:t>
             </a:r>
@@ -10893,7 +12283,6 @@
                   <a:srgbClr val="212121"/>
                 </a:solidFill>
                 <a:effectLst/>
-                <a:latin typeface="Roboto" panose="02000000000000000000" pitchFamily="2" charset="0"/>
               </a:rPr>
               <a:t>Distibution</a:t>
             </a:r>
@@ -10903,7 +12292,6 @@
                   <a:srgbClr val="212121"/>
                 </a:solidFill>
                 <a:effectLst/>
-                <a:latin typeface="Roboto" panose="02000000000000000000" pitchFamily="2" charset="0"/>
               </a:rPr>
               <a:t> Function: P(</a:t>
             </a:r>
@@ -10913,7 +12301,6 @@
                   <a:srgbClr val="212121"/>
                 </a:solidFill>
                 <a:effectLst/>
-                <a:latin typeface="Roboto" panose="02000000000000000000" pitchFamily="2" charset="0"/>
               </a:rPr>
               <a:t>X≤x</a:t>
             </a:r>
@@ -10923,7 +12310,6 @@
                   <a:srgbClr val="212121"/>
                 </a:solidFill>
                 <a:effectLst/>
-                <a:latin typeface="Roboto" panose="02000000000000000000" pitchFamily="2" charset="0"/>
               </a:rPr>
               <a:t>)</a:t>
             </a:r>
@@ -10932,7 +12318,6 @@
                 <a:solidFill>
                   <a:srgbClr val="212121"/>
                 </a:solidFill>
-                <a:latin typeface="Roboto" panose="02000000000000000000" pitchFamily="2" charset="0"/>
               </a:rPr>
               <a:t>). </a:t>
             </a:r>
@@ -10942,7 +12327,6 @@
                   <a:srgbClr val="212121"/>
                 </a:solidFill>
                 <a:effectLst/>
-                <a:latin typeface="Roboto" panose="02000000000000000000" pitchFamily="2" charset="0"/>
               </a:rPr>
               <a:t>The output of </a:t>
             </a:r>
@@ -10952,7 +12336,6 @@
                   <a:srgbClr val="212121"/>
                 </a:solidFill>
                 <a:effectLst/>
-                <a:latin typeface="Roboto" panose="02000000000000000000" pitchFamily="2" charset="0"/>
               </a:rPr>
               <a:t>KSTest</a:t>
             </a:r>
@@ -10962,7 +12345,6 @@
                   <a:srgbClr val="212121"/>
                 </a:solidFill>
                 <a:effectLst/>
-                <a:latin typeface="Roboto" panose="02000000000000000000" pitchFamily="2" charset="0"/>
               </a:rPr>
               <a:t> for each column is 1 minus the </a:t>
             </a:r>
@@ -10972,7 +12354,6 @@
                   <a:srgbClr val="212121"/>
                 </a:solidFill>
                 <a:effectLst/>
-                <a:latin typeface="Roboto" panose="02000000000000000000" pitchFamily="2" charset="0"/>
               </a:rPr>
               <a:t>KS Test D </a:t>
             </a:r>
@@ -10982,7 +12363,6 @@
                   <a:srgbClr val="212121"/>
                 </a:solidFill>
                 <a:effectLst/>
-                <a:latin typeface="Roboto" panose="02000000000000000000" pitchFamily="2" charset="0"/>
               </a:rPr>
               <a:t>statistic, which indicates the maximum distance between the expected CDF and the observed CDF values. </a:t>
             </a:r>
@@ -11001,7 +12381,6 @@
                   <a:srgbClr val="212121"/>
                 </a:solidFill>
                 <a:effectLst/>
-                <a:latin typeface="Roboto" panose="02000000000000000000" pitchFamily="2" charset="0"/>
               </a:rPr>
               <a:t>The letter </a:t>
             </a:r>
@@ -11011,7 +12390,6 @@
                   <a:srgbClr val="212121"/>
                 </a:solidFill>
                 <a:effectLst/>
-                <a:latin typeface="Roboto" panose="02000000000000000000" pitchFamily="2" charset="0"/>
               </a:rPr>
               <a:t>"D"</a:t>
             </a:r>
@@ -11021,7 +12399,6 @@
                   <a:srgbClr val="212121"/>
                 </a:solidFill>
                 <a:effectLst/>
-                <a:latin typeface="Roboto" panose="02000000000000000000" pitchFamily="2" charset="0"/>
               </a:rPr>
               <a:t> stands for "distance." Geometrically, D measures the maximum vertical distance between the empirical cumulative distribution function (ECDF) of the sample and the cumulative distribution function (CDF) of the reference distribution.</a:t>
             </a:r>
@@ -11314,7 +12691,8 @@
                   <a:srgbClr val="212121"/>
                 </a:solidFill>
                 <a:effectLst/>
-                <a:latin typeface="Roboto" panose="02000000000000000000" pitchFamily="2" charset="0"/>
+                <a:latin typeface="Arial" panose="020B0604020202020204" pitchFamily="34" charset="0"/>
+                <a:cs typeface="Arial" panose="020B0604020202020204" pitchFamily="34" charset="0"/>
               </a:rPr>
               <a:t>If the two samples were randomly sampled from identical populations, what is the probability that the two cumulative frequency distributions would be as far apart as observed? More precisely, what is the chance that the value of the </a:t>
             </a:r>
@@ -11324,7 +12702,8 @@
                   <a:srgbClr val="212121"/>
                 </a:solidFill>
                 <a:effectLst/>
-                <a:latin typeface="Roboto" panose="02000000000000000000" pitchFamily="2" charset="0"/>
+                <a:latin typeface="Arial" panose="020B0604020202020204" pitchFamily="34" charset="0"/>
+                <a:cs typeface="Arial" panose="020B0604020202020204" pitchFamily="34" charset="0"/>
               </a:rPr>
               <a:t>Komogorov</a:t>
             </a:r>
@@ -11334,7 +12713,8 @@
                   <a:srgbClr val="212121"/>
                 </a:solidFill>
                 <a:effectLst/>
-                <a:latin typeface="Roboto" panose="02000000000000000000" pitchFamily="2" charset="0"/>
+                <a:latin typeface="Arial" panose="020B0604020202020204" pitchFamily="34" charset="0"/>
+                <a:cs typeface="Arial" panose="020B0604020202020204" pitchFamily="34" charset="0"/>
               </a:rPr>
               <a:t>-Smirnov D statistic</a:t>
             </a:r>
@@ -11344,7 +12724,8 @@
                   <a:srgbClr val="212121"/>
                 </a:solidFill>
                 <a:effectLst/>
-                <a:latin typeface="Roboto" panose="02000000000000000000" pitchFamily="2" charset="0"/>
+                <a:latin typeface="Arial" panose="020B0604020202020204" pitchFamily="34" charset="0"/>
+                <a:cs typeface="Arial" panose="020B0604020202020204" pitchFamily="34" charset="0"/>
               </a:rPr>
               <a:t> would be as large or larger than observed? If the P value is small, conclude that the two groups were sampled from populations with different distributions. The populations may differ in median, variability or the shape of the distribution.</a:t>
             </a:r>
@@ -11362,7 +12743,8 @@
                 <a:srgbClr val="212121"/>
               </a:solidFill>
               <a:effectLst/>
-              <a:latin typeface="Roboto" panose="02000000000000000000" pitchFamily="2" charset="0"/>
+              <a:latin typeface="Arial" panose="020B0604020202020204" pitchFamily="34" charset="0"/>
+              <a:cs typeface="Arial" panose="020B0604020202020204" pitchFamily="34" charset="0"/>
             </a:endParaRPr>
           </a:p>
           <a:p>
@@ -11379,7 +12761,8 @@
                   <a:srgbClr val="212121"/>
                 </a:solidFill>
                 <a:effectLst/>
-                <a:latin typeface="Roboto" panose="02000000000000000000" pitchFamily="2" charset="0"/>
+                <a:latin typeface="Arial" panose="020B0604020202020204" pitchFamily="34" charset="0"/>
+                <a:cs typeface="Arial" panose="020B0604020202020204" pitchFamily="34" charset="0"/>
               </a:rPr>
               <a:t>So our result </a:t>
             </a:r>
@@ -11389,7 +12772,8 @@
                   <a:srgbClr val="212121"/>
                 </a:solidFill>
                 <a:effectLst/>
-                <a:latin typeface="Roboto" panose="02000000000000000000" pitchFamily="2" charset="0"/>
+                <a:latin typeface="Arial" panose="020B0604020202020204" pitchFamily="34" charset="0"/>
+                <a:cs typeface="Arial" panose="020B0604020202020204" pitchFamily="34" charset="0"/>
               </a:rPr>
               <a:t>0.95375</a:t>
             </a:r>
@@ -11399,7 +12783,8 @@
                   <a:srgbClr val="212121"/>
                 </a:solidFill>
                 <a:effectLst/>
-                <a:latin typeface="Roboto" panose="02000000000000000000" pitchFamily="2" charset="0"/>
+                <a:latin typeface="Arial" panose="020B0604020202020204" pitchFamily="34" charset="0"/>
+                <a:cs typeface="Arial" panose="020B0604020202020204" pitchFamily="34" charset="0"/>
               </a:rPr>
               <a:t> which is 1-D, means that the distance between CDF of original data and CDF of Synthetic Data is low, hence the two distribution are very close.</a:t>
             </a:r>
@@ -11469,7 +12854,6 @@
                   <a:srgbClr val="212121"/>
                 </a:solidFill>
                 <a:effectLst/>
-                <a:latin typeface="Roboto" panose="02000000000000000000" pitchFamily="2" charset="0"/>
               </a:rPr>
               <a:t>The </a:t>
             </a:r>
@@ -11479,7 +12863,6 @@
                   <a:srgbClr val="212121"/>
                 </a:solidFill>
                 <a:effectLst/>
-                <a:latin typeface="Roboto" panose="02000000000000000000" pitchFamily="2" charset="0"/>
               </a:rPr>
               <a:t>metrics</a:t>
             </a:r>
@@ -11489,7 +12872,6 @@
                   <a:srgbClr val="212121"/>
                 </a:solidFill>
                 <a:effectLst/>
-                <a:latin typeface="Roboto" panose="02000000000000000000" pitchFamily="2" charset="0"/>
               </a:rPr>
               <a:t> of this family compare the tables by fitting the real data to a probabilistic model and afterwards compute the likelihood of the synthetic data belonging to the learned distribution.</a:t>
             </a:r>
@@ -11508,7 +12890,6 @@
                   <a:srgbClr val="212121"/>
                 </a:solidFill>
                 <a:effectLst/>
-                <a:latin typeface="Roboto" panose="02000000000000000000" pitchFamily="2" charset="0"/>
               </a:rPr>
               <a:t>sdv.metrics.tabular.BNLikelihood</a:t>
             </a:r>
@@ -11518,7 +12899,6 @@
                   <a:srgbClr val="212121"/>
                 </a:solidFill>
                 <a:effectLst/>
-                <a:latin typeface="Roboto" panose="02000000000000000000" pitchFamily="2" charset="0"/>
               </a:rPr>
               <a:t>:</a:t>
             </a:r>
@@ -11528,7 +12908,6 @@
                   <a:srgbClr val="212121"/>
                 </a:solidFill>
                 <a:effectLst/>
-                <a:latin typeface="Roboto" panose="02000000000000000000" pitchFamily="2" charset="0"/>
               </a:rPr>
               <a:t> This metric fits a </a:t>
             </a:r>
@@ -11538,7 +12917,6 @@
                   <a:srgbClr val="212121"/>
                 </a:solidFill>
                 <a:effectLst/>
-                <a:latin typeface="Roboto" panose="02000000000000000000" pitchFamily="2" charset="0"/>
               </a:rPr>
               <a:t>Bayesian</a:t>
             </a:r>
@@ -11548,7 +12926,6 @@
                   <a:srgbClr val="212121"/>
                 </a:solidFill>
                 <a:effectLst/>
-                <a:latin typeface="Roboto" panose="02000000000000000000" pitchFamily="2" charset="0"/>
               </a:rPr>
               <a:t> </a:t>
             </a:r>
@@ -11558,7 +12935,6 @@
                   <a:srgbClr val="212121"/>
                 </a:solidFill>
                 <a:effectLst/>
-                <a:latin typeface="Roboto" panose="02000000000000000000" pitchFamily="2" charset="0"/>
               </a:rPr>
               <a:t>Network</a:t>
             </a:r>
@@ -11568,7 +12944,6 @@
                   <a:srgbClr val="212121"/>
                 </a:solidFill>
                 <a:effectLst/>
-                <a:latin typeface="Roboto" panose="02000000000000000000" pitchFamily="2" charset="0"/>
               </a:rPr>
               <a:t> to the real data and then evaluates the average likelihood of the rows from the synthetic data on it.</a:t>
             </a:r>
@@ -11587,7 +12962,6 @@
                   <a:srgbClr val="212121"/>
                 </a:solidFill>
                 <a:effectLst/>
-                <a:latin typeface="Roboto" panose="02000000000000000000" pitchFamily="2" charset="0"/>
               </a:rPr>
               <a:t>Bayesian Networks Likelihood </a:t>
             </a:r>
@@ -11597,7 +12971,6 @@
                   <a:srgbClr val="212121"/>
                 </a:solidFill>
                 <a:effectLst/>
-                <a:latin typeface="Roboto" panose="02000000000000000000" pitchFamily="2" charset="0"/>
               </a:rPr>
               <a:t>is the Error calculated on Synthetic data after fitting the model on Real Data. Very low error (likelihood) like </a:t>
             </a:r>
@@ -11607,7 +12980,6 @@
                   <a:srgbClr val="212121"/>
                 </a:solidFill>
                 <a:effectLst/>
-                <a:latin typeface="Roboto" panose="02000000000000000000" pitchFamily="2" charset="0"/>
               </a:rPr>
               <a:t>0.00013183</a:t>
             </a:r>
@@ -11617,7 +12989,6 @@
                   <a:srgbClr val="212121"/>
                 </a:solidFill>
                 <a:effectLst/>
-                <a:latin typeface="Roboto" panose="02000000000000000000" pitchFamily="2" charset="0"/>
               </a:rPr>
               <a:t> means the two datasets are very close in terms of probabilistic models.</a:t>
             </a:r>
@@ -11893,7 +13264,8 @@
                   <a:srgbClr val="212121"/>
                 </a:solidFill>
                 <a:effectLst/>
-                <a:latin typeface="Roboto" panose="02000000000000000000" pitchFamily="2" charset="0"/>
+                <a:latin typeface="Arial" panose="020B0604020202020204" pitchFamily="34" charset="0"/>
+                <a:cs typeface="Arial" panose="020B0604020202020204" pitchFamily="34" charset="0"/>
               </a:rPr>
               <a:t>sdv.metrics.tabular.BNLikelihood</a:t>
             </a:r>
@@ -11903,7 +13275,8 @@
                   <a:srgbClr val="212121"/>
                 </a:solidFill>
                 <a:effectLst/>
-                <a:latin typeface="Roboto" panose="02000000000000000000" pitchFamily="2" charset="0"/>
+                <a:latin typeface="Arial" panose="020B0604020202020204" pitchFamily="34" charset="0"/>
+                <a:cs typeface="Arial" panose="020B0604020202020204" pitchFamily="34" charset="0"/>
               </a:rPr>
               <a:t>:</a:t>
             </a:r>
@@ -11913,7 +13286,8 @@
                   <a:srgbClr val="212121"/>
                 </a:solidFill>
                 <a:effectLst/>
-                <a:latin typeface="Roboto" panose="02000000000000000000" pitchFamily="2" charset="0"/>
+                <a:latin typeface="Arial" panose="020B0604020202020204" pitchFamily="34" charset="0"/>
+                <a:cs typeface="Arial" panose="020B0604020202020204" pitchFamily="34" charset="0"/>
               </a:rPr>
               <a:t> This metric fits a </a:t>
             </a:r>
@@ -11923,7 +13297,8 @@
                   <a:srgbClr val="212121"/>
                 </a:solidFill>
                 <a:effectLst/>
-                <a:latin typeface="Roboto" panose="02000000000000000000" pitchFamily="2" charset="0"/>
+                <a:latin typeface="Arial" panose="020B0604020202020204" pitchFamily="34" charset="0"/>
+                <a:cs typeface="Arial" panose="020B0604020202020204" pitchFamily="34" charset="0"/>
               </a:rPr>
               <a:t>Bayesian</a:t>
             </a:r>
@@ -11933,7 +13308,8 @@
                   <a:srgbClr val="212121"/>
                 </a:solidFill>
                 <a:effectLst/>
-                <a:latin typeface="Roboto" panose="02000000000000000000" pitchFamily="2" charset="0"/>
+                <a:latin typeface="Arial" panose="020B0604020202020204" pitchFamily="34" charset="0"/>
+                <a:cs typeface="Arial" panose="020B0604020202020204" pitchFamily="34" charset="0"/>
               </a:rPr>
               <a:t> </a:t>
             </a:r>
@@ -11943,7 +13319,8 @@
                   <a:srgbClr val="212121"/>
                 </a:solidFill>
                 <a:effectLst/>
-                <a:latin typeface="Roboto" panose="02000000000000000000" pitchFamily="2" charset="0"/>
+                <a:latin typeface="Arial" panose="020B0604020202020204" pitchFamily="34" charset="0"/>
+                <a:cs typeface="Arial" panose="020B0604020202020204" pitchFamily="34" charset="0"/>
               </a:rPr>
               <a:t>Network</a:t>
             </a:r>
@@ -11953,7 +13330,8 @@
                   <a:srgbClr val="212121"/>
                 </a:solidFill>
                 <a:effectLst/>
-                <a:latin typeface="Roboto" panose="02000000000000000000" pitchFamily="2" charset="0"/>
+                <a:latin typeface="Arial" panose="020B0604020202020204" pitchFamily="34" charset="0"/>
+                <a:cs typeface="Arial" panose="020B0604020202020204" pitchFamily="34" charset="0"/>
               </a:rPr>
               <a:t> to the real data and then evaluates the average likelihood of the rows from the synthetic data on it. With very low error (close to 0) according to the Log function, the output value must be negative, therefore a score like this one: </a:t>
             </a:r>
@@ -11963,7 +13341,8 @@
                   <a:srgbClr val="212121"/>
                 </a:solidFill>
                 <a:effectLst/>
-                <a:latin typeface="Roboto" panose="02000000000000000000" pitchFamily="2" charset="0"/>
+                <a:latin typeface="Arial" panose="020B0604020202020204" pitchFamily="34" charset="0"/>
+                <a:cs typeface="Arial" panose="020B0604020202020204" pitchFamily="34" charset="0"/>
               </a:rPr>
               <a:t>-17.415473543655498</a:t>
             </a:r>
@@ -11973,11 +13352,15 @@
                   <a:srgbClr val="212121"/>
                 </a:solidFill>
                 <a:effectLst/>
-                <a:latin typeface="Roboto" panose="02000000000000000000" pitchFamily="2" charset="0"/>
+                <a:latin typeface="Arial" panose="020B0604020202020204" pitchFamily="34" charset="0"/>
+                <a:cs typeface="Arial" panose="020B0604020202020204" pitchFamily="34" charset="0"/>
               </a:rPr>
               <a:t>, it is a very good result.</a:t>
             </a:r>
-            <a:endParaRPr lang="it-IT" dirty="0"/>
+            <a:endParaRPr lang="it-IT" dirty="0">
+              <a:latin typeface="Arial" panose="020B0604020202020204" pitchFamily="34" charset="0"/>
+              <a:cs typeface="Arial" panose="020B0604020202020204" pitchFamily="34" charset="0"/>
+            </a:endParaRPr>
           </a:p>
         </p:txBody>
       </p:sp>
@@ -12031,69 +13414,308 @@
           <a:bodyPr/>
           <a:lstStyle/>
           <a:p>
+            <a:pPr algn="l">
+              <a:buClr>
+                <a:schemeClr val="tx1"/>
+              </a:buClr>
+              <a:buFont typeface="Arial" panose="020B0604020202020204" pitchFamily="34" charset="0"/>
+              <a:buChar char="•"/>
+            </a:pPr>
+            <a:r>
+              <a:rPr lang="en-US" b="1" dirty="0">
+                <a:solidFill>
+                  <a:srgbClr val="212121"/>
+                </a:solidFill>
+              </a:rPr>
+              <a:t>Privacy Metric</a:t>
+            </a:r>
+            <a:r>
+              <a:rPr lang="en-US" b="1" i="0" dirty="0">
+                <a:solidFill>
+                  <a:srgbClr val="212121"/>
+                </a:solidFill>
+                <a:effectLst/>
+              </a:rPr>
+              <a:t>:</a:t>
+            </a:r>
+            <a:r>
+              <a:rPr lang="en-US" b="0" i="0" dirty="0">
+                <a:solidFill>
+                  <a:srgbClr val="212121"/>
+                </a:solidFill>
+                <a:effectLst/>
+              </a:rPr>
+              <a:t> In this kind of metric we merge the Original Dataset and the Synthetic Datase</a:t>
+            </a:r>
+            <a:r>
+              <a:rPr lang="en-US" dirty="0">
+                <a:solidFill>
+                  <a:srgbClr val="212121"/>
+                </a:solidFill>
+              </a:rPr>
+              <a:t>t doing and Inner Join over 1 or 2 columns. And we get the list of rows merged. After this step, we search for all the matches between the Original Dataset and the Synthetic Dataset over 1 other column. These matches will be depicted on a bar plot via histogram. The idea behind this Privacy Metric is looking for </a:t>
+            </a:r>
+            <a:r>
+              <a:rPr lang="en-US" b="1" dirty="0">
+                <a:solidFill>
+                  <a:srgbClr val="212121"/>
+                </a:solidFill>
+              </a:rPr>
+              <a:t>“values” </a:t>
+            </a:r>
+            <a:r>
+              <a:rPr lang="en-US" dirty="0">
+                <a:solidFill>
+                  <a:srgbClr val="212121"/>
+                </a:solidFill>
+              </a:rPr>
+              <a:t>within the Synthetic Dataset which are also within the Original Dataset. If there are many of these values, this means that the GAN model is not able to generate a Synthetic Dataset similar to the Original one, but preserving all the values within the Original Dataset, and so preserving its privacy. </a:t>
+            </a:r>
+            <a:endParaRPr lang="en-US" b="1" dirty="0">
+              <a:solidFill>
+                <a:srgbClr val="212121"/>
+              </a:solidFill>
+            </a:endParaRPr>
+          </a:p>
+          <a:p>
+            <a:pPr>
+              <a:buClr>
+                <a:schemeClr val="tx1"/>
+              </a:buClr>
+              <a:buFont typeface="Arial" panose="020B0604020202020204" pitchFamily="34" charset="0"/>
+              <a:buChar char="•"/>
+            </a:pPr>
+            <a:r>
+              <a:rPr lang="en-US" dirty="0">
+                <a:solidFill>
+                  <a:srgbClr val="212121"/>
+                </a:solidFill>
+              </a:rPr>
+              <a:t>We performed </a:t>
+            </a:r>
+            <a:r>
+              <a:rPr lang="en-US" b="1" dirty="0">
+                <a:solidFill>
+                  <a:srgbClr val="212121"/>
+                </a:solidFill>
+              </a:rPr>
+              <a:t>2 Privacy Metrics Tests</a:t>
+            </a:r>
+            <a:r>
+              <a:rPr lang="en-US" dirty="0">
+                <a:solidFill>
+                  <a:srgbClr val="212121"/>
+                </a:solidFill>
+              </a:rPr>
+              <a:t>: In the </a:t>
+            </a:r>
+            <a:r>
+              <a:rPr lang="en-US" b="1" dirty="0">
+                <a:solidFill>
+                  <a:srgbClr val="212121"/>
+                </a:solidFill>
+              </a:rPr>
+              <a:t>Privacy Metrics Test 1 </a:t>
+            </a:r>
+            <a:r>
+              <a:rPr lang="en-US" dirty="0">
+                <a:solidFill>
+                  <a:srgbClr val="212121"/>
+                </a:solidFill>
+              </a:rPr>
+              <a:t>we took the field </a:t>
+            </a:r>
+            <a:r>
+              <a:rPr lang="en-US" b="1" dirty="0">
+                <a:solidFill>
+                  <a:srgbClr val="212121"/>
+                </a:solidFill>
+              </a:rPr>
+              <a:t>ANTENNA_CODE </a:t>
+            </a:r>
+            <a:r>
+              <a:rPr lang="en-US" dirty="0">
+                <a:solidFill>
+                  <a:srgbClr val="212121"/>
+                </a:solidFill>
+              </a:rPr>
+              <a:t>as first field for the merge and </a:t>
+            </a:r>
+            <a:r>
+              <a:rPr lang="en-US" b="1" dirty="0">
+                <a:solidFill>
+                  <a:srgbClr val="212121"/>
+                </a:solidFill>
+              </a:rPr>
+              <a:t>SIM_COSE </a:t>
+            </a:r>
+            <a:r>
+              <a:rPr lang="en-US" dirty="0">
+                <a:solidFill>
+                  <a:srgbClr val="212121"/>
+                </a:solidFill>
+              </a:rPr>
+              <a:t>as second feature for the final match. </a:t>
+            </a:r>
+            <a:r>
+              <a:rPr lang="en-US" dirty="0" err="1">
+                <a:solidFill>
+                  <a:srgbClr val="212121"/>
+                </a:solidFill>
+              </a:rPr>
+              <a:t>Vicevers</a:t>
+            </a:r>
+            <a:r>
+              <a:rPr lang="en-US" dirty="0">
+                <a:solidFill>
+                  <a:srgbClr val="212121"/>
+                </a:solidFill>
+              </a:rPr>
+              <a:t>, in the </a:t>
+            </a:r>
+            <a:r>
+              <a:rPr lang="en-US" b="1" dirty="0">
+                <a:solidFill>
+                  <a:srgbClr val="212121"/>
+                </a:solidFill>
+              </a:rPr>
+              <a:t>Privacy Metrics Test 2 </a:t>
+            </a:r>
+            <a:r>
+              <a:rPr lang="en-US" dirty="0">
+                <a:solidFill>
+                  <a:srgbClr val="212121"/>
+                </a:solidFill>
+              </a:rPr>
+              <a:t>we chose </a:t>
+            </a:r>
+            <a:r>
+              <a:rPr lang="en-US" b="1" dirty="0">
+                <a:solidFill>
+                  <a:srgbClr val="212121"/>
+                </a:solidFill>
+              </a:rPr>
+              <a:t>SIM_COSE</a:t>
+            </a:r>
+            <a:r>
+              <a:rPr lang="en-US" dirty="0">
+                <a:solidFill>
+                  <a:srgbClr val="212121"/>
+                </a:solidFill>
+              </a:rPr>
+              <a:t> as first field and </a:t>
+            </a:r>
+            <a:r>
+              <a:rPr lang="en-US" b="1" dirty="0">
+                <a:solidFill>
+                  <a:srgbClr val="212121"/>
+                </a:solidFill>
+              </a:rPr>
+              <a:t>ANTENNA_CODE</a:t>
+            </a:r>
+            <a:r>
+              <a:rPr lang="en-US" dirty="0">
+                <a:solidFill>
+                  <a:srgbClr val="212121"/>
+                </a:solidFill>
+              </a:rPr>
+              <a:t> as second field. </a:t>
+            </a:r>
+          </a:p>
+          <a:p>
+            <a:pPr>
+              <a:buClr>
+                <a:schemeClr val="tx1"/>
+              </a:buClr>
+              <a:buFont typeface="Arial" panose="020B0604020202020204" pitchFamily="34" charset="0"/>
+              <a:buChar char="•"/>
+            </a:pPr>
+            <a:r>
+              <a:rPr lang="en-US" b="1" i="0" dirty="0">
+                <a:solidFill>
+                  <a:srgbClr val="212121"/>
+                </a:solidFill>
+                <a:effectLst/>
+                <a:latin typeface="Roboto" panose="02000000000000000000" pitchFamily="2" charset="0"/>
+              </a:rPr>
+              <a:t>Aggregated Privacy Metric (APM)</a:t>
+            </a:r>
+            <a:r>
+              <a:rPr lang="en-US" b="0" i="0" dirty="0">
+                <a:solidFill>
+                  <a:srgbClr val="212121"/>
+                </a:solidFill>
+                <a:effectLst/>
+                <a:latin typeface="Roboto" panose="02000000000000000000" pitchFamily="2" charset="0"/>
+              </a:rPr>
+              <a:t>: Eventually, in order to have a final aggregate measure of privacy (APM) in the interval [0, 1] we calculated a normalized sum of all matches. More matches means less privacy, if 1 - (normalized sum) is equal to 1 means high privacy, 0 means low privacy. In our first test we achieved a value close to </a:t>
+            </a:r>
+            <a:r>
+              <a:rPr lang="en-US" b="1" i="0" dirty="0">
+                <a:solidFill>
+                  <a:srgbClr val="212121"/>
+                </a:solidFill>
+                <a:effectLst/>
+                <a:latin typeface="Roboto" panose="02000000000000000000" pitchFamily="2" charset="0"/>
+              </a:rPr>
+              <a:t>0.9876543209876543,</a:t>
+            </a:r>
+            <a:r>
+              <a:rPr lang="en-US" b="0" i="0" dirty="0">
+                <a:solidFill>
+                  <a:srgbClr val="212121"/>
+                </a:solidFill>
+                <a:effectLst/>
+                <a:latin typeface="Roboto" panose="02000000000000000000" pitchFamily="2" charset="0"/>
+              </a:rPr>
+              <a:t> which means very high privacy. In the second test we achieved </a:t>
+            </a:r>
+            <a:r>
+              <a:rPr lang="en-US" b="1" i="0" dirty="0">
+                <a:solidFill>
+                  <a:srgbClr val="212121"/>
+                </a:solidFill>
+                <a:effectLst/>
+                <a:latin typeface="Roboto" panose="02000000000000000000" pitchFamily="2" charset="0"/>
+              </a:rPr>
+              <a:t>1.0 </a:t>
+            </a:r>
+            <a:r>
+              <a:rPr lang="en-US" i="0" dirty="0">
+                <a:solidFill>
+                  <a:srgbClr val="212121"/>
+                </a:solidFill>
+                <a:effectLst/>
+                <a:latin typeface="Roboto" panose="02000000000000000000" pitchFamily="2" charset="0"/>
+              </a:rPr>
+              <a:t>as aggregated value which means maximum privacy. The formula we adopted is reported in the next slide with all the results. </a:t>
+            </a:r>
+            <a:endParaRPr lang="it-IT" b="1" dirty="0">
+              <a:solidFill>
+                <a:srgbClr val="212121"/>
+              </a:solidFill>
+            </a:endParaRPr>
+          </a:p>
+          <a:p>
+            <a:pPr algn="l">
+              <a:buClr>
+                <a:schemeClr val="tx1"/>
+              </a:buClr>
+              <a:buFont typeface="Arial" panose="020B0604020202020204" pitchFamily="34" charset="0"/>
+              <a:buChar char="•"/>
+            </a:pPr>
+            <a:endParaRPr lang="en-US" b="0" i="0" dirty="0">
+              <a:solidFill>
+                <a:srgbClr val="212121"/>
+              </a:solidFill>
+              <a:effectLst/>
+              <a:latin typeface="Roboto" panose="02000000000000000000" pitchFamily="2" charset="0"/>
+            </a:endParaRPr>
+          </a:p>
+          <a:p>
             <a:pPr marL="0" indent="0">
               <a:buNone/>
             </a:pPr>
-            <a:r>
-              <a:rPr lang="en-US" dirty="0"/>
-              <a:t>This family of metrics measures the privacy of a synthetic dataset by positing the question: given the synthetic data, can an attacker predict sensitive attributes in the real dataset? These models accomplish this by fitting an adversarial attacker model on the synthetic data to predict sensitive attributes from “key” attributes and then evaluating its accuracy on the real data.</a:t>
-            </a:r>
-          </a:p>
-          <a:p>
-            <a:pPr marL="0" indent="0">
-              <a:buNone/>
-            </a:pPr>
-            <a:r>
-              <a:rPr lang="en-US" dirty="0"/>
-              <a:t>In addition to the real and synthetic data, these metrics also require two additional inputs, </a:t>
-            </a:r>
-            <a:r>
-              <a:rPr lang="en-US" dirty="0" err="1"/>
-              <a:t>sensitive_fields</a:t>
-            </a:r>
-            <a:r>
-              <a:rPr lang="en-US" dirty="0"/>
-              <a:t> which is a list of columns considered private and </a:t>
-            </a:r>
-            <a:r>
-              <a:rPr lang="en-US" dirty="0" err="1"/>
-              <a:t>key_fields</a:t>
-            </a:r>
-            <a:r>
-              <a:rPr lang="en-US" dirty="0"/>
-              <a:t> which are the columns that will be used to try to predict the sensitive ones.</a:t>
-            </a:r>
-          </a:p>
-          <a:p>
-            <a:pPr marL="0" indent="0">
-              <a:buNone/>
-            </a:pPr>
-            <a:r>
-              <a:rPr lang="en-US" dirty="0"/>
-              <a:t>Notice that as all the involved columns are numerical, we need to apply a numerical privacy metric. Conversely, if all of the columns are categorical, we need to use a categorical privacy metric. Currently, the privacy metrics do not support mixed data types.</a:t>
-            </a:r>
-          </a:p>
-          <a:p>
-            <a:pPr marL="0" indent="0">
-              <a:buNone/>
-            </a:pPr>
-            <a:r>
-              <a:rPr lang="en-US" dirty="0" err="1"/>
-              <a:t>Note:These</a:t>
-            </a:r>
-            <a:r>
-              <a:rPr lang="en-US" dirty="0"/>
-              <a:t> metrics do not accept missing data, so we will replace all the missing values with a 0 before executing them.</a:t>
-            </a:r>
-          </a:p>
-          <a:p>
-            <a:pPr marL="0" indent="0">
-              <a:buNone/>
-            </a:pPr>
-            <a:r>
-              <a:rPr lang="en-US" b="1" dirty="0"/>
-              <a:t>The output of this metric is between 0 and 1, where the closer the value is to 0, the less private it is.</a:t>
-            </a:r>
             <a:endParaRPr lang="it-IT" b="1" dirty="0"/>
           </a:p>
         </p:txBody>
@@ -12110,7 +13732,7 @@
         </p:nvSpPr>
         <p:spPr>
           <a:xfrm>
-            <a:off x="468895" y="503475"/>
+            <a:off x="461346" y="463247"/>
             <a:ext cx="11269308" cy="384721"/>
           </a:xfrm>
         </p:spPr>
@@ -12119,44 +13741,49 @@
           <a:lstStyle/>
           <a:p>
             <a:r>
-              <a:rPr lang="it-IT" b="1" i="0" dirty="0">
+              <a:rPr lang="it-IT" dirty="0">
                 <a:solidFill>
                   <a:srgbClr val="212121"/>
                 </a:solidFill>
-                <a:effectLst/>
                 <a:latin typeface="Roboto" panose="02000000000000000000" pitchFamily="2" charset="0"/>
               </a:rPr>
-              <a:t>Model Evaluation via </a:t>
-            </a:r>
-            <a:r>
-              <a:rPr lang="it-IT" b="1" i="0" dirty="0" err="1">
+              <a:t>Privacy</a:t>
+            </a:r>
+            <a:r>
+              <a:rPr lang="it-IT" sz="2800" dirty="0">
                 <a:solidFill>
                   <a:srgbClr val="212121"/>
                 </a:solidFill>
-                <a:effectLst/>
                 <a:latin typeface="Roboto" panose="02000000000000000000" pitchFamily="2" charset="0"/>
               </a:rPr>
-              <a:t>SDGym</a:t>
-            </a:r>
-            <a:r>
-              <a:rPr lang="it-IT" b="1" i="0" dirty="0">
+              <a:t> </a:t>
+            </a:r>
+            <a:r>
+              <a:rPr lang="it-IT" sz="2800" dirty="0" err="1">
                 <a:solidFill>
                   <a:srgbClr val="212121"/>
                 </a:solidFill>
-                <a:effectLst/>
                 <a:latin typeface="Roboto" panose="02000000000000000000" pitchFamily="2" charset="0"/>
               </a:rPr>
-              <a:t> Tools: Privacy </a:t>
-            </a:r>
-            <a:r>
-              <a:rPr lang="it-IT" b="1" i="0" dirty="0" err="1">
+              <a:t>Metrics</a:t>
+            </a:r>
+            <a:r>
+              <a:rPr lang="it-IT" sz="2800" dirty="0">
                 <a:solidFill>
                   <a:srgbClr val="212121"/>
                 </a:solidFill>
-                <a:effectLst/>
                 <a:latin typeface="Roboto" panose="02000000000000000000" pitchFamily="2" charset="0"/>
               </a:rPr>
-              <a:t>Metric</a:t>
+              <a:t> - Model Evaluation by Matching Common </a:t>
+            </a:r>
+            <a:r>
+              <a:rPr lang="it-IT" sz="2800" dirty="0" err="1">
+                <a:solidFill>
+                  <a:srgbClr val="212121"/>
+                </a:solidFill>
+                <a:latin typeface="Roboto" panose="02000000000000000000" pitchFamily="2" charset="0"/>
+              </a:rPr>
+              <a:t>Values</a:t>
             </a:r>
             <a:endParaRPr lang="it-IT" b="0" i="0" dirty="0">
               <a:solidFill>
@@ -12833,6 +14460,80 @@
 </file>
 
 <file path=customXml/item1.xml><?xml version="1.0" encoding="utf-8"?>
+<?mso-contentType ?>
+<FormTemplates xmlns="http://schemas.microsoft.com/sharepoint/v3/contenttype/forms">
+  <Display>DocumentLibraryForm</Display>
+  <Edit>DocumentLibraryForm</Edit>
+  <New>DocumentLibraryForm</New>
+</FormTemplates>
+</file>
+
+<file path=customXml/item2.xml><?xml version="1.0" encoding="utf-8"?>
+<?mso-contentType ?>
+<spe:Receivers xmlns:spe="http://schemas.microsoft.com/sharepoint/events">
+  <Receiver>
+    <Name>Document ID Generator</Name>
+    <Synchronization>Synchronous</Synchronization>
+    <Type>10001</Type>
+    <SequenceNumber>1000</SequenceNumber>
+    <Url/>
+    <Assembly>Microsoft.Office.DocumentManagement, Version=15.0.0.0, Culture=neutral, PublicKeyToken=71e9bce111e9429c</Assembly>
+    <Class>Microsoft.Office.DocumentManagement.Internal.DocIdHandler</Class>
+    <Data/>
+    <Filter/>
+  </Receiver>
+  <Receiver>
+    <Name>Document ID Generator</Name>
+    <Synchronization>Synchronous</Synchronization>
+    <Type>10002</Type>
+    <SequenceNumber>1001</SequenceNumber>
+    <Url/>
+    <Assembly>Microsoft.Office.DocumentManagement, Version=15.0.0.0, Culture=neutral, PublicKeyToken=71e9bce111e9429c</Assembly>
+    <Class>Microsoft.Office.DocumentManagement.Internal.DocIdHandler</Class>
+    <Data/>
+    <Filter/>
+  </Receiver>
+  <Receiver>
+    <Name>Document ID Generator</Name>
+    <Synchronization>Synchronous</Synchronization>
+    <Type>10004</Type>
+    <SequenceNumber>1002</SequenceNumber>
+    <Url/>
+    <Assembly>Microsoft.Office.DocumentManagement, Version=15.0.0.0, Culture=neutral, PublicKeyToken=71e9bce111e9429c</Assembly>
+    <Class>Microsoft.Office.DocumentManagement.Internal.DocIdHandler</Class>
+    <Data/>
+    <Filter/>
+  </Receiver>
+  <Receiver>
+    <Name>Document ID Generator</Name>
+    <Synchronization>Synchronous</Synchronization>
+    <Type>10006</Type>
+    <SequenceNumber>1003</SequenceNumber>
+    <Url/>
+    <Assembly>Microsoft.Office.DocumentManagement, Version=15.0.0.0, Culture=neutral, PublicKeyToken=71e9bce111e9429c</Assembly>
+    <Class>Microsoft.Office.DocumentManagement.Internal.DocIdHandler</Class>
+    <Data/>
+    <Filter/>
+  </Receiver>
+</spe:Receivers>
+</file>
+
+<file path=customXml/item3.xml><?xml version="1.0" encoding="utf-8"?>
+<p:properties xmlns:p="http://schemas.microsoft.com/office/2006/metadata/properties" xmlns:xsi="http://www.w3.org/2001/XMLSchema-instance" xmlns:pc="http://schemas.microsoft.com/office/infopath/2007/PartnerControls">
+  <documentManagement>
+    <SottoCategoria xmlns="679261c3-551f-4e86-913f-177e0e529669">-</SottoCategoria>
+    <Categoria xmlns="c58f2efd-82a8-4ecf-b395-8c25e928921d">Power Point</Categoria>
+    <_dlc_DocId xmlns="459159c4-d20a-4ff3-9b11-fbd127bd52e5">INTRANET-14-158</_dlc_DocId>
+    <_dlc_DocIdUrl xmlns="459159c4-d20a-4ff3-9b11-fbd127bd52e5">
+      <Url>https://intranet.istat.it/Collaborativi/_layouts/15/DocIdRedir.aspx?ID=INTRANET-14-158</Url>
+      <Description>INTRANET-14-158</Description>
+    </_dlc_DocIdUrl>
+    <Ordine xmlns="679261c3-551f-4e86-913f-177e0e529669" xsi:nil="true"/>
+  </documentManagement>
+</p:properties>
+</file>
+
+<file path=customXml/item4.xml><?xml version="1.0" encoding="utf-8"?>
 <ct:contentTypeSchema xmlns:ct="http://schemas.microsoft.com/office/2006/metadata/contentType" xmlns:ma="http://schemas.microsoft.com/office/2006/metadata/properties/metaAttributes" ct:_="" ma:_="" ma:contentTypeName="Documento" ma:contentTypeID="0x010100661A2BE3120D674DA36C11D6006822D4" ma:contentTypeVersion="5" ma:contentTypeDescription="Creare un nuovo documento." ma:contentTypeScope="" ma:versionID="b74c87ac489b73827490412ee3cfe72c">
   <xsd:schema xmlns:xsd="http://www.w3.org/2001/XMLSchema" xmlns:xs="http://www.w3.org/2001/XMLSchema" xmlns:p="http://schemas.microsoft.com/office/2006/metadata/properties" xmlns:ns2="c58f2efd-82a8-4ecf-b395-8c25e928921d" xmlns:ns3="459159c4-d20a-4ff3-9b11-fbd127bd52e5" xmlns:ns4="679261c3-551f-4e86-913f-177e0e529669" targetNamespace="http://schemas.microsoft.com/office/2006/metadata/properties" ma:root="true" ma:fieldsID="e2cc380ee14def62782d85c4be25510e" ns2:_="" ns3:_="" ns4:_="">
     <xsd:import namespace="c58f2efd-82a8-4ecf-b395-8c25e928921d"/>
@@ -13026,81 +14727,35 @@
 </ct:contentTypeSchema>
 </file>
 
-<file path=customXml/item2.xml><?xml version="1.0" encoding="utf-8"?>
-<p:properties xmlns:p="http://schemas.microsoft.com/office/2006/metadata/properties" xmlns:xsi="http://www.w3.org/2001/XMLSchema-instance" xmlns:pc="http://schemas.microsoft.com/office/infopath/2007/PartnerControls">
-  <documentManagement>
-    <SottoCategoria xmlns="679261c3-551f-4e86-913f-177e0e529669">-</SottoCategoria>
-    <Categoria xmlns="c58f2efd-82a8-4ecf-b395-8c25e928921d">Power Point</Categoria>
-    <_dlc_DocId xmlns="459159c4-d20a-4ff3-9b11-fbd127bd52e5">INTRANET-14-158</_dlc_DocId>
-    <_dlc_DocIdUrl xmlns="459159c4-d20a-4ff3-9b11-fbd127bd52e5">
-      <Url>https://intranet.istat.it/Collaborativi/_layouts/15/DocIdRedir.aspx?ID=INTRANET-14-158</Url>
-      <Description>INTRANET-14-158</Description>
-    </_dlc_DocIdUrl>
-    <Ordine xmlns="679261c3-551f-4e86-913f-177e0e529669" xsi:nil="true"/>
-  </documentManagement>
-</p:properties>
+<file path=customXml/itemProps1.xml><?xml version="1.0" encoding="utf-8"?>
+<ds:datastoreItem xmlns:ds="http://schemas.openxmlformats.org/officeDocument/2006/customXml" ds:itemID="{BD9C238D-4D5C-4783-820B-4854DCE45D41}">
+  <ds:schemaRefs>
+    <ds:schemaRef ds:uri="http://schemas.microsoft.com/sharepoint/v3/contenttype/forms"/>
+  </ds:schemaRefs>
+</ds:datastoreItem>
 </file>
 
-<file path=customXml/item3.xml><?xml version="1.0" encoding="utf-8"?>
-<?mso-contentType ?>
-<spe:Receivers xmlns:spe="http://schemas.microsoft.com/sharepoint/events">
-  <Receiver>
-    <Name>Document ID Generator</Name>
-    <Synchronization>Synchronous</Synchronization>
-    <Type>10001</Type>
-    <SequenceNumber>1000</SequenceNumber>
-    <Url/>
-    <Assembly>Microsoft.Office.DocumentManagement, Version=15.0.0.0, Culture=neutral, PublicKeyToken=71e9bce111e9429c</Assembly>
-    <Class>Microsoft.Office.DocumentManagement.Internal.DocIdHandler</Class>
-    <Data/>
-    <Filter/>
-  </Receiver>
-  <Receiver>
-    <Name>Document ID Generator</Name>
-    <Synchronization>Synchronous</Synchronization>
-    <Type>10002</Type>
-    <SequenceNumber>1001</SequenceNumber>
-    <Url/>
-    <Assembly>Microsoft.Office.DocumentManagement, Version=15.0.0.0, Culture=neutral, PublicKeyToken=71e9bce111e9429c</Assembly>
-    <Class>Microsoft.Office.DocumentManagement.Internal.DocIdHandler</Class>
-    <Data/>
-    <Filter/>
-  </Receiver>
-  <Receiver>
-    <Name>Document ID Generator</Name>
-    <Synchronization>Synchronous</Synchronization>
-    <Type>10004</Type>
-    <SequenceNumber>1002</SequenceNumber>
-    <Url/>
-    <Assembly>Microsoft.Office.DocumentManagement, Version=15.0.0.0, Culture=neutral, PublicKeyToken=71e9bce111e9429c</Assembly>
-    <Class>Microsoft.Office.DocumentManagement.Internal.DocIdHandler</Class>
-    <Data/>
-    <Filter/>
-  </Receiver>
-  <Receiver>
-    <Name>Document ID Generator</Name>
-    <Synchronization>Synchronous</Synchronization>
-    <Type>10006</Type>
-    <SequenceNumber>1003</SequenceNumber>
-    <Url/>
-    <Assembly>Microsoft.Office.DocumentManagement, Version=15.0.0.0, Culture=neutral, PublicKeyToken=71e9bce111e9429c</Assembly>
-    <Class>Microsoft.Office.DocumentManagement.Internal.DocIdHandler</Class>
-    <Data/>
-    <Filter/>
-  </Receiver>
-</spe:Receivers>
+<file path=customXml/itemProps2.xml><?xml version="1.0" encoding="utf-8"?>
+<ds:datastoreItem xmlns:ds="http://schemas.openxmlformats.org/officeDocument/2006/customXml" ds:itemID="{D9296C4F-9DE9-4B43-AA80-1FC85656CFFA}">
+  <ds:schemaRefs>
+    <ds:schemaRef ds:uri="http://schemas.microsoft.com/sharepoint/events"/>
+  </ds:schemaRefs>
+</ds:datastoreItem>
 </file>
 
-<file path=customXml/item4.xml><?xml version="1.0" encoding="utf-8"?>
-<?mso-contentType ?>
-<FormTemplates xmlns="http://schemas.microsoft.com/sharepoint/v3/contenttype/forms">
-  <Display>DocumentLibraryForm</Display>
-  <Edit>DocumentLibraryForm</Edit>
-  <New>DocumentLibraryForm</New>
-</FormTemplates>
+<file path=customXml/itemProps3.xml><?xml version="1.0" encoding="utf-8"?>
+<ds:datastoreItem xmlns:ds="http://schemas.openxmlformats.org/officeDocument/2006/customXml" ds:itemID="{3EF378BC-F4D0-4510-B4EC-07B6EFE18CF8}">
+  <ds:schemaRefs>
+    <ds:schemaRef ds:uri="http://schemas.microsoft.com/office/2006/metadata/properties"/>
+    <ds:schemaRef ds:uri="http://schemas.microsoft.com/office/infopath/2007/PartnerControls"/>
+    <ds:schemaRef ds:uri="679261c3-551f-4e86-913f-177e0e529669"/>
+    <ds:schemaRef ds:uri="c58f2efd-82a8-4ecf-b395-8c25e928921d"/>
+    <ds:schemaRef ds:uri="459159c4-d20a-4ff3-9b11-fbd127bd52e5"/>
+  </ds:schemaRefs>
+</ds:datastoreItem>
 </file>
 
-<file path=customXml/itemProps1.xml><?xml version="1.0" encoding="utf-8"?>
+<file path=customXml/itemProps4.xml><?xml version="1.0" encoding="utf-8"?>
 <ds:datastoreItem xmlns:ds="http://schemas.openxmlformats.org/officeDocument/2006/customXml" ds:itemID="{C44F034E-DE69-4892-9E35-DE49F97F6ECC}">
   <ds:schemaRefs>
     <ds:schemaRef ds:uri="http://schemas.microsoft.com/office/2006/metadata/contentType"/>
@@ -13118,32 +14773,4 @@
     <ds:schemaRef ds:uri="http://schemas.microsoft.com/internal/obd"/>
   </ds:schemaRefs>
 </ds:datastoreItem>
-</file>
-
-<file path=customXml/itemProps2.xml><?xml version="1.0" encoding="utf-8"?>
-<ds:datastoreItem xmlns:ds="http://schemas.openxmlformats.org/officeDocument/2006/customXml" ds:itemID="{3EF378BC-F4D0-4510-B4EC-07B6EFE18CF8}">
-  <ds:schemaRefs>
-    <ds:schemaRef ds:uri="http://schemas.microsoft.com/office/2006/metadata/properties"/>
-    <ds:schemaRef ds:uri="http://schemas.microsoft.com/office/infopath/2007/PartnerControls"/>
-    <ds:schemaRef ds:uri="679261c3-551f-4e86-913f-177e0e529669"/>
-    <ds:schemaRef ds:uri="c58f2efd-82a8-4ecf-b395-8c25e928921d"/>
-    <ds:schemaRef ds:uri="459159c4-d20a-4ff3-9b11-fbd127bd52e5"/>
-  </ds:schemaRefs>
-</ds:datastoreItem>
-</file>
-
-<file path=customXml/itemProps3.xml><?xml version="1.0" encoding="utf-8"?>
-<ds:datastoreItem xmlns:ds="http://schemas.openxmlformats.org/officeDocument/2006/customXml" ds:itemID="{D9296C4F-9DE9-4B43-AA80-1FC85656CFFA}">
-  <ds:schemaRefs>
-    <ds:schemaRef ds:uri="http://schemas.microsoft.com/sharepoint/events"/>
-  </ds:schemaRefs>
-</ds:datastoreItem>
-</file>
-
-<file path=customXml/itemProps4.xml><?xml version="1.0" encoding="utf-8"?>
-<ds:datastoreItem xmlns:ds="http://schemas.openxmlformats.org/officeDocument/2006/customXml" ds:itemID="{BD9C238D-4D5C-4783-820B-4854DCE45D41}">
-  <ds:schemaRefs>
-    <ds:schemaRef ds:uri="http://schemas.microsoft.com/sharepoint/v3/contenttype/forms"/>
-  </ds:schemaRefs>
-</ds:datastoreItem>
 </file>
--- a/Presentations/Telephony Synthetic Data Generation via GANs.pptx
+++ b/Presentations/Telephony Synthetic Data Generation via GANs.pptx
@@ -5,20 +5,22 @@
     <p:sldMasterId id="2147483648" r:id="rId5"/>
   </p:sldMasterIdLst>
   <p:notesMasterIdLst>
-    <p:notesMasterId r:id="rId17"/>
+    <p:notesMasterId r:id="rId19"/>
   </p:notesMasterIdLst>
   <p:sldIdLst>
     <p:sldId id="315" r:id="rId6"/>
     <p:sldId id="309" r:id="rId7"/>
     <p:sldId id="328" r:id="rId8"/>
     <p:sldId id="329" r:id="rId9"/>
-    <p:sldId id="335" r:id="rId10"/>
-    <p:sldId id="330" r:id="rId11"/>
-    <p:sldId id="336" r:id="rId12"/>
-    <p:sldId id="331" r:id="rId13"/>
-    <p:sldId id="334" r:id="rId14"/>
-    <p:sldId id="337" r:id="rId15"/>
-    <p:sldId id="327" r:id="rId16"/>
+    <p:sldId id="338" r:id="rId10"/>
+    <p:sldId id="335" r:id="rId11"/>
+    <p:sldId id="330" r:id="rId12"/>
+    <p:sldId id="336" r:id="rId13"/>
+    <p:sldId id="331" r:id="rId14"/>
+    <p:sldId id="334" r:id="rId15"/>
+    <p:sldId id="337" r:id="rId16"/>
+    <p:sldId id="339" r:id="rId17"/>
+    <p:sldId id="327" r:id="rId18"/>
   </p:sldIdLst>
   <p:sldSz cx="12192000" cy="6858000"/>
   <p:notesSz cx="6858000" cy="9144000"/>
@@ -276,7 +278,7 @@
               <a:pPr>
                 <a:defRPr/>
               </a:pPr>
-              <a:t>5/29/2022</a:t>
+              <a:t>5/30/2022</a:t>
             </a:fld>
             <a:endParaRPr lang="en-US"/>
           </a:p>
@@ -8501,6 +8503,363 @@
       </p:grpSpPr>
       <p:sp>
         <p:nvSpPr>
+          <p:cNvPr id="2" name="Segnaposto testo 1"/>
+          <p:cNvSpPr>
+            <a:spLocks noGrp="1"/>
+          </p:cNvSpPr>
+          <p:nvPr>
+            <p:ph type="body" idx="1"/>
+          </p:nvPr>
+        </p:nvSpPr>
+        <p:spPr>
+          <a:xfrm>
+            <a:off x="474201" y="1277420"/>
+            <a:ext cx="11264002" cy="5117333"/>
+          </a:xfrm>
+        </p:spPr>
+        <p:txBody>
+          <a:bodyPr/>
+          <a:lstStyle/>
+          <a:p>
+            <a:pPr algn="l">
+              <a:buClr>
+                <a:schemeClr val="tx1"/>
+              </a:buClr>
+              <a:buFont typeface="Arial" panose="020B0604020202020204" pitchFamily="34" charset="0"/>
+              <a:buChar char="•"/>
+            </a:pPr>
+            <a:r>
+              <a:rPr lang="en-US" b="1" dirty="0">
+                <a:solidFill>
+                  <a:srgbClr val="212121"/>
+                </a:solidFill>
+              </a:rPr>
+              <a:t>Privacy Metric</a:t>
+            </a:r>
+            <a:r>
+              <a:rPr lang="en-US" b="1" i="0" dirty="0">
+                <a:solidFill>
+                  <a:srgbClr val="212121"/>
+                </a:solidFill>
+                <a:effectLst/>
+              </a:rPr>
+              <a:t>:</a:t>
+            </a:r>
+            <a:r>
+              <a:rPr lang="en-US" b="0" i="0" dirty="0">
+                <a:solidFill>
+                  <a:srgbClr val="212121"/>
+                </a:solidFill>
+                <a:effectLst/>
+              </a:rPr>
+              <a:t> In this kind of metric we merge the Original Dataset and the Synthetic Datase</a:t>
+            </a:r>
+            <a:r>
+              <a:rPr lang="en-US" dirty="0">
+                <a:solidFill>
+                  <a:srgbClr val="212121"/>
+                </a:solidFill>
+              </a:rPr>
+              <a:t>t doing and Inner Join over 1 or 2 columns. And we get the list of rows merged. After this step, we search for all the matches between the Original Dataset and the Synthetic Dataset over 1 other column. These matches will be depicted on a bar plot via histogram. The idea behind this Privacy Metric is looking for </a:t>
+            </a:r>
+            <a:r>
+              <a:rPr lang="en-US" b="1" dirty="0">
+                <a:solidFill>
+                  <a:srgbClr val="212121"/>
+                </a:solidFill>
+              </a:rPr>
+              <a:t>“values” </a:t>
+            </a:r>
+            <a:r>
+              <a:rPr lang="en-US" dirty="0">
+                <a:solidFill>
+                  <a:srgbClr val="212121"/>
+                </a:solidFill>
+              </a:rPr>
+              <a:t>within the Synthetic Dataset which are also within the Original Dataset. If there are many of these values, this means that the GAN model is not able to generate a Synthetic Dataset similar to the Original one, but preserving all the values within the Original Dataset, and so preserving its privacy. </a:t>
+            </a:r>
+            <a:endParaRPr lang="en-US" b="1" dirty="0">
+              <a:solidFill>
+                <a:srgbClr val="212121"/>
+              </a:solidFill>
+            </a:endParaRPr>
+          </a:p>
+          <a:p>
+            <a:pPr>
+              <a:buClr>
+                <a:schemeClr val="tx1"/>
+              </a:buClr>
+              <a:buFont typeface="Arial" panose="020B0604020202020204" pitchFamily="34" charset="0"/>
+              <a:buChar char="•"/>
+            </a:pPr>
+            <a:r>
+              <a:rPr lang="en-US" dirty="0">
+                <a:solidFill>
+                  <a:srgbClr val="212121"/>
+                </a:solidFill>
+              </a:rPr>
+              <a:t>We performed </a:t>
+            </a:r>
+            <a:r>
+              <a:rPr lang="en-US" b="1" dirty="0">
+                <a:solidFill>
+                  <a:srgbClr val="212121"/>
+                </a:solidFill>
+              </a:rPr>
+              <a:t>2 Privacy Metrics Tests</a:t>
+            </a:r>
+            <a:r>
+              <a:rPr lang="en-US" dirty="0">
+                <a:solidFill>
+                  <a:srgbClr val="212121"/>
+                </a:solidFill>
+              </a:rPr>
+              <a:t>: In the </a:t>
+            </a:r>
+            <a:r>
+              <a:rPr lang="en-US" b="1" dirty="0">
+                <a:solidFill>
+                  <a:srgbClr val="212121"/>
+                </a:solidFill>
+              </a:rPr>
+              <a:t>Privacy Metrics Test 1 </a:t>
+            </a:r>
+            <a:r>
+              <a:rPr lang="en-US" dirty="0">
+                <a:solidFill>
+                  <a:srgbClr val="212121"/>
+                </a:solidFill>
+              </a:rPr>
+              <a:t>we took the field </a:t>
+            </a:r>
+            <a:r>
+              <a:rPr lang="en-US" b="1" dirty="0">
+                <a:solidFill>
+                  <a:srgbClr val="212121"/>
+                </a:solidFill>
+              </a:rPr>
+              <a:t>ANTENNA_CODE </a:t>
+            </a:r>
+            <a:r>
+              <a:rPr lang="en-US" dirty="0">
+                <a:solidFill>
+                  <a:srgbClr val="212121"/>
+                </a:solidFill>
+              </a:rPr>
+              <a:t>as first field for the merge and </a:t>
+            </a:r>
+            <a:r>
+              <a:rPr lang="en-US" b="1" dirty="0">
+                <a:solidFill>
+                  <a:srgbClr val="212121"/>
+                </a:solidFill>
+              </a:rPr>
+              <a:t>SIM_COSE </a:t>
+            </a:r>
+            <a:r>
+              <a:rPr lang="en-US" dirty="0">
+                <a:solidFill>
+                  <a:srgbClr val="212121"/>
+                </a:solidFill>
+              </a:rPr>
+              <a:t>as second feature for the final match. </a:t>
+            </a:r>
+            <a:r>
+              <a:rPr lang="en-US" dirty="0" err="1" smtClean="0">
+                <a:solidFill>
+                  <a:srgbClr val="212121"/>
+                </a:solidFill>
+              </a:rPr>
+              <a:t>Viceversa</a:t>
+            </a:r>
+            <a:r>
+              <a:rPr lang="en-US" dirty="0" smtClean="0">
+                <a:solidFill>
+                  <a:srgbClr val="212121"/>
+                </a:solidFill>
+              </a:rPr>
+              <a:t>, </a:t>
+            </a:r>
+            <a:r>
+              <a:rPr lang="en-US" dirty="0">
+                <a:solidFill>
+                  <a:srgbClr val="212121"/>
+                </a:solidFill>
+              </a:rPr>
+              <a:t>in the </a:t>
+            </a:r>
+            <a:r>
+              <a:rPr lang="en-US" b="1" dirty="0">
+                <a:solidFill>
+                  <a:srgbClr val="212121"/>
+                </a:solidFill>
+              </a:rPr>
+              <a:t>Privacy Metrics Test 2 </a:t>
+            </a:r>
+            <a:r>
+              <a:rPr lang="en-US" dirty="0">
+                <a:solidFill>
+                  <a:srgbClr val="212121"/>
+                </a:solidFill>
+              </a:rPr>
+              <a:t>we chose </a:t>
+            </a:r>
+            <a:r>
+              <a:rPr lang="en-US" b="1" dirty="0">
+                <a:solidFill>
+                  <a:srgbClr val="212121"/>
+                </a:solidFill>
+              </a:rPr>
+              <a:t>SIM_COSE</a:t>
+            </a:r>
+            <a:r>
+              <a:rPr lang="en-US" dirty="0">
+                <a:solidFill>
+                  <a:srgbClr val="212121"/>
+                </a:solidFill>
+              </a:rPr>
+              <a:t> as first field and </a:t>
+            </a:r>
+            <a:r>
+              <a:rPr lang="en-US" b="1" dirty="0">
+                <a:solidFill>
+                  <a:srgbClr val="212121"/>
+                </a:solidFill>
+              </a:rPr>
+              <a:t>ANTENNA_CODE</a:t>
+            </a:r>
+            <a:r>
+              <a:rPr lang="en-US" dirty="0">
+                <a:solidFill>
+                  <a:srgbClr val="212121"/>
+                </a:solidFill>
+              </a:rPr>
+              <a:t> as second field. </a:t>
+            </a:r>
+          </a:p>
+          <a:p>
+            <a:pPr>
+              <a:buClr>
+                <a:schemeClr val="tx1"/>
+              </a:buClr>
+              <a:buFont typeface="Arial" panose="020B0604020202020204" pitchFamily="34" charset="0"/>
+              <a:buChar char="•"/>
+            </a:pPr>
+            <a:r>
+              <a:rPr lang="en-US" b="1" i="0" dirty="0">
+                <a:solidFill>
+                  <a:srgbClr val="212121"/>
+                </a:solidFill>
+                <a:effectLst/>
+                <a:latin typeface="Roboto" panose="02000000000000000000" pitchFamily="2" charset="0"/>
+              </a:rPr>
+              <a:t>Aggregated Privacy Metric (APM</a:t>
+            </a:r>
+            <a:r>
+              <a:rPr lang="en-US" i="0" dirty="0">
+                <a:solidFill>
+                  <a:srgbClr val="212121"/>
+                </a:solidFill>
+                <a:effectLst/>
+                <a:latin typeface="Roboto" panose="02000000000000000000" pitchFamily="2" charset="0"/>
+              </a:rPr>
+              <a:t>): </a:t>
+            </a:r>
+            <a:r>
+              <a:rPr lang="en-US" i="0" dirty="0">
+                <a:solidFill>
+                  <a:srgbClr val="212121"/>
+                </a:solidFill>
+                <a:effectLst/>
+              </a:rPr>
+              <a:t>Eventually, in order to have a final aggregate measure of privacy (</a:t>
+            </a:r>
+            <a:r>
+              <a:rPr lang="en-US" b="1" i="0" dirty="0">
+                <a:solidFill>
+                  <a:srgbClr val="212121"/>
+                </a:solidFill>
+                <a:effectLst/>
+              </a:rPr>
+              <a:t>APM</a:t>
+            </a:r>
+            <a:r>
+              <a:rPr lang="en-US" i="0" dirty="0">
+                <a:solidFill>
+                  <a:srgbClr val="212121"/>
+                </a:solidFill>
+                <a:effectLst/>
+              </a:rPr>
+              <a:t>) in the interval [0, 1] we calculated a normalized sum of all matches. More matches means less privacy, if 1 - (normalized sum) is equal to 1 means high privacy, 0 means low privacy. In our first test we achieved a value close to </a:t>
+            </a:r>
+            <a:r>
+              <a:rPr lang="en-US" b="1" i="0" dirty="0">
+                <a:solidFill>
+                  <a:srgbClr val="212121"/>
+                </a:solidFill>
+                <a:effectLst/>
+              </a:rPr>
+              <a:t>0.9876543209876543</a:t>
+            </a:r>
+            <a:r>
+              <a:rPr lang="en-US" i="0" dirty="0">
+                <a:solidFill>
+                  <a:srgbClr val="212121"/>
+                </a:solidFill>
+                <a:effectLst/>
+              </a:rPr>
+              <a:t>, which means very high privacy. In the second test we achieved </a:t>
+            </a:r>
+            <a:r>
+              <a:rPr lang="en-US" b="1" i="0" dirty="0">
+                <a:solidFill>
+                  <a:srgbClr val="212121"/>
+                </a:solidFill>
+                <a:effectLst/>
+              </a:rPr>
+              <a:t>1.0</a:t>
+            </a:r>
+            <a:r>
+              <a:rPr lang="en-US" i="0" dirty="0">
+                <a:solidFill>
+                  <a:srgbClr val="212121"/>
+                </a:solidFill>
+                <a:effectLst/>
+              </a:rPr>
+              <a:t> as aggregated value which means maximum privacy. The formula we adopted is reported in the next slide with all the results. </a:t>
+            </a:r>
+            <a:endParaRPr lang="it-IT" dirty="0">
+              <a:solidFill>
+                <a:srgbClr val="212121"/>
+              </a:solidFill>
+            </a:endParaRPr>
+          </a:p>
+          <a:p>
+            <a:pPr algn="l">
+              <a:buClr>
+                <a:schemeClr val="tx1"/>
+              </a:buClr>
+              <a:buFont typeface="Arial" panose="020B0604020202020204" pitchFamily="34" charset="0"/>
+              <a:buChar char="•"/>
+            </a:pPr>
+            <a:endParaRPr lang="en-US" b="0" i="0" dirty="0">
+              <a:solidFill>
+                <a:srgbClr val="212121"/>
+              </a:solidFill>
+              <a:effectLst/>
+              <a:latin typeface="Roboto" panose="02000000000000000000" pitchFamily="2" charset="0"/>
+            </a:endParaRPr>
+          </a:p>
+          <a:p>
+            <a:pPr marL="0" indent="0">
+              <a:buNone/>
+            </a:pPr>
+            <a:endParaRPr lang="it-IT" b="1" dirty="0"/>
+          </a:p>
+        </p:txBody>
+      </p:sp>
+      <p:sp>
+        <p:nvSpPr>
           <p:cNvPr id="3" name="Titolo 2"/>
           <p:cNvSpPr>
             <a:spLocks noGrp="1"/>
@@ -8520,57 +8879,22 @@
           <a:lstStyle/>
           <a:p>
             <a:r>
-              <a:rPr lang="it-IT" dirty="0">
-                <a:solidFill>
-                  <a:srgbClr val="212121"/>
-                </a:solidFill>
-                <a:latin typeface="Roboto" panose="02000000000000000000" pitchFamily="2" charset="0"/>
-              </a:rPr>
-              <a:t>Privacy</a:t>
-            </a:r>
-            <a:r>
-              <a:rPr lang="it-IT" sz="2800" dirty="0">
-                <a:solidFill>
-                  <a:srgbClr val="212121"/>
-                </a:solidFill>
-                <a:latin typeface="Roboto" panose="02000000000000000000" pitchFamily="2" charset="0"/>
-              </a:rPr>
-              <a:t> </a:t>
-            </a:r>
-            <a:r>
-              <a:rPr lang="it-IT" sz="2800" dirty="0" err="1">
-                <a:solidFill>
-                  <a:srgbClr val="212121"/>
-                </a:solidFill>
-                <a:latin typeface="Roboto" panose="02000000000000000000" pitchFamily="2" charset="0"/>
-              </a:rPr>
+              <a:rPr lang="it-IT" dirty="0"/>
+              <a:t>Privacy </a:t>
+            </a:r>
+            <a:r>
+              <a:rPr lang="it-IT" dirty="0" err="1"/>
               <a:t>Metrics</a:t>
             </a:r>
             <a:r>
-              <a:rPr lang="it-IT" sz="2800" dirty="0">
-                <a:solidFill>
-                  <a:srgbClr val="212121"/>
-                </a:solidFill>
-                <a:latin typeface="Roboto" panose="02000000000000000000" pitchFamily="2" charset="0"/>
-              </a:rPr>
+              <a:rPr lang="it-IT" dirty="0"/>
               <a:t> - Model Evaluation by Matching Common </a:t>
             </a:r>
             <a:r>
-              <a:rPr lang="it-IT" sz="2800" dirty="0" err="1">
-                <a:solidFill>
-                  <a:srgbClr val="212121"/>
-                </a:solidFill>
-                <a:latin typeface="Roboto" panose="02000000000000000000" pitchFamily="2" charset="0"/>
-              </a:rPr>
+              <a:rPr lang="it-IT" dirty="0" err="1"/>
               <a:t>Values</a:t>
             </a:r>
-            <a:endParaRPr lang="it-IT" b="0" i="0" dirty="0">
-              <a:solidFill>
-                <a:srgbClr val="212121"/>
-              </a:solidFill>
-              <a:effectLst/>
-              <a:latin typeface="Roboto" panose="02000000000000000000" pitchFamily="2" charset="0"/>
-            </a:endParaRPr>
+            <a:endParaRPr lang="it-IT" dirty="0"/>
           </a:p>
         </p:txBody>
       </p:sp>
@@ -8656,6 +8980,163 @@
                 <a:defRPr/>
               </a:pPr>
               <a:t>10</a:t>
+            </a:fld>
+            <a:endParaRPr lang="en-US" dirty="0"/>
+          </a:p>
+        </p:txBody>
+      </p:sp>
+    </p:spTree>
+    <p:extLst>
+      <p:ext uri="{BB962C8B-B14F-4D97-AF65-F5344CB8AC3E}">
+        <p14:creationId xmlns:p14="http://schemas.microsoft.com/office/powerpoint/2010/main" val="2715839222"/>
+      </p:ext>
+    </p:extLst>
+  </p:cSld>
+  <p:clrMapOvr>
+    <a:masterClrMapping/>
+  </p:clrMapOvr>
+</p:sld>
+</file>
+
+<file path=ppt/slides/slide11.xml><?xml version="1.0" encoding="utf-8"?>
+<p:sld xmlns:a="http://schemas.openxmlformats.org/drawingml/2006/main" xmlns:r="http://schemas.openxmlformats.org/officeDocument/2006/relationships" xmlns:p="http://schemas.openxmlformats.org/presentationml/2006/main">
+  <p:cSld>
+    <p:spTree>
+      <p:nvGrpSpPr>
+        <p:cNvPr id="1" name=""/>
+        <p:cNvGrpSpPr/>
+        <p:nvPr/>
+      </p:nvGrpSpPr>
+      <p:grpSpPr>
+        <a:xfrm>
+          <a:off x="0" y="0"/>
+          <a:ext cx="0" cy="0"/>
+          <a:chOff x="0" y="0"/>
+          <a:chExt cx="0" cy="0"/>
+        </a:xfrm>
+      </p:grpSpPr>
+      <p:sp>
+        <p:nvSpPr>
+          <p:cNvPr id="3" name="Titolo 2"/>
+          <p:cNvSpPr>
+            <a:spLocks noGrp="1"/>
+          </p:cNvSpPr>
+          <p:nvPr>
+            <p:ph type="title"/>
+          </p:nvPr>
+        </p:nvSpPr>
+        <p:spPr>
+          <a:xfrm>
+            <a:off x="461346" y="463247"/>
+            <a:ext cx="11269308" cy="384721"/>
+          </a:xfrm>
+        </p:spPr>
+        <p:txBody>
+          <a:bodyPr/>
+          <a:lstStyle/>
+          <a:p>
+            <a:r>
+              <a:rPr lang="it-IT" dirty="0"/>
+              <a:t>Privacy </a:t>
+            </a:r>
+            <a:r>
+              <a:rPr lang="it-IT" dirty="0" err="1"/>
+              <a:t>Metrics</a:t>
+            </a:r>
+            <a:r>
+              <a:rPr lang="it-IT" dirty="0"/>
+              <a:t> - Model Evaluation by Matching Common </a:t>
+            </a:r>
+            <a:r>
+              <a:rPr lang="it-IT" dirty="0" err="1"/>
+              <a:t>Values</a:t>
+            </a:r>
+            <a:endParaRPr lang="it-IT" dirty="0"/>
+          </a:p>
+        </p:txBody>
+      </p:sp>
+      <p:sp>
+        <p:nvSpPr>
+          <p:cNvPr id="4" name="Segnaposto piè di pagina 3"/>
+          <p:cNvSpPr>
+            <a:spLocks noGrp="1"/>
+          </p:cNvSpPr>
+          <p:nvPr>
+            <p:ph type="ftr" sz="quarter" idx="10"/>
+          </p:nvPr>
+        </p:nvSpPr>
+        <p:spPr/>
+        <p:txBody>
+          <a:bodyPr/>
+          <a:lstStyle/>
+          <a:p>
+            <a:pPr>
+              <a:defRPr/>
+            </a:pPr>
+            <a:r>
+              <a:rPr lang="it-IT" sz="900" dirty="0" err="1"/>
+              <a:t>Telephony</a:t>
+            </a:r>
+            <a:r>
+              <a:rPr lang="it-IT" sz="900" dirty="0"/>
+              <a:t> </a:t>
+            </a:r>
+            <a:r>
+              <a:rPr lang="it-IT" sz="900" dirty="0" err="1"/>
+              <a:t>Synthetic</a:t>
+            </a:r>
+            <a:r>
+              <a:rPr lang="it-IT" sz="900" dirty="0"/>
+              <a:t> Data Generation </a:t>
+            </a:r>
+            <a:r>
+              <a:rPr lang="it-IT" dirty="0"/>
+              <a:t>via Generative </a:t>
+            </a:r>
+            <a:r>
+              <a:rPr lang="it-IT" dirty="0" err="1"/>
+              <a:t>Adversarial</a:t>
+            </a:r>
+            <a:r>
+              <a:rPr lang="it-IT" dirty="0"/>
+              <a:t> Networks | FRANCESCO PUGLIESE, Massimo De </a:t>
+            </a:r>
+            <a:r>
+              <a:rPr lang="it-IT" dirty="0" err="1"/>
+              <a:t>Cubellis</a:t>
+            </a:r>
+            <a:r>
+              <a:rPr lang="it-IT" dirty="0"/>
+              <a:t>, Roberta RADINI</a:t>
+            </a:r>
+            <a:endParaRPr lang="en-US" dirty="0"/>
+          </a:p>
+        </p:txBody>
+      </p:sp>
+      <p:sp>
+        <p:nvSpPr>
+          <p:cNvPr id="5" name="Segnaposto numero diapositiva 4"/>
+          <p:cNvSpPr>
+            <a:spLocks noGrp="1"/>
+          </p:cNvSpPr>
+          <p:nvPr>
+            <p:ph type="sldNum" sz="quarter" idx="11"/>
+          </p:nvPr>
+        </p:nvSpPr>
+        <p:spPr/>
+        <p:txBody>
+          <a:bodyPr/>
+          <a:lstStyle/>
+          <a:p>
+            <a:pPr>
+              <a:defRPr/>
+            </a:pPr>
+            <a:fld id="{48B4153A-D4C5-4CEF-8992-0D8815C829E3}" type="slidenum">
+              <a:rPr lang="en-US" smtClean="0"/>
+              <a:pPr>
+                <a:defRPr/>
+              </a:pPr>
+              <a:t>11</a:t>
             </a:fld>
             <a:endParaRPr lang="en-US" dirty="0"/>
           </a:p>
@@ -8882,8 +9363,8 @@
           </a:p>
         </p:txBody>
       </p:sp>
-      <mc:AlternateContent xmlns:mc="http://schemas.openxmlformats.org/markup-compatibility/2006">
-        <mc:Choice xmlns:a14="http://schemas.microsoft.com/office/drawing/2010/main" Requires="a14">
+      <mc:AlternateContent xmlns:mc="http://schemas.openxmlformats.org/markup-compatibility/2006" xmlns:a14="http://schemas.microsoft.com/office/drawing/2010/main">
+        <mc:Choice Requires="a14">
           <p:sp>
             <p:nvSpPr>
               <p:cNvPr id="15" name="CasellaDiTesto 14">
@@ -8917,6 +9398,7 @@
               </a:bodyPr>
               <a:lstStyle/>
               <a:p>
+                <a:pPr/>
                 <a14:m>
                   <m:oMathPara xmlns:m="http://schemas.openxmlformats.org/officeDocument/2006/math">
                     <m:oMathParaPr>
@@ -9070,7 +9552,7 @@
             </p:txBody>
           </p:sp>
         </mc:Choice>
-        <mc:Fallback>
+        <mc:Fallback xmlns="">
           <p:sp>
             <p:nvSpPr>
               <p:cNvPr id="15" name="CasellaDiTesto 14">
@@ -9424,7 +9906,7 @@
 </p:sld>
 </file>
 
-<file path=ppt/slides/slide11.xml><?xml version="1.0" encoding="utf-8"?>
+<file path=ppt/slides/slide12.xml><?xml version="1.0" encoding="utf-8"?>
 <p:sld xmlns:a="http://schemas.openxmlformats.org/drawingml/2006/main" xmlns:r="http://schemas.openxmlformats.org/officeDocument/2006/relationships" xmlns:p="http://schemas.openxmlformats.org/presentationml/2006/main">
   <p:cSld>
     <p:spTree>
@@ -9443,6 +9925,122 @@
       </p:grpSpPr>
       <p:sp>
         <p:nvSpPr>
+          <p:cNvPr id="3" name="Titolo 2"/>
+          <p:cNvSpPr>
+            <a:spLocks noGrp="1"/>
+          </p:cNvSpPr>
+          <p:nvPr>
+            <p:ph type="title"/>
+          </p:nvPr>
+        </p:nvSpPr>
+        <p:spPr>
+          <a:xfrm>
+            <a:off x="461346" y="463247"/>
+            <a:ext cx="11269308" cy="384721"/>
+          </a:xfrm>
+        </p:spPr>
+        <p:txBody>
+          <a:bodyPr/>
+          <a:lstStyle/>
+          <a:p>
+            <a:r>
+              <a:rPr lang="it-IT" dirty="0" err="1"/>
+              <a:t>References</a:t>
+            </a:r>
+            <a:endParaRPr lang="it-IT" dirty="0"/>
+          </a:p>
+        </p:txBody>
+      </p:sp>
+      <p:sp>
+        <p:nvSpPr>
+          <p:cNvPr id="4" name="Segnaposto piè di pagina 3"/>
+          <p:cNvSpPr>
+            <a:spLocks noGrp="1"/>
+          </p:cNvSpPr>
+          <p:nvPr>
+            <p:ph type="ftr" sz="quarter" idx="10"/>
+          </p:nvPr>
+        </p:nvSpPr>
+        <p:spPr/>
+        <p:txBody>
+          <a:bodyPr/>
+          <a:lstStyle/>
+          <a:p>
+            <a:pPr>
+              <a:defRPr/>
+            </a:pPr>
+            <a:r>
+              <a:rPr lang="it-IT" sz="900" dirty="0" err="1"/>
+              <a:t>Telephony</a:t>
+            </a:r>
+            <a:r>
+              <a:rPr lang="it-IT" sz="900" dirty="0"/>
+              <a:t> </a:t>
+            </a:r>
+            <a:r>
+              <a:rPr lang="it-IT" sz="900" dirty="0" err="1"/>
+              <a:t>Synthetic</a:t>
+            </a:r>
+            <a:r>
+              <a:rPr lang="it-IT" sz="900" dirty="0"/>
+              <a:t> Data Generation </a:t>
+            </a:r>
+            <a:r>
+              <a:rPr lang="it-IT" dirty="0"/>
+              <a:t>via Generative </a:t>
+            </a:r>
+            <a:r>
+              <a:rPr lang="it-IT" dirty="0" err="1"/>
+              <a:t>Adversarial</a:t>
+            </a:r>
+            <a:r>
+              <a:rPr lang="it-IT" dirty="0"/>
+              <a:t> Networks | FRANCESCO PUGLIESE, Massimo De </a:t>
+            </a:r>
+            <a:r>
+              <a:rPr lang="it-IT" dirty="0" err="1"/>
+              <a:t>Cubellis</a:t>
+            </a:r>
+            <a:r>
+              <a:rPr lang="it-IT" dirty="0"/>
+              <a:t>, Roberta RADINI</a:t>
+            </a:r>
+            <a:endParaRPr lang="en-US" dirty="0"/>
+          </a:p>
+        </p:txBody>
+      </p:sp>
+    </p:spTree>
+    <p:extLst>
+      <p:ext uri="{BB962C8B-B14F-4D97-AF65-F5344CB8AC3E}">
+        <p14:creationId xmlns:p14="http://schemas.microsoft.com/office/powerpoint/2010/main" val="4007663183"/>
+      </p:ext>
+    </p:extLst>
+  </p:cSld>
+  <p:clrMapOvr>
+    <a:masterClrMapping/>
+  </p:clrMapOvr>
+</p:sld>
+</file>
+
+<file path=ppt/slides/slide13.xml><?xml version="1.0" encoding="utf-8"?>
+<p:sld xmlns:a="http://schemas.openxmlformats.org/drawingml/2006/main" xmlns:r="http://schemas.openxmlformats.org/officeDocument/2006/relationships" xmlns:p="http://schemas.openxmlformats.org/presentationml/2006/main">
+  <p:cSld>
+    <p:spTree>
+      <p:nvGrpSpPr>
+        <p:cNvPr id="1" name=""/>
+        <p:cNvGrpSpPr/>
+        <p:nvPr/>
+      </p:nvGrpSpPr>
+      <p:grpSpPr>
+        <a:xfrm>
+          <a:off x="0" y="0"/>
+          <a:ext cx="0" cy="0"/>
+          <a:chOff x="0" y="0"/>
+          <a:chExt cx="0" cy="0"/>
+        </a:xfrm>
+      </p:grpSpPr>
+      <p:sp>
+        <p:nvSpPr>
           <p:cNvPr id="2" name="Titolo 1">
             <a:extLst>
               <a:ext uri="{FF2B5EF4-FFF2-40B4-BE49-F238E27FC236}">
@@ -9545,7 +10143,7 @@
                 <a:hlinkClick r:id="rId3">
                   <a:extLst>
                     <a:ext uri="{A12FA001-AC4F-418D-AE19-62706E023703}">
-                      <ahyp:hlinkClr xmlns:ahyp="http://schemas.microsoft.com/office/drawing/2018/hyperlinkcolor" val="tx"/>
+                      <ahyp:hlinkClr xmlns:ahyp="http://schemas.microsoft.com/office/drawing/2018/hyperlinkcolor" xmlns="" val="tx"/>
                     </a:ext>
                   </a:extLst>
                 </a:hlinkClick>
@@ -10382,8 +10980,8 @@
         </p:nvSpPr>
         <p:spPr>
           <a:xfrm>
-            <a:off x="461346" y="740649"/>
-            <a:ext cx="11269308" cy="424949"/>
+            <a:off x="461346" y="396157"/>
+            <a:ext cx="11269308" cy="769441"/>
           </a:xfrm>
         </p:spPr>
         <p:txBody>
@@ -10392,84 +10990,46 @@
           <a:p>
             <a:pPr algn="ctr"/>
             <a:r>
-              <a:rPr lang="it-IT" b="1" i="0" dirty="0" err="1">
+              <a:rPr lang="it-IT" dirty="0" err="1"/>
+              <a:t>Original</a:t>
+            </a:r>
+            <a:r>
+              <a:rPr lang="it-IT" dirty="0"/>
+              <a:t> and </a:t>
+            </a:r>
+            <a:r>
+              <a:rPr lang="it-IT" dirty="0" err="1"/>
+              <a:t>Synthetic</a:t>
+            </a:r>
+            <a:r>
+              <a:rPr lang="it-IT" dirty="0"/>
+              <a:t> Data </a:t>
+            </a:r>
+            <a:r>
+              <a:rPr lang="it-IT" dirty="0" err="1"/>
+              <a:t>Univariate</a:t>
+            </a:r>
+            <a:r>
+              <a:rPr lang="it-IT" dirty="0"/>
+              <a:t> Distribution </a:t>
+            </a:r>
+            <a:r>
+              <a:rPr lang="it-IT" dirty="0" err="1"/>
+              <a:t>Visualization</a:t>
+            </a:r>
+            <a:r>
+              <a:rPr lang="it-IT" dirty="0"/>
+              <a:t> </a:t>
+            </a:r>
+            <a:r>
+              <a:rPr lang="it-IT" b="0" i="0" dirty="0">
                 <a:solidFill>
                   <a:srgbClr val="212121"/>
                 </a:solidFill>
                 <a:effectLst/>
                 <a:latin typeface="Roboto" panose="02000000000000000000" pitchFamily="2" charset="0"/>
               </a:rPr>
-              <a:t>Original</a:t>
-            </a:r>
-            <a:r>
-              <a:rPr lang="it-IT" b="1" i="0" dirty="0">
-                <a:solidFill>
-                  <a:srgbClr val="212121"/>
-                </a:solidFill>
-                <a:effectLst/>
-                <a:latin typeface="Roboto" panose="02000000000000000000" pitchFamily="2" charset="0"/>
-              </a:rPr>
-              <a:t> and </a:t>
-            </a:r>
-            <a:r>
-              <a:rPr lang="it-IT" b="1" i="0" dirty="0" err="1">
-                <a:solidFill>
-                  <a:srgbClr val="212121"/>
-                </a:solidFill>
-                <a:effectLst/>
-                <a:latin typeface="Roboto" panose="02000000000000000000" pitchFamily="2" charset="0"/>
-              </a:rPr>
-              <a:t>Synthetic</a:t>
-            </a:r>
-            <a:r>
-              <a:rPr lang="it-IT" b="1" i="0" dirty="0">
-                <a:solidFill>
-                  <a:srgbClr val="212121"/>
-                </a:solidFill>
-                <a:effectLst/>
-                <a:latin typeface="Roboto" panose="02000000000000000000" pitchFamily="2" charset="0"/>
-              </a:rPr>
-              <a:t> Data </a:t>
-            </a:r>
-            <a:r>
-              <a:rPr lang="it-IT" b="1" i="0" dirty="0" err="1">
-                <a:solidFill>
-                  <a:srgbClr val="212121"/>
-                </a:solidFill>
-                <a:effectLst/>
-                <a:latin typeface="Roboto" panose="02000000000000000000" pitchFamily="2" charset="0"/>
-              </a:rPr>
-              <a:t>Univariate</a:t>
-            </a:r>
-            <a:r>
-              <a:rPr lang="it-IT" b="1" i="0" dirty="0">
-                <a:solidFill>
-                  <a:srgbClr val="212121"/>
-                </a:solidFill>
-                <a:effectLst/>
-                <a:latin typeface="Roboto" panose="02000000000000000000" pitchFamily="2" charset="0"/>
-              </a:rPr>
-              <a:t> Distribution </a:t>
-            </a:r>
-            <a:r>
-              <a:rPr lang="it-IT" b="1" i="0" dirty="0" err="1">
-                <a:solidFill>
-                  <a:srgbClr val="212121"/>
-                </a:solidFill>
-                <a:effectLst/>
-                <a:latin typeface="Roboto" panose="02000000000000000000" pitchFamily="2" charset="0"/>
-              </a:rPr>
-              <a:t>Visualization</a:t>
-            </a:r>
-            <a:r>
-              <a:rPr lang="it-IT" b="1" i="0" dirty="0">
-                <a:solidFill>
-                  <a:srgbClr val="212121"/>
-                </a:solidFill>
-                <a:effectLst/>
-                <a:latin typeface="Roboto" panose="02000000000000000000" pitchFamily="2" charset="0"/>
-              </a:rPr>
-              <a:t> </a:t>
+              <a:t/>
             </a:r>
             <a:br>
               <a:rPr lang="it-IT" b="0" i="0" dirty="0">
@@ -10786,13 +11346,7 @@
       </p:graphicFrame>
       <p:pic>
         <p:nvPicPr>
-          <p:cNvPr id="14" name="Immagine 13">
-            <a:extLst>
-              <a:ext uri="{FF2B5EF4-FFF2-40B4-BE49-F238E27FC236}">
-                <a16:creationId xmlns:a16="http://schemas.microsoft.com/office/drawing/2014/main" id="{B52222FA-FB4F-92F9-AAC3-BFE9FC718826}"/>
-              </a:ext>
-            </a:extLst>
-          </p:cNvPr>
+          <p:cNvPr id="6" name="Immagine 5"/>
           <p:cNvPicPr>
             <a:picLocks noChangeAspect="1"/>
           </p:cNvPicPr>
@@ -10806,8 +11360,8 @@
         </p:blipFill>
         <p:spPr>
           <a:xfrm>
-            <a:off x="2973131" y="2537687"/>
-            <a:ext cx="3797539" cy="1808282"/>
+            <a:off x="2996809" y="2558113"/>
+            <a:ext cx="3773861" cy="1787854"/>
           </a:xfrm>
           <a:prstGeom prst="rect">
             <a:avLst/>
@@ -10816,13 +11370,7 @@
       </p:pic>
       <p:pic>
         <p:nvPicPr>
-          <p:cNvPr id="17" name="Immagine 16">
-            <a:extLst>
-              <a:ext uri="{FF2B5EF4-FFF2-40B4-BE49-F238E27FC236}">
-                <a16:creationId xmlns:a16="http://schemas.microsoft.com/office/drawing/2014/main" id="{BC3636CD-2E9E-5FC3-1B35-C559BA80B3BD}"/>
-              </a:ext>
-            </a:extLst>
-          </p:cNvPr>
+          <p:cNvPr id="7" name="Immagine 6"/>
           <p:cNvPicPr>
             <a:picLocks noChangeAspect="1"/>
           </p:cNvPicPr>
@@ -10836,8 +11384,8 @@
         </p:blipFill>
         <p:spPr>
           <a:xfrm>
-            <a:off x="7059095" y="2537686"/>
-            <a:ext cx="3913705" cy="1808281"/>
+            <a:off x="7040711" y="2543826"/>
+            <a:ext cx="3932090" cy="1802142"/>
           </a:xfrm>
           <a:prstGeom prst="rect">
             <a:avLst/>
@@ -10846,13 +11394,7 @@
       </p:pic>
       <p:pic>
         <p:nvPicPr>
-          <p:cNvPr id="19" name="Immagine 18">
-            <a:extLst>
-              <a:ext uri="{FF2B5EF4-FFF2-40B4-BE49-F238E27FC236}">
-                <a16:creationId xmlns:a16="http://schemas.microsoft.com/office/drawing/2014/main" id="{11BF3439-F882-48D2-BD8B-8FC5288CD017}"/>
-              </a:ext>
-            </a:extLst>
-          </p:cNvPr>
+          <p:cNvPr id="8" name="Immagine 7"/>
           <p:cNvPicPr>
             <a:picLocks noChangeAspect="1"/>
           </p:cNvPicPr>
@@ -10866,8 +11408,8 @@
         </p:blipFill>
         <p:spPr>
           <a:xfrm>
-            <a:off x="2973131" y="4477140"/>
-            <a:ext cx="3797539" cy="1808283"/>
+            <a:off x="2996809" y="4479271"/>
+            <a:ext cx="3773861" cy="1796023"/>
           </a:xfrm>
           <a:prstGeom prst="rect">
             <a:avLst/>
@@ -10876,13 +11418,7 @@
       </p:pic>
       <p:pic>
         <p:nvPicPr>
-          <p:cNvPr id="21" name="Immagine 20">
-            <a:extLst>
-              <a:ext uri="{FF2B5EF4-FFF2-40B4-BE49-F238E27FC236}">
-                <a16:creationId xmlns:a16="http://schemas.microsoft.com/office/drawing/2014/main" id="{67A92ECE-DFE9-DA62-C84E-67BC6366CA37}"/>
-              </a:ext>
-            </a:extLst>
-          </p:cNvPr>
+          <p:cNvPr id="9" name="Immagine 8"/>
           <p:cNvPicPr>
             <a:picLocks noChangeAspect="1"/>
           </p:cNvPicPr>
@@ -10896,8 +11432,8 @@
         </p:blipFill>
         <p:spPr>
           <a:xfrm>
-            <a:off x="7032908" y="4521914"/>
-            <a:ext cx="3939892" cy="1763510"/>
+            <a:off x="7031185" y="4479271"/>
+            <a:ext cx="3936234" cy="1796023"/>
           </a:xfrm>
           <a:prstGeom prst="rect">
             <a:avLst/>
@@ -10936,6 +11472,84 @@
       </p:grpSpPr>
       <p:sp>
         <p:nvSpPr>
+          <p:cNvPr id="2" name="Segnaposto testo 1"/>
+          <p:cNvSpPr>
+            <a:spLocks noGrp="1"/>
+          </p:cNvSpPr>
+          <p:nvPr>
+            <p:ph type="body" idx="1"/>
+          </p:nvPr>
+        </p:nvSpPr>
+        <p:spPr>
+          <a:xfrm>
+            <a:off x="474201" y="1277420"/>
+            <a:ext cx="11264002" cy="5117333"/>
+          </a:xfrm>
+        </p:spPr>
+        <p:txBody>
+          <a:bodyPr/>
+          <a:lstStyle/>
+          <a:p>
+            <a:pPr marL="0" indent="0">
+              <a:buNone/>
+            </a:pPr>
+            <a:r>
+              <a:rPr lang="en-US" dirty="0"/>
+              <a:t>Graphical </a:t>
+            </a:r>
+            <a:r>
+              <a:rPr lang="en-US" dirty="0" smtClean="0"/>
+              <a:t>analysis via Scatterplots of </a:t>
+            </a:r>
+            <a:r>
+              <a:rPr lang="en-US" b="1" dirty="0"/>
+              <a:t>Univariate Distributions Comparisons</a:t>
+            </a:r>
+            <a:r>
+              <a:rPr lang="en-US" dirty="0"/>
+              <a:t> on the </a:t>
+            </a:r>
+            <a:r>
+              <a:rPr lang="en-US" b="1" dirty="0"/>
+              <a:t>Categorical</a:t>
+            </a:r>
+            <a:r>
+              <a:rPr lang="en-US" dirty="0"/>
+              <a:t> Variables from </a:t>
+            </a:r>
+            <a:r>
+              <a:rPr lang="en-US" b="1" dirty="0"/>
+              <a:t>Real Data</a:t>
+            </a:r>
+            <a:r>
+              <a:rPr lang="en-US" dirty="0"/>
+              <a:t> and </a:t>
+            </a:r>
+            <a:r>
+              <a:rPr lang="en-US" b="1" dirty="0"/>
+              <a:t>Synthetic Data</a:t>
+            </a:r>
+            <a:r>
+              <a:rPr lang="en-US" dirty="0"/>
+              <a:t>.</a:t>
+            </a:r>
+          </a:p>
+          <a:p>
+            <a:pPr marL="0" indent="0">
+              <a:buNone/>
+            </a:pPr>
+            <a:endParaRPr lang="en-US" dirty="0"/>
+          </a:p>
+          <a:p>
+            <a:pPr marL="0" indent="0">
+              <a:buNone/>
+            </a:pPr>
+            <a:endParaRPr lang="it-IT" dirty="0"/>
+          </a:p>
+        </p:txBody>
+      </p:sp>
+      <p:sp>
+        <p:nvSpPr>
           <p:cNvPr id="3" name="Titolo 2"/>
           <p:cNvSpPr>
             <a:spLocks noGrp="1"/>
@@ -10946,8 +11560,8 @@
         </p:nvSpPr>
         <p:spPr>
           <a:xfrm>
-            <a:off x="468895" y="522711"/>
-            <a:ext cx="11269308" cy="365485"/>
+            <a:off x="461346" y="396157"/>
+            <a:ext cx="11269308" cy="769441"/>
           </a:xfrm>
         </p:spPr>
         <p:txBody>
@@ -10956,92 +11570,45 @@
           <a:p>
             <a:pPr algn="ctr"/>
             <a:r>
-              <a:rPr lang="it-IT" sz="2400" b="1" i="0" dirty="0">
-                <a:solidFill>
-                  <a:srgbClr val="212121"/>
-                </a:solidFill>
-                <a:effectLst/>
-                <a:latin typeface="Roboto" panose="02000000000000000000" pitchFamily="2" charset="0"/>
-              </a:rPr>
-              <a:t>Utility </a:t>
-            </a:r>
-            <a:r>
-              <a:rPr lang="it-IT" sz="2400" b="1" i="0" dirty="0" err="1">
-                <a:solidFill>
-                  <a:srgbClr val="212121"/>
-                </a:solidFill>
-                <a:effectLst/>
-                <a:latin typeface="Roboto" panose="02000000000000000000" pitchFamily="2" charset="0"/>
-              </a:rPr>
-              <a:t>Metrics</a:t>
-            </a:r>
-            <a:r>
-              <a:rPr lang="it-IT" sz="2400" b="1" i="0" dirty="0">
-                <a:solidFill>
-                  <a:srgbClr val="212121"/>
-                </a:solidFill>
-                <a:effectLst/>
-                <a:latin typeface="Roboto" panose="02000000000000000000" pitchFamily="2" charset="0"/>
-              </a:rPr>
-              <a:t> - Machine Learning Test: Random </a:t>
-            </a:r>
-            <a:r>
-              <a:rPr lang="it-IT" sz="2400" b="1" i="0" dirty="0" err="1">
-                <a:solidFill>
-                  <a:srgbClr val="212121"/>
-                </a:solidFill>
-                <a:effectLst/>
-                <a:latin typeface="Roboto" panose="02000000000000000000" pitchFamily="2" charset="0"/>
-              </a:rPr>
-              <a:t>Forest</a:t>
-            </a:r>
-            <a:r>
-              <a:rPr lang="it-IT" sz="2400" b="1" i="0" dirty="0">
-                <a:solidFill>
-                  <a:srgbClr val="212121"/>
-                </a:solidFill>
-                <a:effectLst/>
-                <a:latin typeface="Roboto" panose="02000000000000000000" pitchFamily="2" charset="0"/>
-              </a:rPr>
+              <a:rPr lang="it-IT" dirty="0" err="1"/>
+              <a:t>Original</a:t>
+            </a:r>
+            <a:r>
+              <a:rPr lang="it-IT" dirty="0"/>
+              <a:t> and </a:t>
+            </a:r>
+            <a:r>
+              <a:rPr lang="it-IT" dirty="0" err="1"/>
+              <a:t>Synthetic</a:t>
+            </a:r>
+            <a:r>
+              <a:rPr lang="it-IT" dirty="0"/>
+              <a:t> Data </a:t>
+            </a:r>
+            <a:r>
+              <a:rPr lang="it-IT" dirty="0" err="1"/>
+              <a:t>Bivariate</a:t>
+            </a:r>
+            <a:r>
+              <a:rPr lang="it-IT" dirty="0"/>
               <a:t> </a:t>
             </a:r>
             <a:r>
-              <a:rPr lang="it-IT" sz="2400" b="1" i="0" dirty="0" err="1">
-                <a:solidFill>
-                  <a:srgbClr val="212121"/>
-                </a:solidFill>
-                <a:effectLst/>
-                <a:latin typeface="Roboto" panose="02000000000000000000" pitchFamily="2" charset="0"/>
-              </a:rPr>
-              <a:t>Classifier</a:t>
-            </a:r>
-            <a:r>
-              <a:rPr lang="it-IT" sz="2400" b="1" i="0" dirty="0">
-                <a:solidFill>
-                  <a:srgbClr val="212121"/>
-                </a:solidFill>
-                <a:effectLst/>
-                <a:latin typeface="Roboto" panose="02000000000000000000" pitchFamily="2" charset="0"/>
-              </a:rPr>
+              <a:rPr lang="it-IT" dirty="0"/>
+              <a:t>Distribution </a:t>
+            </a:r>
+            <a:r>
+              <a:rPr lang="it-IT" dirty="0" err="1"/>
+              <a:t>Visualization</a:t>
+            </a:r>
+            <a:r>
+              <a:rPr lang="it-IT" dirty="0"/>
               <a:t> </a:t>
             </a:r>
-            <a:r>
-              <a:rPr lang="it-IT" sz="2400" b="1" i="0" dirty="0" err="1">
-                <a:solidFill>
-                  <a:srgbClr val="212121"/>
-                </a:solidFill>
-                <a:effectLst/>
-                <a:latin typeface="Roboto" panose="02000000000000000000" pitchFamily="2" charset="0"/>
-              </a:rPr>
-              <a:t>Accuracy</a:t>
-            </a:r>
-            <a:endParaRPr lang="it-IT" sz="2400" b="0" i="0" dirty="0">
-              <a:solidFill>
-                <a:srgbClr val="212121"/>
-              </a:solidFill>
-              <a:effectLst/>
-              <a:latin typeface="Roboto" panose="02000000000000000000" pitchFamily="2" charset="0"/>
-            </a:endParaRPr>
+            <a:br>
+              <a:rPr lang="it-IT" dirty="0"/>
+            </a:br>
+            <a:endParaRPr lang="it-IT" dirty="0"/>
           </a:p>
         </p:txBody>
       </p:sp>
@@ -11132,515 +11699,224 @@
           </a:p>
         </p:txBody>
       </p:sp>
-      <p:sp>
-        <p:nvSpPr>
-          <p:cNvPr id="8" name="CasellaDiTesto 7">
+      <p:graphicFrame>
+        <p:nvGraphicFramePr>
+          <p:cNvPr id="12" name="Tabella 12">
             <a:extLst>
               <a:ext uri="{FF2B5EF4-FFF2-40B4-BE49-F238E27FC236}">
-                <a16:creationId xmlns:a16="http://schemas.microsoft.com/office/drawing/2014/main" id="{DB44D29D-D48E-280A-61B2-8C6E1E02DAA3}"/>
+                <a16:creationId xmlns:a16="http://schemas.microsoft.com/office/drawing/2014/main" id="{8E9FA477-A2B0-C647-BAE4-03196F9E5244}"/>
               </a:ext>
             </a:extLst>
           </p:cNvPr>
-          <p:cNvSpPr txBox="1"/>
-          <p:nvPr/>
-        </p:nvSpPr>
-        <p:spPr>
-          <a:xfrm>
-            <a:off x="693104" y="1224475"/>
-            <a:ext cx="7639237" cy="5355312"/>
-          </a:xfrm>
-          <a:prstGeom prst="rect">
-            <a:avLst/>
-          </a:prstGeom>
-          <a:noFill/>
-        </p:spPr>
-        <p:txBody>
-          <a:bodyPr wrap="square">
-            <a:spAutoFit/>
-          </a:bodyPr>
-          <a:lstStyle/>
-          <a:p>
-            <a:pPr marL="285750" indent="-285750">
-              <a:buFont typeface="Arial" panose="020B0604020202020204" pitchFamily="34" charset="0"/>
-              <a:buChar char="•"/>
-            </a:pPr>
-            <a:r>
-              <a:rPr lang="en-US" i="0" dirty="0">
-                <a:solidFill>
-                  <a:srgbClr val="202124"/>
-                </a:solidFill>
-                <a:effectLst/>
-                <a:latin typeface="arial" panose="020B0604020202020204" pitchFamily="34" charset="0"/>
-              </a:rPr>
-              <a:t>The </a:t>
-            </a:r>
-            <a:r>
-              <a:rPr lang="en-US" b="1" dirty="0">
-                <a:solidFill>
-                  <a:srgbClr val="202124"/>
-                </a:solidFill>
-                <a:latin typeface="arial" panose="020B0604020202020204" pitchFamily="34" charset="0"/>
-              </a:rPr>
-              <a:t>R</a:t>
-            </a:r>
-            <a:r>
-              <a:rPr lang="en-US" b="1" i="0" dirty="0">
-                <a:solidFill>
-                  <a:srgbClr val="202124"/>
-                </a:solidFill>
-                <a:effectLst/>
-                <a:latin typeface="arial" panose="020B0604020202020204" pitchFamily="34" charset="0"/>
-              </a:rPr>
-              <a:t>andom </a:t>
-            </a:r>
-            <a:r>
-              <a:rPr lang="en-US" b="1" dirty="0">
-                <a:solidFill>
-                  <a:srgbClr val="202124"/>
-                </a:solidFill>
-                <a:latin typeface="arial" panose="020B0604020202020204" pitchFamily="34" charset="0"/>
-              </a:rPr>
-              <a:t>F</a:t>
-            </a:r>
-            <a:r>
-              <a:rPr lang="en-US" b="1" i="0" dirty="0">
-                <a:solidFill>
-                  <a:srgbClr val="202124"/>
-                </a:solidFill>
-                <a:effectLst/>
-                <a:latin typeface="arial" panose="020B0604020202020204" pitchFamily="34" charset="0"/>
-              </a:rPr>
-              <a:t>orest (RF) </a:t>
-            </a:r>
-            <a:r>
-              <a:rPr lang="en-US" i="0" dirty="0">
-                <a:solidFill>
-                  <a:srgbClr val="202124"/>
-                </a:solidFill>
-                <a:effectLst/>
-                <a:latin typeface="arial" panose="020B0604020202020204" pitchFamily="34" charset="0"/>
-              </a:rPr>
-              <a:t>is a classification (there is also a Regression version) algorithm consisting of many </a:t>
-            </a:r>
-            <a:r>
-              <a:rPr lang="en-US" b="1" i="0" dirty="0">
-                <a:solidFill>
-                  <a:srgbClr val="202124"/>
-                </a:solidFill>
-                <a:effectLst/>
-                <a:latin typeface="arial" panose="020B0604020202020204" pitchFamily="34" charset="0"/>
-              </a:rPr>
-              <a:t>Decisions</a:t>
-            </a:r>
-            <a:r>
-              <a:rPr lang="en-US" i="0" dirty="0">
-                <a:solidFill>
-                  <a:srgbClr val="202124"/>
-                </a:solidFill>
-                <a:effectLst/>
-                <a:latin typeface="arial" panose="020B0604020202020204" pitchFamily="34" charset="0"/>
-              </a:rPr>
-              <a:t> </a:t>
-            </a:r>
-            <a:r>
-              <a:rPr lang="en-US" b="1" i="0" dirty="0">
-                <a:solidFill>
-                  <a:srgbClr val="202124"/>
-                </a:solidFill>
-                <a:effectLst/>
-                <a:latin typeface="arial" panose="020B0604020202020204" pitchFamily="34" charset="0"/>
-              </a:rPr>
-              <a:t>Trees</a:t>
-            </a:r>
-            <a:r>
-              <a:rPr lang="en-US" i="0" dirty="0">
-                <a:solidFill>
-                  <a:srgbClr val="202124"/>
-                </a:solidFill>
-                <a:effectLst/>
-                <a:latin typeface="arial" panose="020B0604020202020204" pitchFamily="34" charset="0"/>
-              </a:rPr>
-              <a:t>. It uses </a:t>
-            </a:r>
-            <a:r>
-              <a:rPr lang="en-US" b="1" i="0" dirty="0">
-                <a:solidFill>
-                  <a:srgbClr val="202124"/>
-                </a:solidFill>
-                <a:effectLst/>
-                <a:latin typeface="arial" panose="020B0604020202020204" pitchFamily="34" charset="0"/>
-              </a:rPr>
-              <a:t>bagging</a:t>
-            </a:r>
-            <a:r>
-              <a:rPr lang="en-US" i="0" dirty="0">
-                <a:solidFill>
-                  <a:srgbClr val="202124"/>
-                </a:solidFill>
-                <a:effectLst/>
-                <a:latin typeface="arial" panose="020B0604020202020204" pitchFamily="34" charset="0"/>
-              </a:rPr>
-              <a:t> and </a:t>
-            </a:r>
-            <a:r>
-              <a:rPr lang="en-US" b="1" i="0" dirty="0">
-                <a:solidFill>
-                  <a:srgbClr val="202124"/>
-                </a:solidFill>
-                <a:effectLst/>
-                <a:latin typeface="arial" panose="020B0604020202020204" pitchFamily="34" charset="0"/>
-              </a:rPr>
-              <a:t>feature</a:t>
-            </a:r>
-            <a:r>
-              <a:rPr lang="en-US" i="0" dirty="0">
-                <a:solidFill>
-                  <a:srgbClr val="202124"/>
-                </a:solidFill>
-                <a:effectLst/>
-                <a:latin typeface="arial" panose="020B0604020202020204" pitchFamily="34" charset="0"/>
-              </a:rPr>
-              <a:t> </a:t>
-            </a:r>
-            <a:r>
-              <a:rPr lang="en-US" b="1" i="0" dirty="0">
-                <a:solidFill>
-                  <a:srgbClr val="202124"/>
-                </a:solidFill>
-                <a:effectLst/>
-                <a:latin typeface="arial" panose="020B0604020202020204" pitchFamily="34" charset="0"/>
-              </a:rPr>
-              <a:t>randomness</a:t>
-            </a:r>
-            <a:r>
-              <a:rPr lang="en-US" i="0" dirty="0">
-                <a:solidFill>
-                  <a:srgbClr val="202124"/>
-                </a:solidFill>
-                <a:effectLst/>
-                <a:latin typeface="arial" panose="020B0604020202020204" pitchFamily="34" charset="0"/>
-              </a:rPr>
-              <a:t> when building each individual tree to try to create an uncorrelated forest of trees whose prediction by committee is more accurate than that of any individual tree.</a:t>
-            </a:r>
-          </a:p>
-          <a:p>
-            <a:pPr marL="285750" indent="-285750">
-              <a:buFont typeface="Arial" panose="020B0604020202020204" pitchFamily="34" charset="0"/>
-              <a:buChar char="•"/>
-            </a:pPr>
-            <a:endParaRPr lang="en-US" i="0" dirty="0">
-              <a:solidFill>
-                <a:srgbClr val="202124"/>
-              </a:solidFill>
-              <a:effectLst/>
-              <a:latin typeface="arial" panose="020B0604020202020204" pitchFamily="34" charset="0"/>
-            </a:endParaRPr>
-          </a:p>
-          <a:p>
-            <a:pPr marL="285750" indent="-285750">
-              <a:buFont typeface="Arial" panose="020B0604020202020204" pitchFamily="34" charset="0"/>
-              <a:buChar char="•"/>
-            </a:pPr>
-            <a:r>
-              <a:rPr lang="en-US" dirty="0">
-                <a:solidFill>
-                  <a:srgbClr val="202124"/>
-                </a:solidFill>
-                <a:latin typeface="arial" panose="020B0604020202020204" pitchFamily="34" charset="0"/>
-              </a:rPr>
-              <a:t>Estimating the </a:t>
-            </a:r>
-            <a:r>
-              <a:rPr lang="en-US" b="1" dirty="0">
-                <a:solidFill>
-                  <a:srgbClr val="202124"/>
-                </a:solidFill>
-                <a:latin typeface="arial" panose="020B0604020202020204" pitchFamily="34" charset="0"/>
-              </a:rPr>
-              <a:t>Accuracy</a:t>
-            </a:r>
-            <a:r>
-              <a:rPr lang="en-US" dirty="0">
-                <a:solidFill>
-                  <a:srgbClr val="202124"/>
-                </a:solidFill>
-                <a:latin typeface="arial" panose="020B0604020202020204" pitchFamily="34" charset="0"/>
-              </a:rPr>
-              <a:t> of a Classifier such as </a:t>
-            </a:r>
-            <a:r>
-              <a:rPr lang="en-US" b="1" dirty="0">
-                <a:solidFill>
-                  <a:srgbClr val="202124"/>
-                </a:solidFill>
-                <a:latin typeface="arial" panose="020B0604020202020204" pitchFamily="34" charset="0"/>
-              </a:rPr>
-              <a:t>RF</a:t>
-            </a:r>
-            <a:r>
-              <a:rPr lang="en-US" dirty="0">
-                <a:solidFill>
-                  <a:srgbClr val="202124"/>
-                </a:solidFill>
-                <a:latin typeface="arial" panose="020B0604020202020204" pitchFamily="34" charset="0"/>
-              </a:rPr>
-              <a:t> on a column taken as the a </a:t>
-            </a:r>
-            <a:r>
-              <a:rPr lang="en-US" b="1" dirty="0">
-                <a:solidFill>
-                  <a:srgbClr val="202124"/>
-                </a:solidFill>
-                <a:latin typeface="arial" panose="020B0604020202020204" pitchFamily="34" charset="0"/>
-              </a:rPr>
-              <a:t>Target</a:t>
-            </a:r>
-            <a:r>
-              <a:rPr lang="en-US" dirty="0">
-                <a:solidFill>
-                  <a:srgbClr val="202124"/>
-                </a:solidFill>
-                <a:latin typeface="arial" panose="020B0604020202020204" pitchFamily="34" charset="0"/>
-              </a:rPr>
-              <a:t> </a:t>
-            </a:r>
-            <a:r>
-              <a:rPr lang="en-US" b="1" dirty="0">
-                <a:solidFill>
-                  <a:srgbClr val="202124"/>
-                </a:solidFill>
-                <a:latin typeface="arial" panose="020B0604020202020204" pitchFamily="34" charset="0"/>
-              </a:rPr>
-              <a:t>Original</a:t>
-            </a:r>
-            <a:r>
-              <a:rPr lang="en-US" dirty="0">
-                <a:solidFill>
-                  <a:srgbClr val="202124"/>
-                </a:solidFill>
-                <a:latin typeface="arial" panose="020B0604020202020204" pitchFamily="34" charset="0"/>
-              </a:rPr>
-              <a:t> Data and a column as a </a:t>
-            </a:r>
-            <a:r>
-              <a:rPr lang="en-US" b="1" dirty="0">
-                <a:solidFill>
-                  <a:srgbClr val="202124"/>
-                </a:solidFill>
-                <a:latin typeface="arial" panose="020B0604020202020204" pitchFamily="34" charset="0"/>
-              </a:rPr>
-              <a:t>Target</a:t>
-            </a:r>
-            <a:r>
-              <a:rPr lang="en-US" dirty="0">
-                <a:solidFill>
-                  <a:srgbClr val="202124"/>
-                </a:solidFill>
-                <a:latin typeface="arial" panose="020B0604020202020204" pitchFamily="34" charset="0"/>
-              </a:rPr>
-              <a:t> </a:t>
-            </a:r>
-            <a:r>
-              <a:rPr lang="en-US" b="1" dirty="0">
-                <a:solidFill>
-                  <a:srgbClr val="202124"/>
-                </a:solidFill>
-                <a:latin typeface="arial" panose="020B0604020202020204" pitchFamily="34" charset="0"/>
-              </a:rPr>
-              <a:t>Synthetic</a:t>
-            </a:r>
-            <a:r>
-              <a:rPr lang="en-US" dirty="0">
-                <a:solidFill>
-                  <a:srgbClr val="202124"/>
-                </a:solidFill>
-                <a:latin typeface="arial" panose="020B0604020202020204" pitchFamily="34" charset="0"/>
-              </a:rPr>
-              <a:t> Data Column we can argue that Original Data and Synthetic Data have the same </a:t>
-            </a:r>
-            <a:r>
-              <a:rPr lang="en-US" b="1" dirty="0">
-                <a:solidFill>
-                  <a:srgbClr val="202124"/>
-                </a:solidFill>
-                <a:latin typeface="arial" panose="020B0604020202020204" pitchFamily="34" charset="0"/>
-              </a:rPr>
-              <a:t>properties</a:t>
-            </a:r>
-            <a:r>
-              <a:rPr lang="en-US" dirty="0">
-                <a:solidFill>
-                  <a:srgbClr val="202124"/>
-                </a:solidFill>
-                <a:latin typeface="arial" panose="020B0604020202020204" pitchFamily="34" charset="0"/>
-              </a:rPr>
-              <a:t> and </a:t>
-            </a:r>
-            <a:r>
-              <a:rPr lang="en-US" b="1" dirty="0">
-                <a:solidFill>
-                  <a:srgbClr val="202124"/>
-                </a:solidFill>
-                <a:latin typeface="arial" panose="020B0604020202020204" pitchFamily="34" charset="0"/>
-              </a:rPr>
-              <a:t>characteristics</a:t>
-            </a:r>
-            <a:r>
-              <a:rPr lang="en-US" dirty="0">
-                <a:solidFill>
-                  <a:srgbClr val="202124"/>
-                </a:solidFill>
-                <a:latin typeface="arial" panose="020B0604020202020204" pitchFamily="34" charset="0"/>
-              </a:rPr>
-              <a:t>, so they are similar, but not the same. </a:t>
-            </a:r>
-          </a:p>
-          <a:p>
-            <a:pPr marL="285750" indent="-285750">
-              <a:buFont typeface="Arial" panose="020B0604020202020204" pitchFamily="34" charset="0"/>
-              <a:buChar char="•"/>
-            </a:pPr>
-            <a:endParaRPr lang="en-US" dirty="0">
-              <a:solidFill>
-                <a:srgbClr val="212121"/>
-              </a:solidFill>
-              <a:latin typeface="Roboto" panose="02000000000000000000" pitchFamily="2" charset="0"/>
-            </a:endParaRPr>
-          </a:p>
-          <a:p>
-            <a:pPr marL="285750" indent="-285750">
-              <a:buFont typeface="Arial" panose="020B0604020202020204" pitchFamily="34" charset="0"/>
-              <a:buChar char="•"/>
-            </a:pPr>
-            <a:r>
-              <a:rPr lang="en-US" dirty="0">
-                <a:solidFill>
-                  <a:srgbClr val="202124"/>
-                </a:solidFill>
-                <a:latin typeface="arial" panose="020B0604020202020204" pitchFamily="34" charset="0"/>
-              </a:rPr>
-              <a:t>In our test, we chose </a:t>
-            </a:r>
-            <a:r>
-              <a:rPr lang="en-US" b="1" dirty="0">
-                <a:solidFill>
-                  <a:srgbClr val="202124"/>
-                </a:solidFill>
-                <a:latin typeface="arial" panose="020B0604020202020204" pitchFamily="34" charset="0"/>
-              </a:rPr>
-              <a:t>“SIM_CODE” </a:t>
-            </a:r>
-            <a:r>
-              <a:rPr lang="en-US" dirty="0">
-                <a:solidFill>
-                  <a:srgbClr val="202124"/>
-                </a:solidFill>
-                <a:latin typeface="arial" panose="020B0604020202020204" pitchFamily="34" charset="0"/>
-              </a:rPr>
-              <a:t>as Target Column and the other columns as features (input). </a:t>
-            </a:r>
-            <a:r>
-              <a:rPr lang="en-US" b="1" dirty="0">
-                <a:solidFill>
-                  <a:srgbClr val="202124"/>
-                </a:solidFill>
-                <a:latin typeface="arial" panose="020B0604020202020204" pitchFamily="34" charset="0"/>
-              </a:rPr>
-              <a:t>Random Forest</a:t>
-            </a:r>
-            <a:r>
-              <a:rPr lang="en-US" dirty="0">
-                <a:solidFill>
-                  <a:srgbClr val="202124"/>
-                </a:solidFill>
-                <a:latin typeface="arial" panose="020B0604020202020204" pitchFamily="34" charset="0"/>
-              </a:rPr>
-              <a:t> </a:t>
-            </a:r>
-            <a:r>
-              <a:rPr lang="en-US" b="1" dirty="0">
-                <a:solidFill>
-                  <a:srgbClr val="202124"/>
-                </a:solidFill>
-                <a:latin typeface="arial" panose="020B0604020202020204" pitchFamily="34" charset="0"/>
-              </a:rPr>
-              <a:t>Accuracy</a:t>
-            </a:r>
-            <a:r>
-              <a:rPr lang="en-US" dirty="0">
-                <a:solidFill>
-                  <a:srgbClr val="202124"/>
-                </a:solidFill>
-                <a:latin typeface="arial" panose="020B0604020202020204" pitchFamily="34" charset="0"/>
-              </a:rPr>
-              <a:t> on the Original Data was </a:t>
-            </a:r>
-            <a:r>
-              <a:rPr lang="en-US" b="1" dirty="0">
-                <a:solidFill>
-                  <a:srgbClr val="202124"/>
-                </a:solidFill>
-                <a:latin typeface="arial" panose="020B0604020202020204" pitchFamily="34" charset="0"/>
-              </a:rPr>
-              <a:t>0.576</a:t>
-            </a:r>
-            <a:r>
-              <a:rPr lang="en-US" dirty="0">
-                <a:solidFill>
-                  <a:srgbClr val="202124"/>
-                </a:solidFill>
-                <a:latin typeface="arial" panose="020B0604020202020204" pitchFamily="34" charset="0"/>
-              </a:rPr>
-              <a:t> while </a:t>
-            </a:r>
-            <a:r>
-              <a:rPr lang="en-US" b="1" dirty="0">
-                <a:solidFill>
-                  <a:srgbClr val="202124"/>
-                </a:solidFill>
-                <a:latin typeface="arial" panose="020B0604020202020204" pitchFamily="34" charset="0"/>
-              </a:rPr>
-              <a:t>RF Accuracy</a:t>
-            </a:r>
-            <a:r>
-              <a:rPr lang="en-US" dirty="0">
-                <a:solidFill>
-                  <a:srgbClr val="202124"/>
-                </a:solidFill>
-                <a:latin typeface="arial" panose="020B0604020202020204" pitchFamily="34" charset="0"/>
-              </a:rPr>
-              <a:t> on the Synthetic Data was </a:t>
-            </a:r>
-            <a:r>
-              <a:rPr lang="en-US" b="1" dirty="0">
-                <a:solidFill>
-                  <a:srgbClr val="202124"/>
-                </a:solidFill>
-                <a:latin typeface="arial" panose="020B0604020202020204" pitchFamily="34" charset="0"/>
-              </a:rPr>
-              <a:t>0.0526</a:t>
-            </a:r>
-            <a:r>
-              <a:rPr lang="en-US" dirty="0">
-                <a:solidFill>
-                  <a:srgbClr val="202124"/>
-                </a:solidFill>
-                <a:latin typeface="arial" panose="020B0604020202020204" pitchFamily="34" charset="0"/>
-              </a:rPr>
-              <a:t> so we can state that Original Data and Synthetic Data have the same characteristics and properties, that is they are comparable.</a:t>
-            </a:r>
-          </a:p>
-        </p:txBody>
-      </p:sp>
+          <p:cNvGraphicFramePr>
+            <a:graphicFrameLocks noGrp="1"/>
+          </p:cNvGraphicFramePr>
+          <p:nvPr>
+            <p:extLst>
+              <p:ext uri="{D42A27DB-BD31-4B8C-83A1-F6EECF244321}">
+                <p14:modId xmlns:p14="http://schemas.microsoft.com/office/powerpoint/2010/main" val="1296651001"/>
+              </p:ext>
+            </p:extLst>
+          </p:nvPr>
+        </p:nvGraphicFramePr>
+        <p:xfrm>
+          <a:off x="579030" y="2061773"/>
+          <a:ext cx="10536549" cy="4292753"/>
+        </p:xfrm>
+        <a:graphic>
+          <a:graphicData uri="http://schemas.openxmlformats.org/drawingml/2006/table">
+            <a:tbl>
+              <a:tblPr firstRow="1" bandRow="1">
+                <a:tableStyleId>{5C22544A-7EE6-4342-B048-85BDC9FD1C3A}</a:tableStyleId>
+              </a:tblPr>
+              <a:tblGrid>
+                <a:gridCol w="2277186">
+                  <a:extLst>
+                    <a:ext uri="{9D8B030D-6E8A-4147-A177-3AD203B41FA5}">
+                      <a16:colId xmlns:a16="http://schemas.microsoft.com/office/drawing/2014/main" val="3548202202"/>
+                    </a:ext>
+                  </a:extLst>
+                </a:gridCol>
+                <a:gridCol w="4038241">
+                  <a:extLst>
+                    <a:ext uri="{9D8B030D-6E8A-4147-A177-3AD203B41FA5}">
+                      <a16:colId xmlns:a16="http://schemas.microsoft.com/office/drawing/2014/main" val="1309839314"/>
+                    </a:ext>
+                  </a:extLst>
+                </a:gridCol>
+                <a:gridCol w="4221122">
+                  <a:extLst>
+                    <a:ext uri="{9D8B030D-6E8A-4147-A177-3AD203B41FA5}">
+                      <a16:colId xmlns:a16="http://schemas.microsoft.com/office/drawing/2014/main" val="2743332816"/>
+                    </a:ext>
+                  </a:extLst>
+                </a:gridCol>
+              </a:tblGrid>
+              <a:tr h="445061">
+                <a:tc>
+                  <a:txBody>
+                    <a:bodyPr/>
+                    <a:lstStyle/>
+                    <a:p>
+                      <a:endParaRPr lang="it-IT" dirty="0"/>
+                    </a:p>
+                  </a:txBody>
+                  <a:tcPr/>
+                </a:tc>
+                <a:tc>
+                  <a:txBody>
+                    <a:bodyPr/>
+                    <a:lstStyle/>
+                    <a:p>
+                      <a:pPr algn="ctr"/>
+                      <a:r>
+                        <a:rPr lang="it-IT" dirty="0"/>
+                        <a:t>ORIGINAL DATASET</a:t>
+                      </a:r>
+                    </a:p>
+                  </a:txBody>
+                  <a:tcPr/>
+                </a:tc>
+                <a:tc>
+                  <a:txBody>
+                    <a:bodyPr/>
+                    <a:lstStyle/>
+                    <a:p>
+                      <a:pPr marL="0" marR="0" lvl="0" indent="0" algn="ctr" defTabSz="457200" rtl="0" eaLnBrk="1" fontAlgn="auto" latinLnBrk="0" hangingPunct="1">
+                        <a:lnSpc>
+                          <a:spcPct val="100000"/>
+                        </a:lnSpc>
+                        <a:spcBef>
+                          <a:spcPts val="0"/>
+                        </a:spcBef>
+                        <a:spcAft>
+                          <a:spcPts val="0"/>
+                        </a:spcAft>
+                        <a:buClrTx/>
+                        <a:buSzTx/>
+                        <a:buFontTx/>
+                        <a:buNone/>
+                        <a:tabLst/>
+                        <a:defRPr/>
+                      </a:pPr>
+                      <a:r>
+                        <a:rPr lang="it-IT" dirty="0"/>
+                        <a:t>SYNTHETIC DATASET</a:t>
+                      </a:r>
+                    </a:p>
+                  </a:txBody>
+                  <a:tcPr/>
+                </a:tc>
+                <a:extLst>
+                  <a:ext uri="{0D108BD9-81ED-4DB2-BD59-A6C34878D82A}">
+                    <a16:rowId xmlns:a16="http://schemas.microsoft.com/office/drawing/2014/main" val="3480578365"/>
+                  </a:ext>
+                </a:extLst>
+              </a:tr>
+              <a:tr h="1923846">
+                <a:tc>
+                  <a:txBody>
+                    <a:bodyPr/>
+                    <a:lstStyle/>
+                    <a:p>
+                      <a:endParaRPr lang="it-IT" b="1" dirty="0"/>
+                    </a:p>
+                    <a:p>
+                      <a:endParaRPr lang="it-IT" b="1" dirty="0"/>
+                    </a:p>
+                    <a:p>
+                      <a:r>
+                        <a:rPr lang="it-IT" b="1" dirty="0" smtClean="0"/>
+                        <a:t>SIM_CODE – ANTENNA_CODE</a:t>
+                      </a:r>
+                      <a:endParaRPr lang="it-IT" b="1" dirty="0"/>
+                    </a:p>
+                  </a:txBody>
+                  <a:tcPr/>
+                </a:tc>
+                <a:tc>
+                  <a:txBody>
+                    <a:bodyPr/>
+                    <a:lstStyle/>
+                    <a:p>
+                      <a:endParaRPr lang="it-IT"/>
+                    </a:p>
+                  </a:txBody>
+                  <a:tcPr/>
+                </a:tc>
+                <a:tc>
+                  <a:txBody>
+                    <a:bodyPr/>
+                    <a:lstStyle/>
+                    <a:p>
+                      <a:endParaRPr lang="it-IT" dirty="0"/>
+                    </a:p>
+                  </a:txBody>
+                  <a:tcPr/>
+                </a:tc>
+                <a:extLst>
+                  <a:ext uri="{0D108BD9-81ED-4DB2-BD59-A6C34878D82A}">
+                    <a16:rowId xmlns:a16="http://schemas.microsoft.com/office/drawing/2014/main" val="2439133455"/>
+                  </a:ext>
+                </a:extLst>
+              </a:tr>
+              <a:tr h="1923846">
+                <a:tc>
+                  <a:txBody>
+                    <a:bodyPr/>
+                    <a:lstStyle/>
+                    <a:p>
+                      <a:endParaRPr lang="it-IT" dirty="0"/>
+                    </a:p>
+                    <a:p>
+                      <a:endParaRPr lang="it-IT" dirty="0"/>
+                    </a:p>
+                    <a:p>
+                      <a:endParaRPr lang="it-IT" b="1" dirty="0"/>
+                    </a:p>
+                    <a:p>
+                      <a:r>
+                        <a:rPr lang="it-IT" b="1" dirty="0" smtClean="0"/>
+                        <a:t>CALL_DATA – TIME_CALL</a:t>
+                      </a:r>
+                      <a:endParaRPr lang="it-IT" b="1" dirty="0"/>
+                    </a:p>
+                  </a:txBody>
+                  <a:tcPr/>
+                </a:tc>
+                <a:tc>
+                  <a:txBody>
+                    <a:bodyPr/>
+                    <a:lstStyle/>
+                    <a:p>
+                      <a:endParaRPr lang="it-IT" dirty="0"/>
+                    </a:p>
+                  </a:txBody>
+                  <a:tcPr/>
+                </a:tc>
+                <a:tc>
+                  <a:txBody>
+                    <a:bodyPr/>
+                    <a:lstStyle/>
+                    <a:p>
+                      <a:endParaRPr lang="it-IT" dirty="0"/>
+                    </a:p>
+                  </a:txBody>
+                  <a:tcPr/>
+                </a:tc>
+                <a:extLst>
+                  <a:ext uri="{0D108BD9-81ED-4DB2-BD59-A6C34878D82A}">
+                    <a16:rowId xmlns:a16="http://schemas.microsoft.com/office/drawing/2014/main" val="2861626588"/>
+                  </a:ext>
+                </a:extLst>
+              </a:tr>
+            </a:tbl>
+          </a:graphicData>
+        </a:graphic>
+      </p:graphicFrame>
       <p:pic>
         <p:nvPicPr>
-          <p:cNvPr id="11" name="Immagine 10">
-            <a:extLst>
-              <a:ext uri="{FF2B5EF4-FFF2-40B4-BE49-F238E27FC236}">
-                <a16:creationId xmlns:a16="http://schemas.microsoft.com/office/drawing/2014/main" id="{8F6EC01E-E7CE-E63B-4895-CB6E043FC3E2}"/>
-              </a:ext>
-            </a:extLst>
-          </p:cNvPr>
+          <p:cNvPr id="6" name="Immagine 5"/>
           <p:cNvPicPr>
             <a:picLocks noChangeAspect="1"/>
           </p:cNvPicPr>
@@ -11654,8 +11930,80 @@
         </p:blipFill>
         <p:spPr>
           <a:xfrm>
-            <a:off x="8219326" y="1557337"/>
-            <a:ext cx="3518877" cy="4175643"/>
+            <a:off x="2973132" y="2535214"/>
+            <a:ext cx="3723504" cy="1872823"/>
+          </a:xfrm>
+          <a:prstGeom prst="rect">
+            <a:avLst/>
+          </a:prstGeom>
+        </p:spPr>
+      </p:pic>
+      <p:pic>
+        <p:nvPicPr>
+          <p:cNvPr id="7" name="Immagine 6"/>
+          <p:cNvPicPr>
+            <a:picLocks noChangeAspect="1"/>
+          </p:cNvPicPr>
+          <p:nvPr/>
+        </p:nvPicPr>
+        <p:blipFill>
+          <a:blip r:embed="rId3"/>
+          <a:stretch>
+            <a:fillRect/>
+          </a:stretch>
+        </p:blipFill>
+        <p:spPr>
+          <a:xfrm>
+            <a:off x="2973132" y="4521915"/>
+            <a:ext cx="3723504" cy="1763510"/>
+          </a:xfrm>
+          <a:prstGeom prst="rect">
+            <a:avLst/>
+          </a:prstGeom>
+        </p:spPr>
+      </p:pic>
+      <p:pic>
+        <p:nvPicPr>
+          <p:cNvPr id="8" name="Immagine 7"/>
+          <p:cNvPicPr>
+            <a:picLocks noChangeAspect="1"/>
+          </p:cNvPicPr>
+          <p:nvPr/>
+        </p:nvPicPr>
+        <p:blipFill>
+          <a:blip r:embed="rId4"/>
+          <a:stretch>
+            <a:fillRect/>
+          </a:stretch>
+        </p:blipFill>
+        <p:spPr>
+          <a:xfrm>
+            <a:off x="7115456" y="2545351"/>
+            <a:ext cx="3794592" cy="1862686"/>
+          </a:xfrm>
+          <a:prstGeom prst="rect">
+            <a:avLst/>
+          </a:prstGeom>
+        </p:spPr>
+      </p:pic>
+      <p:pic>
+        <p:nvPicPr>
+          <p:cNvPr id="10" name="Immagine 9"/>
+          <p:cNvPicPr>
+            <a:picLocks noChangeAspect="1"/>
+          </p:cNvPicPr>
+          <p:nvPr/>
+        </p:nvPicPr>
+        <p:blipFill>
+          <a:blip r:embed="rId5"/>
+          <a:stretch>
+            <a:fillRect/>
+          </a:stretch>
+        </p:blipFill>
+        <p:spPr>
+          <a:xfrm>
+            <a:off x="7115456" y="4521916"/>
+            <a:ext cx="3794592" cy="1763510"/>
           </a:xfrm>
           <a:prstGeom prst="rect">
             <a:avLst/>
@@ -11665,7 +12013,7 @@
     </p:spTree>
     <p:extLst>
       <p:ext uri="{BB962C8B-B14F-4D97-AF65-F5344CB8AC3E}">
-        <p14:creationId xmlns:p14="http://schemas.microsoft.com/office/powerpoint/2010/main" val="4169306810"/>
+        <p14:creationId xmlns:p14="http://schemas.microsoft.com/office/powerpoint/2010/main" val="1811858721"/>
       </p:ext>
     </p:extLst>
   </p:cSld>
@@ -11694,251 +12042,6 @@
       </p:grpSpPr>
       <p:sp>
         <p:nvSpPr>
-          <p:cNvPr id="2" name="Segnaposto testo 1"/>
-          <p:cNvSpPr>
-            <a:spLocks noGrp="1"/>
-          </p:cNvSpPr>
-          <p:nvPr>
-            <p:ph type="body" idx="1"/>
-          </p:nvPr>
-        </p:nvSpPr>
-        <p:spPr>
-          <a:xfrm>
-            <a:off x="474201" y="1277420"/>
-            <a:ext cx="5967696" cy="5117333"/>
-          </a:xfrm>
-        </p:spPr>
-        <p:txBody>
-          <a:bodyPr/>
-          <a:lstStyle/>
-          <a:p>
-            <a:pPr>
-              <a:buClr>
-                <a:schemeClr val="tx1"/>
-              </a:buClr>
-              <a:buFont typeface="Arial" panose="020B0604020202020204" pitchFamily="34" charset="0"/>
-              <a:buChar char="•"/>
-            </a:pPr>
-            <a:r>
-              <a:rPr lang="en-US" dirty="0">
-                <a:solidFill>
-                  <a:srgbClr val="202124"/>
-                </a:solidFill>
-                <a:latin typeface="arial" panose="020B0604020202020204" pitchFamily="34" charset="0"/>
-                <a:cs typeface="+mn-cs"/>
-              </a:rPr>
-              <a:t>The </a:t>
-            </a:r>
-            <a:r>
-              <a:rPr lang="en-US" b="1" dirty="0">
-                <a:solidFill>
-                  <a:srgbClr val="202124"/>
-                </a:solidFill>
-                <a:latin typeface="arial" panose="020B0604020202020204" pitchFamily="34" charset="0"/>
-                <a:cs typeface="+mn-cs"/>
-              </a:rPr>
-              <a:t>metrics</a:t>
-            </a:r>
-            <a:r>
-              <a:rPr lang="en-US" dirty="0">
-                <a:solidFill>
-                  <a:srgbClr val="202124"/>
-                </a:solidFill>
-                <a:latin typeface="arial" panose="020B0604020202020204" pitchFamily="34" charset="0"/>
-                <a:cs typeface="+mn-cs"/>
-              </a:rPr>
-              <a:t> of the </a:t>
-            </a:r>
-            <a:r>
-              <a:rPr lang="en-US" b="1" dirty="0">
-                <a:solidFill>
-                  <a:srgbClr val="202124"/>
-                </a:solidFill>
-                <a:latin typeface="arial" panose="020B0604020202020204" pitchFamily="34" charset="0"/>
-                <a:cs typeface="+mn-cs"/>
-              </a:rPr>
-              <a:t>Synthetic Data Gym</a:t>
-            </a:r>
-            <a:r>
-              <a:rPr lang="en-US" dirty="0">
-                <a:solidFill>
-                  <a:srgbClr val="202124"/>
-                </a:solidFill>
-                <a:latin typeface="arial" panose="020B0604020202020204" pitchFamily="34" charset="0"/>
-                <a:cs typeface="+mn-cs"/>
-              </a:rPr>
-              <a:t> of the </a:t>
-            </a:r>
-            <a:r>
-              <a:rPr lang="en-US" b="1" dirty="0">
-                <a:solidFill>
-                  <a:srgbClr val="202124"/>
-                </a:solidFill>
-                <a:latin typeface="arial" panose="020B0604020202020204" pitchFamily="34" charset="0"/>
-                <a:cs typeface="+mn-cs"/>
-              </a:rPr>
-              <a:t>Statistical Metrics Family </a:t>
-            </a:r>
-            <a:r>
-              <a:rPr lang="en-US" dirty="0">
-                <a:solidFill>
-                  <a:srgbClr val="202124"/>
-                </a:solidFill>
-                <a:latin typeface="arial" panose="020B0604020202020204" pitchFamily="34" charset="0"/>
-                <a:cs typeface="+mn-cs"/>
-              </a:rPr>
-              <a:t>compare the tables by running different types of statistical tests on them. In the simplest scenario, these metrics compare individual columns from the real table with the corresponding column from the synthetic table.</a:t>
-            </a:r>
-          </a:p>
-          <a:p>
-            <a:pPr marL="285750" indent="-285750">
-              <a:buClr>
-                <a:schemeClr val="tx1"/>
-              </a:buClr>
-              <a:buFont typeface="Arial" panose="020B0604020202020204" pitchFamily="34" charset="0"/>
-              <a:buChar char="•"/>
-            </a:pPr>
-            <a:r>
-              <a:rPr lang="en-US" b="1" i="0" dirty="0" err="1">
-                <a:solidFill>
-                  <a:srgbClr val="212121"/>
-                </a:solidFill>
-                <a:effectLst/>
-                <a:latin typeface="Roboto" panose="02000000000000000000" pitchFamily="2" charset="0"/>
-              </a:rPr>
-              <a:t>sdv.metrics.tabular.CSTest</a:t>
-            </a:r>
-            <a:r>
-              <a:rPr lang="en-US" b="1" i="0" dirty="0">
-                <a:solidFill>
-                  <a:srgbClr val="212121"/>
-                </a:solidFill>
-                <a:effectLst/>
-                <a:latin typeface="Roboto" panose="02000000000000000000" pitchFamily="2" charset="0"/>
-              </a:rPr>
-              <a:t>:</a:t>
-            </a:r>
-            <a:r>
-              <a:rPr lang="en-US" b="0" i="0" dirty="0">
-                <a:solidFill>
-                  <a:srgbClr val="212121"/>
-                </a:solidFill>
-                <a:effectLst/>
-                <a:latin typeface="Roboto" panose="02000000000000000000" pitchFamily="2" charset="0"/>
-              </a:rPr>
-              <a:t> This metric make use of the </a:t>
-            </a:r>
-            <a:r>
-              <a:rPr lang="en-US" b="1" i="0" dirty="0">
-                <a:solidFill>
-                  <a:srgbClr val="212121"/>
-                </a:solidFill>
-                <a:effectLst/>
-                <a:latin typeface="Roboto" panose="02000000000000000000" pitchFamily="2" charset="0"/>
-              </a:rPr>
-              <a:t>Chi-Squared Test</a:t>
-            </a:r>
-            <a:r>
-              <a:rPr lang="en-US" b="0" i="0" dirty="0">
-                <a:solidFill>
-                  <a:srgbClr val="212121"/>
-                </a:solidFill>
-                <a:effectLst/>
-                <a:latin typeface="Roboto" panose="02000000000000000000" pitchFamily="2" charset="0"/>
-              </a:rPr>
-              <a:t> to compare the distributions of two discrete columns. The output for each column is the </a:t>
-            </a:r>
-            <a:r>
-              <a:rPr lang="en-US" b="1" i="0" dirty="0" err="1">
-                <a:solidFill>
-                  <a:srgbClr val="212121"/>
-                </a:solidFill>
-                <a:effectLst/>
-                <a:latin typeface="Roboto" panose="02000000000000000000" pitchFamily="2" charset="0"/>
-              </a:rPr>
-              <a:t>CSTest</a:t>
-            </a:r>
-            <a:r>
-              <a:rPr lang="en-US" b="1" i="0" dirty="0">
-                <a:solidFill>
-                  <a:srgbClr val="212121"/>
-                </a:solidFill>
-                <a:effectLst/>
-                <a:latin typeface="Roboto" panose="02000000000000000000" pitchFamily="2" charset="0"/>
-              </a:rPr>
-              <a:t> p-value</a:t>
-            </a:r>
-            <a:r>
-              <a:rPr lang="en-US" b="0" i="0" dirty="0">
-                <a:solidFill>
-                  <a:srgbClr val="212121"/>
-                </a:solidFill>
-                <a:effectLst/>
-                <a:latin typeface="Roboto" panose="02000000000000000000" pitchFamily="2" charset="0"/>
-              </a:rPr>
-              <a:t>, which indicates the probability of the two columns having been sampled from the same distribution.</a:t>
-            </a:r>
-          </a:p>
-          <a:p>
-            <a:pPr marL="285750" indent="-285750">
-              <a:buClr>
-                <a:schemeClr val="tx1"/>
-              </a:buClr>
-              <a:buFont typeface="Arial" panose="020B0604020202020204" pitchFamily="34" charset="0"/>
-              <a:buChar char="•"/>
-            </a:pPr>
-            <a:r>
-              <a:rPr lang="en-US" b="1" i="0" dirty="0">
-                <a:solidFill>
-                  <a:srgbClr val="212121"/>
-                </a:solidFill>
-                <a:effectLst/>
-                <a:latin typeface="Roboto" panose="02000000000000000000" pitchFamily="2" charset="0"/>
-              </a:rPr>
-              <a:t>Chi-Squared Test p-value </a:t>
-            </a:r>
-            <a:r>
-              <a:rPr lang="en-US" b="0" i="0" dirty="0">
-                <a:solidFill>
-                  <a:srgbClr val="212121"/>
-                </a:solidFill>
-                <a:effectLst/>
-                <a:latin typeface="Roboto" panose="02000000000000000000" pitchFamily="2" charset="0"/>
-              </a:rPr>
-              <a:t>must be between 0 and 1. Since we achieved </a:t>
-            </a:r>
-            <a:r>
-              <a:rPr lang="en-US" b="1" i="0" dirty="0">
-                <a:solidFill>
-                  <a:srgbClr val="212121"/>
-                </a:solidFill>
-                <a:effectLst/>
-                <a:latin typeface="Roboto" panose="02000000000000000000" pitchFamily="2" charset="0"/>
-              </a:rPr>
-              <a:t>1.0</a:t>
-            </a:r>
-            <a:r>
-              <a:rPr lang="en-US" b="0" i="0" dirty="0">
-                <a:solidFill>
-                  <a:srgbClr val="212121"/>
-                </a:solidFill>
-                <a:effectLst/>
-                <a:latin typeface="Roboto" panose="02000000000000000000" pitchFamily="2" charset="0"/>
-              </a:rPr>
-              <a:t> in this test, it means that our distributions (original and synthetic) are sampled from the same distribution of data. </a:t>
-            </a:r>
-            <a:endParaRPr lang="en-US" i="0" dirty="0">
-              <a:solidFill>
-                <a:srgbClr val="202124"/>
-              </a:solidFill>
-              <a:effectLst/>
-              <a:latin typeface="arial" panose="020B0604020202020204" pitchFamily="34" charset="0"/>
-            </a:endParaRPr>
-          </a:p>
-        </p:txBody>
-      </p:sp>
-      <p:sp>
-        <p:nvSpPr>
           <p:cNvPr id="3" name="Titolo 2"/>
           <p:cNvSpPr>
             <a:spLocks noGrp="1"/>
@@ -11949,103 +12052,48 @@
         </p:nvSpPr>
         <p:spPr>
           <a:xfrm>
-            <a:off x="468895" y="522711"/>
-            <a:ext cx="11269308" cy="365485"/>
-          </a:xfrm>
-          <a:noFill/>
-          <a:ln>
-            <a:noFill/>
-          </a:ln>
-          <a:extLst>
-            <a:ext uri="{909E8E84-426E-40DD-AFC4-6F175D3DCCD1}">
-              <a14:hiddenFill xmlns:a14="http://schemas.microsoft.com/office/drawing/2010/main">
-                <a:solidFill>
-                  <a:srgbClr val="FFFFFF"/>
-                </a:solidFill>
-              </a14:hiddenFill>
-            </a:ext>
-            <a:ext uri="{91240B29-F687-4F45-9708-019B960494DF}">
-              <a14:hiddenLine xmlns:a14="http://schemas.microsoft.com/office/drawing/2010/main" w="9525">
-                <a:solidFill>
-                  <a:srgbClr val="000000"/>
-                </a:solidFill>
-                <a:miter lim="800000"/>
-                <a:headEnd/>
-                <a:tailEnd/>
-              </a14:hiddenLine>
-            </a:ext>
-          </a:extLst>
+            <a:off x="468895" y="118755"/>
+            <a:ext cx="11269308" cy="769441"/>
+          </a:xfrm>
         </p:spPr>
         <p:txBody>
-          <a:bodyPr vert="horz" wrap="square" lIns="0" tIns="0" rIns="0" bIns="0" numCol="1" rtlCol="0" anchor="b" anchorCtr="0" compatLnSpc="1">
-            <a:prstTxWarp prst="textNoShape">
-              <a:avLst/>
-            </a:prstTxWarp>
-            <a:spAutoFit/>
-          </a:bodyPr>
+          <a:bodyPr/>
           <a:lstStyle/>
           <a:p>
             <a:pPr algn="ctr"/>
             <a:r>
-              <a:rPr lang="it-IT" sz="2400" dirty="0">
-                <a:solidFill>
-                  <a:srgbClr val="212121"/>
-                </a:solidFill>
-                <a:latin typeface="Roboto" panose="02000000000000000000" pitchFamily="2" charset="0"/>
-              </a:rPr>
+              <a:rPr lang="it-IT" dirty="0"/>
               <a:t>Utility </a:t>
             </a:r>
             <a:r>
-              <a:rPr lang="it-IT" sz="2400" dirty="0" err="1">
-                <a:solidFill>
-                  <a:srgbClr val="212121"/>
-                </a:solidFill>
-                <a:latin typeface="Roboto" panose="02000000000000000000" pitchFamily="2" charset="0"/>
-              </a:rPr>
+              <a:rPr lang="it-IT" dirty="0" err="1"/>
               <a:t>Metrics</a:t>
             </a:r>
             <a:r>
-              <a:rPr lang="it-IT" sz="2400" dirty="0">
-                <a:solidFill>
-                  <a:srgbClr val="212121"/>
-                </a:solidFill>
-                <a:latin typeface="Roboto" panose="02000000000000000000" pitchFamily="2" charset="0"/>
-              </a:rPr>
-              <a:t> - Model Evaluation via </a:t>
-            </a:r>
-            <a:r>
-              <a:rPr lang="it-IT" sz="2400" dirty="0" err="1">
-                <a:solidFill>
-                  <a:srgbClr val="212121"/>
-                </a:solidFill>
-                <a:latin typeface="Roboto" panose="02000000000000000000" pitchFamily="2" charset="0"/>
-              </a:rPr>
-              <a:t>SDGym</a:t>
-            </a:r>
-            <a:r>
-              <a:rPr lang="it-IT" sz="2400" dirty="0">
-                <a:solidFill>
-                  <a:srgbClr val="212121"/>
-                </a:solidFill>
-                <a:latin typeface="Roboto" panose="02000000000000000000" pitchFamily="2" charset="0"/>
-              </a:rPr>
-              <a:t> Tools: Statistical </a:t>
-            </a:r>
-            <a:r>
-              <a:rPr lang="it-IT" sz="2400" dirty="0" err="1">
-                <a:solidFill>
-                  <a:srgbClr val="212121"/>
-                </a:solidFill>
-                <a:latin typeface="Roboto" panose="02000000000000000000" pitchFamily="2" charset="0"/>
-              </a:rPr>
-              <a:t>Metrics</a:t>
-            </a:r>
-            <a:endParaRPr lang="it-IT" sz="2400" dirty="0">
-              <a:solidFill>
-                <a:srgbClr val="212121"/>
-              </a:solidFill>
-              <a:latin typeface="Roboto" panose="02000000000000000000" pitchFamily="2" charset="0"/>
-            </a:endParaRPr>
+              <a:rPr lang="it-IT" dirty="0"/>
+              <a:t> - Machine Learning Test: Random </a:t>
+            </a:r>
+            <a:r>
+              <a:rPr lang="it-IT" dirty="0" err="1"/>
+              <a:t>Forest</a:t>
+            </a:r>
+            <a:r>
+              <a:rPr lang="it-IT" dirty="0"/>
+              <a:t> </a:t>
+            </a:r>
+            <a:r>
+              <a:rPr lang="it-IT" dirty="0" err="1"/>
+              <a:t>Classifier</a:t>
+            </a:r>
+            <a:r>
+              <a:rPr lang="it-IT" dirty="0"/>
+              <a:t> </a:t>
+            </a:r>
+            <a:r>
+              <a:rPr lang="it-IT" dirty="0" err="1"/>
+              <a:t>Accuracy</a:t>
+            </a:r>
+            <a:endParaRPr lang="it-IT" dirty="0"/>
           </a:p>
         </p:txBody>
       </p:sp>
@@ -12136,12 +12184,512 @@
           </a:p>
         </p:txBody>
       </p:sp>
+      <p:sp>
+        <p:nvSpPr>
+          <p:cNvPr id="8" name="CasellaDiTesto 7">
+            <a:extLst>
+              <a:ext uri="{FF2B5EF4-FFF2-40B4-BE49-F238E27FC236}">
+                <a16:creationId xmlns:a16="http://schemas.microsoft.com/office/drawing/2014/main" id="{DB44D29D-D48E-280A-61B2-8C6E1E02DAA3}"/>
+              </a:ext>
+            </a:extLst>
+          </p:cNvPr>
+          <p:cNvSpPr txBox="1"/>
+          <p:nvPr/>
+        </p:nvSpPr>
+        <p:spPr>
+          <a:xfrm>
+            <a:off x="693104" y="1224475"/>
+            <a:ext cx="7639237" cy="5355312"/>
+          </a:xfrm>
+          <a:prstGeom prst="rect">
+            <a:avLst/>
+          </a:prstGeom>
+          <a:noFill/>
+        </p:spPr>
+        <p:txBody>
+          <a:bodyPr wrap="square">
+            <a:spAutoFit/>
+          </a:bodyPr>
+          <a:lstStyle/>
+          <a:p>
+            <a:pPr marL="285750" indent="-285750">
+              <a:buFont typeface="Arial" panose="020B0604020202020204" pitchFamily="34" charset="0"/>
+              <a:buChar char="•"/>
+            </a:pPr>
+            <a:r>
+              <a:rPr lang="en-US" i="0" dirty="0">
+                <a:solidFill>
+                  <a:srgbClr val="202124"/>
+                </a:solidFill>
+                <a:effectLst/>
+                <a:latin typeface="arial" panose="020B0604020202020204" pitchFamily="34" charset="0"/>
+              </a:rPr>
+              <a:t>The </a:t>
+            </a:r>
+            <a:r>
+              <a:rPr lang="en-US" b="1" dirty="0">
+                <a:solidFill>
+                  <a:srgbClr val="202124"/>
+                </a:solidFill>
+                <a:latin typeface="arial" panose="020B0604020202020204" pitchFamily="34" charset="0"/>
+              </a:rPr>
+              <a:t>R</a:t>
+            </a:r>
+            <a:r>
+              <a:rPr lang="en-US" b="1" i="0" dirty="0">
+                <a:solidFill>
+                  <a:srgbClr val="202124"/>
+                </a:solidFill>
+                <a:effectLst/>
+                <a:latin typeface="arial" panose="020B0604020202020204" pitchFamily="34" charset="0"/>
+              </a:rPr>
+              <a:t>andom </a:t>
+            </a:r>
+            <a:r>
+              <a:rPr lang="en-US" b="1" dirty="0">
+                <a:solidFill>
+                  <a:srgbClr val="202124"/>
+                </a:solidFill>
+                <a:latin typeface="arial" panose="020B0604020202020204" pitchFamily="34" charset="0"/>
+              </a:rPr>
+              <a:t>F</a:t>
+            </a:r>
+            <a:r>
+              <a:rPr lang="en-US" b="1" i="0" dirty="0">
+                <a:solidFill>
+                  <a:srgbClr val="202124"/>
+                </a:solidFill>
+                <a:effectLst/>
+                <a:latin typeface="arial" panose="020B0604020202020204" pitchFamily="34" charset="0"/>
+              </a:rPr>
+              <a:t>orest (RF) </a:t>
+            </a:r>
+            <a:r>
+              <a:rPr lang="en-US" i="0" dirty="0">
+                <a:solidFill>
+                  <a:srgbClr val="202124"/>
+                </a:solidFill>
+                <a:effectLst/>
+                <a:latin typeface="arial" panose="020B0604020202020204" pitchFamily="34" charset="0"/>
+              </a:rPr>
+              <a:t>is a classification (there is also a Regression version) algorithm consisting of many </a:t>
+            </a:r>
+            <a:r>
+              <a:rPr lang="en-US" b="1" i="0" dirty="0">
+                <a:solidFill>
+                  <a:srgbClr val="202124"/>
+                </a:solidFill>
+                <a:effectLst/>
+                <a:latin typeface="arial" panose="020B0604020202020204" pitchFamily="34" charset="0"/>
+              </a:rPr>
+              <a:t>Decisions</a:t>
+            </a:r>
+            <a:r>
+              <a:rPr lang="en-US" i="0" dirty="0">
+                <a:solidFill>
+                  <a:srgbClr val="202124"/>
+                </a:solidFill>
+                <a:effectLst/>
+                <a:latin typeface="arial" panose="020B0604020202020204" pitchFamily="34" charset="0"/>
+              </a:rPr>
+              <a:t> </a:t>
+            </a:r>
+            <a:r>
+              <a:rPr lang="en-US" b="1" i="0" dirty="0">
+                <a:solidFill>
+                  <a:srgbClr val="202124"/>
+                </a:solidFill>
+                <a:effectLst/>
+                <a:latin typeface="arial" panose="020B0604020202020204" pitchFamily="34" charset="0"/>
+              </a:rPr>
+              <a:t>Trees</a:t>
+            </a:r>
+            <a:r>
+              <a:rPr lang="en-US" i="0" dirty="0">
+                <a:solidFill>
+                  <a:srgbClr val="202124"/>
+                </a:solidFill>
+                <a:effectLst/>
+                <a:latin typeface="arial" panose="020B0604020202020204" pitchFamily="34" charset="0"/>
+              </a:rPr>
+              <a:t>. It uses </a:t>
+            </a:r>
+            <a:r>
+              <a:rPr lang="en-US" b="1" i="0" dirty="0">
+                <a:solidFill>
+                  <a:srgbClr val="202124"/>
+                </a:solidFill>
+                <a:effectLst/>
+                <a:latin typeface="arial" panose="020B0604020202020204" pitchFamily="34" charset="0"/>
+              </a:rPr>
+              <a:t>bagging</a:t>
+            </a:r>
+            <a:r>
+              <a:rPr lang="en-US" i="0" dirty="0">
+                <a:solidFill>
+                  <a:srgbClr val="202124"/>
+                </a:solidFill>
+                <a:effectLst/>
+                <a:latin typeface="arial" panose="020B0604020202020204" pitchFamily="34" charset="0"/>
+              </a:rPr>
+              <a:t> and </a:t>
+            </a:r>
+            <a:r>
+              <a:rPr lang="en-US" b="1" i="0" dirty="0">
+                <a:solidFill>
+                  <a:srgbClr val="202124"/>
+                </a:solidFill>
+                <a:effectLst/>
+                <a:latin typeface="arial" panose="020B0604020202020204" pitchFamily="34" charset="0"/>
+              </a:rPr>
+              <a:t>feature</a:t>
+            </a:r>
+            <a:r>
+              <a:rPr lang="en-US" i="0" dirty="0">
+                <a:solidFill>
+                  <a:srgbClr val="202124"/>
+                </a:solidFill>
+                <a:effectLst/>
+                <a:latin typeface="arial" panose="020B0604020202020204" pitchFamily="34" charset="0"/>
+              </a:rPr>
+              <a:t> </a:t>
+            </a:r>
+            <a:r>
+              <a:rPr lang="en-US" b="1" i="0" dirty="0">
+                <a:solidFill>
+                  <a:srgbClr val="202124"/>
+                </a:solidFill>
+                <a:effectLst/>
+                <a:latin typeface="arial" panose="020B0604020202020204" pitchFamily="34" charset="0"/>
+              </a:rPr>
+              <a:t>randomness</a:t>
+            </a:r>
+            <a:r>
+              <a:rPr lang="en-US" i="0" dirty="0">
+                <a:solidFill>
+                  <a:srgbClr val="202124"/>
+                </a:solidFill>
+                <a:effectLst/>
+                <a:latin typeface="arial" panose="020B0604020202020204" pitchFamily="34" charset="0"/>
+              </a:rPr>
+              <a:t> when building each individual tree to try to create an uncorrelated forest of trees whose prediction by committee is more accurate than that of any individual tree.</a:t>
+            </a:r>
+          </a:p>
+          <a:p>
+            <a:pPr marL="285750" indent="-285750">
+              <a:buFont typeface="Arial" panose="020B0604020202020204" pitchFamily="34" charset="0"/>
+              <a:buChar char="•"/>
+            </a:pPr>
+            <a:endParaRPr lang="en-US" i="0" dirty="0">
+              <a:solidFill>
+                <a:srgbClr val="202124"/>
+              </a:solidFill>
+              <a:effectLst/>
+              <a:latin typeface="arial" panose="020B0604020202020204" pitchFamily="34" charset="0"/>
+            </a:endParaRPr>
+          </a:p>
+          <a:p>
+            <a:pPr marL="285750" indent="-285750">
+              <a:buFont typeface="Arial" panose="020B0604020202020204" pitchFamily="34" charset="0"/>
+              <a:buChar char="•"/>
+            </a:pPr>
+            <a:r>
+              <a:rPr lang="en-US" dirty="0">
+                <a:solidFill>
+                  <a:srgbClr val="202124"/>
+                </a:solidFill>
+                <a:latin typeface="arial" panose="020B0604020202020204" pitchFamily="34" charset="0"/>
+              </a:rPr>
+              <a:t>Estimating the </a:t>
+            </a:r>
+            <a:r>
+              <a:rPr lang="en-US" b="1" dirty="0">
+                <a:solidFill>
+                  <a:srgbClr val="202124"/>
+                </a:solidFill>
+                <a:latin typeface="arial" panose="020B0604020202020204" pitchFamily="34" charset="0"/>
+              </a:rPr>
+              <a:t>Accuracy</a:t>
+            </a:r>
+            <a:r>
+              <a:rPr lang="en-US" dirty="0">
+                <a:solidFill>
+                  <a:srgbClr val="202124"/>
+                </a:solidFill>
+                <a:latin typeface="arial" panose="020B0604020202020204" pitchFamily="34" charset="0"/>
+              </a:rPr>
+              <a:t> of a Classifier such as </a:t>
+            </a:r>
+            <a:r>
+              <a:rPr lang="en-US" b="1" dirty="0">
+                <a:solidFill>
+                  <a:srgbClr val="202124"/>
+                </a:solidFill>
+                <a:latin typeface="arial" panose="020B0604020202020204" pitchFamily="34" charset="0"/>
+              </a:rPr>
+              <a:t>RF</a:t>
+            </a:r>
+            <a:r>
+              <a:rPr lang="en-US" dirty="0">
+                <a:solidFill>
+                  <a:srgbClr val="202124"/>
+                </a:solidFill>
+                <a:latin typeface="arial" panose="020B0604020202020204" pitchFamily="34" charset="0"/>
+              </a:rPr>
+              <a:t> on a column taken as the a </a:t>
+            </a:r>
+            <a:r>
+              <a:rPr lang="en-US" b="1" dirty="0">
+                <a:solidFill>
+                  <a:srgbClr val="202124"/>
+                </a:solidFill>
+                <a:latin typeface="arial" panose="020B0604020202020204" pitchFamily="34" charset="0"/>
+              </a:rPr>
+              <a:t>Target</a:t>
+            </a:r>
+            <a:r>
+              <a:rPr lang="en-US" dirty="0">
+                <a:solidFill>
+                  <a:srgbClr val="202124"/>
+                </a:solidFill>
+                <a:latin typeface="arial" panose="020B0604020202020204" pitchFamily="34" charset="0"/>
+              </a:rPr>
+              <a:t> </a:t>
+            </a:r>
+            <a:r>
+              <a:rPr lang="en-US" b="1" dirty="0">
+                <a:solidFill>
+                  <a:srgbClr val="202124"/>
+                </a:solidFill>
+                <a:latin typeface="arial" panose="020B0604020202020204" pitchFamily="34" charset="0"/>
+              </a:rPr>
+              <a:t>Original</a:t>
+            </a:r>
+            <a:r>
+              <a:rPr lang="en-US" dirty="0">
+                <a:solidFill>
+                  <a:srgbClr val="202124"/>
+                </a:solidFill>
+                <a:latin typeface="arial" panose="020B0604020202020204" pitchFamily="34" charset="0"/>
+              </a:rPr>
+              <a:t> Data and a column as a </a:t>
+            </a:r>
+            <a:r>
+              <a:rPr lang="en-US" b="1" dirty="0">
+                <a:solidFill>
+                  <a:srgbClr val="202124"/>
+                </a:solidFill>
+                <a:latin typeface="arial" panose="020B0604020202020204" pitchFamily="34" charset="0"/>
+              </a:rPr>
+              <a:t>Target</a:t>
+            </a:r>
+            <a:r>
+              <a:rPr lang="en-US" dirty="0">
+                <a:solidFill>
+                  <a:srgbClr val="202124"/>
+                </a:solidFill>
+                <a:latin typeface="arial" panose="020B0604020202020204" pitchFamily="34" charset="0"/>
+              </a:rPr>
+              <a:t> </a:t>
+            </a:r>
+            <a:r>
+              <a:rPr lang="en-US" b="1" dirty="0">
+                <a:solidFill>
+                  <a:srgbClr val="202124"/>
+                </a:solidFill>
+                <a:latin typeface="arial" panose="020B0604020202020204" pitchFamily="34" charset="0"/>
+              </a:rPr>
+              <a:t>Synthetic</a:t>
+            </a:r>
+            <a:r>
+              <a:rPr lang="en-US" dirty="0">
+                <a:solidFill>
+                  <a:srgbClr val="202124"/>
+                </a:solidFill>
+                <a:latin typeface="arial" panose="020B0604020202020204" pitchFamily="34" charset="0"/>
+              </a:rPr>
+              <a:t> Data Column we can argue that Original Data and Synthetic Data have the same </a:t>
+            </a:r>
+            <a:r>
+              <a:rPr lang="en-US" b="1" dirty="0">
+                <a:solidFill>
+                  <a:srgbClr val="202124"/>
+                </a:solidFill>
+                <a:latin typeface="arial" panose="020B0604020202020204" pitchFamily="34" charset="0"/>
+              </a:rPr>
+              <a:t>properties</a:t>
+            </a:r>
+            <a:r>
+              <a:rPr lang="en-US" dirty="0">
+                <a:solidFill>
+                  <a:srgbClr val="202124"/>
+                </a:solidFill>
+                <a:latin typeface="arial" panose="020B0604020202020204" pitchFamily="34" charset="0"/>
+              </a:rPr>
+              <a:t> and </a:t>
+            </a:r>
+            <a:r>
+              <a:rPr lang="en-US" b="1" dirty="0">
+                <a:solidFill>
+                  <a:srgbClr val="202124"/>
+                </a:solidFill>
+                <a:latin typeface="arial" panose="020B0604020202020204" pitchFamily="34" charset="0"/>
+              </a:rPr>
+              <a:t>characteristics</a:t>
+            </a:r>
+            <a:r>
+              <a:rPr lang="en-US" dirty="0">
+                <a:solidFill>
+                  <a:srgbClr val="202124"/>
+                </a:solidFill>
+                <a:latin typeface="arial" panose="020B0604020202020204" pitchFamily="34" charset="0"/>
+              </a:rPr>
+              <a:t>, so they are similar, but not the same. </a:t>
+            </a:r>
+          </a:p>
+          <a:p>
+            <a:pPr marL="285750" indent="-285750">
+              <a:buFont typeface="Arial" panose="020B0604020202020204" pitchFamily="34" charset="0"/>
+              <a:buChar char="•"/>
+            </a:pPr>
+            <a:endParaRPr lang="en-US" dirty="0">
+              <a:solidFill>
+                <a:srgbClr val="212121"/>
+              </a:solidFill>
+              <a:latin typeface="Roboto" panose="02000000000000000000" pitchFamily="2" charset="0"/>
+            </a:endParaRPr>
+          </a:p>
+          <a:p>
+            <a:pPr marL="285750" indent="-285750">
+              <a:buFont typeface="Arial" panose="020B0604020202020204" pitchFamily="34" charset="0"/>
+              <a:buChar char="•"/>
+            </a:pPr>
+            <a:r>
+              <a:rPr lang="en-US" dirty="0">
+                <a:solidFill>
+                  <a:srgbClr val="202124"/>
+                </a:solidFill>
+                <a:latin typeface="arial" panose="020B0604020202020204" pitchFamily="34" charset="0"/>
+              </a:rPr>
+              <a:t>In our test, we chose </a:t>
+            </a:r>
+            <a:r>
+              <a:rPr lang="en-US" b="1" dirty="0">
+                <a:solidFill>
+                  <a:srgbClr val="202124"/>
+                </a:solidFill>
+                <a:latin typeface="arial" panose="020B0604020202020204" pitchFamily="34" charset="0"/>
+              </a:rPr>
+              <a:t>“SIM_CODE” </a:t>
+            </a:r>
+            <a:r>
+              <a:rPr lang="en-US" dirty="0">
+                <a:solidFill>
+                  <a:srgbClr val="202124"/>
+                </a:solidFill>
+                <a:latin typeface="arial" panose="020B0604020202020204" pitchFamily="34" charset="0"/>
+              </a:rPr>
+              <a:t>as Target Column and the other columns as features (input). </a:t>
+            </a:r>
+            <a:r>
+              <a:rPr lang="en-US" b="1" dirty="0">
+                <a:solidFill>
+                  <a:srgbClr val="202124"/>
+                </a:solidFill>
+                <a:latin typeface="arial" panose="020B0604020202020204" pitchFamily="34" charset="0"/>
+              </a:rPr>
+              <a:t>Random Forest</a:t>
+            </a:r>
+            <a:r>
+              <a:rPr lang="en-US" dirty="0">
+                <a:solidFill>
+                  <a:srgbClr val="202124"/>
+                </a:solidFill>
+                <a:latin typeface="arial" panose="020B0604020202020204" pitchFamily="34" charset="0"/>
+              </a:rPr>
+              <a:t> </a:t>
+            </a:r>
+            <a:r>
+              <a:rPr lang="en-US" b="1" dirty="0">
+                <a:solidFill>
+                  <a:srgbClr val="202124"/>
+                </a:solidFill>
+                <a:latin typeface="arial" panose="020B0604020202020204" pitchFamily="34" charset="0"/>
+              </a:rPr>
+              <a:t>Accuracy</a:t>
+            </a:r>
+            <a:r>
+              <a:rPr lang="en-US" dirty="0">
+                <a:solidFill>
+                  <a:srgbClr val="202124"/>
+                </a:solidFill>
+                <a:latin typeface="arial" panose="020B0604020202020204" pitchFamily="34" charset="0"/>
+              </a:rPr>
+              <a:t> on the Original Data was </a:t>
+            </a:r>
+            <a:r>
+              <a:rPr lang="en-US" b="1" dirty="0">
+                <a:solidFill>
+                  <a:srgbClr val="202124"/>
+                </a:solidFill>
+                <a:latin typeface="arial" panose="020B0604020202020204" pitchFamily="34" charset="0"/>
+              </a:rPr>
+              <a:t>0.576</a:t>
+            </a:r>
+            <a:r>
+              <a:rPr lang="en-US" dirty="0">
+                <a:solidFill>
+                  <a:srgbClr val="202124"/>
+                </a:solidFill>
+                <a:latin typeface="arial" panose="020B0604020202020204" pitchFamily="34" charset="0"/>
+              </a:rPr>
+              <a:t> while </a:t>
+            </a:r>
+            <a:r>
+              <a:rPr lang="en-US" b="1" dirty="0">
+                <a:solidFill>
+                  <a:srgbClr val="202124"/>
+                </a:solidFill>
+                <a:latin typeface="arial" panose="020B0604020202020204" pitchFamily="34" charset="0"/>
+              </a:rPr>
+              <a:t>RF Accuracy</a:t>
+            </a:r>
+            <a:r>
+              <a:rPr lang="en-US" dirty="0">
+                <a:solidFill>
+                  <a:srgbClr val="202124"/>
+                </a:solidFill>
+                <a:latin typeface="arial" panose="020B0604020202020204" pitchFamily="34" charset="0"/>
+              </a:rPr>
+              <a:t> on the Synthetic Data was </a:t>
+            </a:r>
+            <a:r>
+              <a:rPr lang="en-US" b="1" dirty="0">
+                <a:solidFill>
+                  <a:srgbClr val="202124"/>
+                </a:solidFill>
+                <a:latin typeface="arial" panose="020B0604020202020204" pitchFamily="34" charset="0"/>
+              </a:rPr>
+              <a:t>0.0526</a:t>
+            </a:r>
+            <a:r>
+              <a:rPr lang="en-US" dirty="0">
+                <a:solidFill>
+                  <a:srgbClr val="202124"/>
+                </a:solidFill>
+                <a:latin typeface="arial" panose="020B0604020202020204" pitchFamily="34" charset="0"/>
+              </a:rPr>
+              <a:t> so we can state that Original Data and Synthetic Data have the same characteristics and properties, that is they are comparable.</a:t>
+            </a:r>
+          </a:p>
+        </p:txBody>
+      </p:sp>
       <p:pic>
         <p:nvPicPr>
-          <p:cNvPr id="7" name="Immagine 6">
+          <p:cNvPr id="11" name="Immagine 10">
             <a:extLst>
               <a:ext uri="{FF2B5EF4-FFF2-40B4-BE49-F238E27FC236}">
-                <a16:creationId xmlns:a16="http://schemas.microsoft.com/office/drawing/2014/main" id="{295FED2D-11F6-A7A7-B228-3B55563F9BB1}"/>
+                <a16:creationId xmlns:a16="http://schemas.microsoft.com/office/drawing/2014/main" id="{8F6EC01E-E7CE-E63B-4895-CB6E043FC3E2}"/>
               </a:ext>
             </a:extLst>
           </p:cNvPr>
@@ -12158,8 +12706,8 @@
         </p:blipFill>
         <p:spPr>
           <a:xfrm>
-            <a:off x="6849270" y="1785347"/>
-            <a:ext cx="4868529" cy="3712254"/>
+            <a:off x="8219326" y="1557337"/>
+            <a:ext cx="3518877" cy="4175643"/>
           </a:xfrm>
           <a:prstGeom prst="rect">
             <a:avLst/>
@@ -12169,7 +12717,7 @@
     </p:spTree>
     <p:extLst>
       <p:ext uri="{BB962C8B-B14F-4D97-AF65-F5344CB8AC3E}">
-        <p14:creationId xmlns:p14="http://schemas.microsoft.com/office/powerpoint/2010/main" val="3070098868"/>
+        <p14:creationId xmlns:p14="http://schemas.microsoft.com/office/powerpoint/2010/main" val="4169306810"/>
       </p:ext>
     </p:extLst>
   </p:cSld>
@@ -12208,201 +12756,13 @@
         </p:nvSpPr>
         <p:spPr>
           <a:xfrm>
-            <a:off x="474200" y="1277420"/>
-            <a:ext cx="9193782" cy="2575389"/>
+            <a:off x="474201" y="1277420"/>
+            <a:ext cx="5967696" cy="5117333"/>
           </a:xfrm>
         </p:spPr>
         <p:txBody>
           <a:bodyPr/>
           <a:lstStyle/>
-          <a:p>
-            <a:pPr algn="l">
-              <a:buClr>
-                <a:schemeClr val="tx1"/>
-              </a:buClr>
-              <a:buFont typeface="Arial" panose="020B0604020202020204" pitchFamily="34" charset="0"/>
-              <a:buChar char="•"/>
-            </a:pPr>
-            <a:r>
-              <a:rPr lang="en-US" b="1" i="0" dirty="0" err="1">
-                <a:solidFill>
-                  <a:srgbClr val="212121"/>
-                </a:solidFill>
-                <a:effectLst/>
-              </a:rPr>
-              <a:t>sdv.metrics.tabular.KSTest</a:t>
-            </a:r>
-            <a:r>
-              <a:rPr lang="en-US" b="1" i="0" dirty="0">
-                <a:solidFill>
-                  <a:srgbClr val="212121"/>
-                </a:solidFill>
-                <a:effectLst/>
-              </a:rPr>
-              <a:t>:</a:t>
-            </a:r>
-            <a:r>
-              <a:rPr lang="en-US" b="0" i="0" dirty="0">
-                <a:solidFill>
-                  <a:srgbClr val="212121"/>
-                </a:solidFill>
-                <a:effectLst/>
-              </a:rPr>
-              <a:t> This metric uses the two-sample </a:t>
-            </a:r>
-            <a:r>
-              <a:rPr lang="en-US" b="1" i="0" dirty="0">
-                <a:solidFill>
-                  <a:srgbClr val="212121"/>
-                </a:solidFill>
-                <a:effectLst/>
-              </a:rPr>
-              <a:t>Kolmogorov–Smirnov Test</a:t>
-            </a:r>
-            <a:r>
-              <a:rPr lang="en-US" b="0" i="0" dirty="0">
-                <a:solidFill>
-                  <a:srgbClr val="212121"/>
-                </a:solidFill>
-                <a:effectLst/>
-              </a:rPr>
-              <a:t> to compare the distributions of continuous columns using the empirical </a:t>
-            </a:r>
-            <a:r>
-              <a:rPr lang="en-US" b="1" i="0" dirty="0">
-                <a:solidFill>
-                  <a:srgbClr val="212121"/>
-                </a:solidFill>
-                <a:effectLst/>
-              </a:rPr>
-              <a:t>CDF (Cumulative </a:t>
-            </a:r>
-            <a:r>
-              <a:rPr lang="en-US" b="1" i="0" dirty="0" err="1">
-                <a:solidFill>
-                  <a:srgbClr val="212121"/>
-                </a:solidFill>
-                <a:effectLst/>
-              </a:rPr>
-              <a:t>Distibution</a:t>
-            </a:r>
-            <a:r>
-              <a:rPr lang="en-US" b="1" i="0" dirty="0">
-                <a:solidFill>
-                  <a:srgbClr val="212121"/>
-                </a:solidFill>
-                <a:effectLst/>
-              </a:rPr>
-              <a:t> Function: P(</a:t>
-            </a:r>
-            <a:r>
-              <a:rPr lang="en-US" b="1" i="0" dirty="0" err="1">
-                <a:solidFill>
-                  <a:srgbClr val="212121"/>
-                </a:solidFill>
-                <a:effectLst/>
-              </a:rPr>
-              <a:t>X≤x</a:t>
-            </a:r>
-            <a:r>
-              <a:rPr lang="en-US" b="1" i="0" dirty="0">
-                <a:solidFill>
-                  <a:srgbClr val="212121"/>
-                </a:solidFill>
-                <a:effectLst/>
-              </a:rPr>
-              <a:t>)</a:t>
-            </a:r>
-            <a:r>
-              <a:rPr lang="en-US" dirty="0">
-                <a:solidFill>
-                  <a:srgbClr val="212121"/>
-                </a:solidFill>
-              </a:rPr>
-              <a:t>). </a:t>
-            </a:r>
-            <a:r>
-              <a:rPr lang="en-US" b="0" i="0" dirty="0">
-                <a:solidFill>
-                  <a:srgbClr val="212121"/>
-                </a:solidFill>
-                <a:effectLst/>
-              </a:rPr>
-              <a:t>The output of </a:t>
-            </a:r>
-            <a:r>
-              <a:rPr lang="en-US" b="1" i="0" dirty="0" err="1">
-                <a:solidFill>
-                  <a:srgbClr val="212121"/>
-                </a:solidFill>
-                <a:effectLst/>
-              </a:rPr>
-              <a:t>KSTest</a:t>
-            </a:r>
-            <a:r>
-              <a:rPr lang="en-US" b="0" i="0" dirty="0">
-                <a:solidFill>
-                  <a:srgbClr val="212121"/>
-                </a:solidFill>
-                <a:effectLst/>
-              </a:rPr>
-              <a:t> for each column is 1 minus the </a:t>
-            </a:r>
-            <a:r>
-              <a:rPr lang="en-US" b="1" i="0" dirty="0">
-                <a:solidFill>
-                  <a:srgbClr val="212121"/>
-                </a:solidFill>
-                <a:effectLst/>
-              </a:rPr>
-              <a:t>KS Test D </a:t>
-            </a:r>
-            <a:r>
-              <a:rPr lang="en-US" b="0" i="0" dirty="0">
-                <a:solidFill>
-                  <a:srgbClr val="212121"/>
-                </a:solidFill>
-                <a:effectLst/>
-              </a:rPr>
-              <a:t>statistic, which indicates the maximum distance between the expected CDF and the observed CDF values. </a:t>
-            </a:r>
-          </a:p>
-          <a:p>
-            <a:pPr algn="l">
-              <a:buClr>
-                <a:schemeClr val="tx1"/>
-              </a:buClr>
-              <a:buFont typeface="Arial" panose="020B0604020202020204" pitchFamily="34" charset="0"/>
-              <a:buChar char="•"/>
-            </a:pPr>
-            <a:r>
-              <a:rPr lang="en-US" b="0" i="0" dirty="0">
-                <a:solidFill>
-                  <a:srgbClr val="212121"/>
-                </a:solidFill>
-                <a:effectLst/>
-              </a:rPr>
-              <a:t>The letter </a:t>
-            </a:r>
-            <a:r>
-              <a:rPr lang="en-US" b="1" i="0" dirty="0">
-                <a:solidFill>
-                  <a:srgbClr val="212121"/>
-                </a:solidFill>
-                <a:effectLst/>
-              </a:rPr>
-              <a:t>"D"</a:t>
-            </a:r>
-            <a:r>
-              <a:rPr lang="en-US" b="0" i="0" dirty="0">
-                <a:solidFill>
-                  <a:srgbClr val="212121"/>
-                </a:solidFill>
-                <a:effectLst/>
-              </a:rPr>
-              <a:t> stands for "distance." Geometrically, D measures the maximum vertical distance between the empirical cumulative distribution function (ECDF) of the sample and the cumulative distribution function (CDF) of the reference distribution.</a:t>
-            </a:r>
-          </a:p>
           <a:p>
             <a:pPr>
               <a:buClr>
@@ -12411,12 +12771,207 @@
               <a:buFont typeface="Arial" panose="020B0604020202020204" pitchFamily="34" charset="0"/>
               <a:buChar char="•"/>
             </a:pPr>
-            <a:endParaRPr lang="en-US" dirty="0">
+            <a:r>
+              <a:rPr lang="en-US" dirty="0">
+                <a:solidFill>
+                  <a:srgbClr val="202124"/>
+                </a:solidFill>
+                <a:latin typeface="arial" panose="020B0604020202020204" pitchFamily="34" charset="0"/>
+                <a:cs typeface="+mn-cs"/>
+              </a:rPr>
+              <a:t>The </a:t>
+            </a:r>
+            <a:r>
+              <a:rPr lang="en-US" b="1" dirty="0">
+                <a:solidFill>
+                  <a:srgbClr val="202124"/>
+                </a:solidFill>
+                <a:latin typeface="arial" panose="020B0604020202020204" pitchFamily="34" charset="0"/>
+                <a:cs typeface="+mn-cs"/>
+              </a:rPr>
+              <a:t>metrics</a:t>
+            </a:r>
+            <a:r>
+              <a:rPr lang="en-US" dirty="0">
+                <a:solidFill>
+                  <a:srgbClr val="202124"/>
+                </a:solidFill>
+                <a:latin typeface="arial" panose="020B0604020202020204" pitchFamily="34" charset="0"/>
+                <a:cs typeface="+mn-cs"/>
+              </a:rPr>
+              <a:t> of the </a:t>
+            </a:r>
+            <a:r>
+              <a:rPr lang="en-US" b="1" dirty="0">
+                <a:solidFill>
+                  <a:srgbClr val="202124"/>
+                </a:solidFill>
+                <a:latin typeface="arial" panose="020B0604020202020204" pitchFamily="34" charset="0"/>
+                <a:cs typeface="+mn-cs"/>
+              </a:rPr>
+              <a:t>Synthetic Data Gym</a:t>
+            </a:r>
+            <a:r>
+              <a:rPr lang="en-US" dirty="0">
+                <a:solidFill>
+                  <a:srgbClr val="202124"/>
+                </a:solidFill>
+                <a:latin typeface="arial" panose="020B0604020202020204" pitchFamily="34" charset="0"/>
+                <a:cs typeface="+mn-cs"/>
+              </a:rPr>
+              <a:t> of the </a:t>
+            </a:r>
+            <a:r>
+              <a:rPr lang="en-US" b="1" dirty="0">
+                <a:solidFill>
+                  <a:srgbClr val="202124"/>
+                </a:solidFill>
+                <a:latin typeface="arial" panose="020B0604020202020204" pitchFamily="34" charset="0"/>
+                <a:cs typeface="+mn-cs"/>
+              </a:rPr>
+              <a:t>Statistical Metrics Family </a:t>
+            </a:r>
+            <a:r>
+              <a:rPr lang="en-US" dirty="0">
+                <a:solidFill>
+                  <a:srgbClr val="202124"/>
+                </a:solidFill>
+                <a:latin typeface="arial" panose="020B0604020202020204" pitchFamily="34" charset="0"/>
+                <a:cs typeface="+mn-cs"/>
+              </a:rPr>
+              <a:t>compare the tables by running different types of statistical tests on them. In the simplest scenario, these metrics compare individual columns from the real table with the corresponding column from the synthetic table.</a:t>
+            </a:r>
+          </a:p>
+          <a:p>
+            <a:pPr marL="285750" indent="-285750">
+              <a:buClr>
+                <a:schemeClr val="tx1"/>
+              </a:buClr>
+              <a:buFont typeface="Arial" panose="020B0604020202020204" pitchFamily="34" charset="0"/>
+              <a:buChar char="•"/>
+            </a:pPr>
+            <a:r>
+              <a:rPr lang="en-US" b="1" i="0" dirty="0" err="1">
+                <a:solidFill>
+                  <a:srgbClr val="212121"/>
+                </a:solidFill>
+                <a:effectLst/>
+              </a:rPr>
+              <a:t>sdv.metrics.tabular.CSTest</a:t>
+            </a:r>
+            <a:r>
+              <a:rPr lang="en-US" b="1" i="0" dirty="0">
+                <a:solidFill>
+                  <a:srgbClr val="212121"/>
+                </a:solidFill>
+                <a:effectLst/>
+              </a:rPr>
+              <a:t>:</a:t>
+            </a:r>
+            <a:r>
+              <a:rPr lang="en-US" b="0" i="0" dirty="0">
+                <a:solidFill>
+                  <a:srgbClr val="212121"/>
+                </a:solidFill>
+                <a:effectLst/>
+              </a:rPr>
+              <a:t> This metric make use of the </a:t>
+            </a:r>
+            <a:r>
+              <a:rPr lang="en-US" b="1" i="0" dirty="0">
+                <a:solidFill>
+                  <a:srgbClr val="212121"/>
+                </a:solidFill>
+                <a:effectLst/>
+              </a:rPr>
+              <a:t>Chi-Squared Test</a:t>
+            </a:r>
+            <a:r>
+              <a:rPr lang="en-US" b="0" i="0" dirty="0">
+                <a:solidFill>
+                  <a:srgbClr val="212121"/>
+                </a:solidFill>
+                <a:effectLst/>
+              </a:rPr>
+              <a:t> to compare the distributions of two discrete columns. The output for each column is the </a:t>
+            </a:r>
+            <a:r>
+              <a:rPr lang="en-US" b="1" i="0" dirty="0" err="1">
+                <a:solidFill>
+                  <a:srgbClr val="212121"/>
+                </a:solidFill>
+                <a:effectLst/>
+              </a:rPr>
+              <a:t>CSTest</a:t>
+            </a:r>
+            <a:r>
+              <a:rPr lang="en-US" b="1" i="0" dirty="0">
+                <a:solidFill>
+                  <a:srgbClr val="212121"/>
+                </a:solidFill>
+                <a:effectLst/>
+              </a:rPr>
+              <a:t> p-value</a:t>
+            </a:r>
+            <a:r>
+              <a:rPr lang="en-US" b="0" i="0" dirty="0">
+                <a:solidFill>
+                  <a:srgbClr val="212121"/>
+                </a:solidFill>
+                <a:effectLst/>
+              </a:rPr>
+              <a:t>, which indicates the probability of the two columns having been sampled from the same distribution.</a:t>
+            </a:r>
+          </a:p>
+          <a:p>
+            <a:pPr marL="285750" indent="-285750">
+              <a:buClr>
+                <a:schemeClr val="tx1"/>
+              </a:buClr>
+              <a:buFont typeface="Arial" panose="020B0604020202020204" pitchFamily="34" charset="0"/>
+              <a:buChar char="•"/>
+            </a:pPr>
+            <a:r>
+              <a:rPr lang="en-US" b="1" i="0" dirty="0">
+                <a:solidFill>
+                  <a:srgbClr val="212121"/>
+                </a:solidFill>
+                <a:effectLst/>
+              </a:rPr>
+              <a:t>Chi-Squared Test p-value </a:t>
+            </a:r>
+            <a:r>
+              <a:rPr lang="en-US" b="0" i="0" dirty="0">
+                <a:solidFill>
+                  <a:srgbClr val="212121"/>
+                </a:solidFill>
+                <a:effectLst/>
+              </a:rPr>
+              <a:t>must be between 0 and 1. Since we achieved </a:t>
+            </a:r>
+            <a:r>
+              <a:rPr lang="en-US" b="1" i="0" dirty="0">
+                <a:solidFill>
+                  <a:srgbClr val="212121"/>
+                </a:solidFill>
+                <a:effectLst/>
+              </a:rPr>
+              <a:t>1.0</a:t>
+            </a:r>
+            <a:r>
+              <a:rPr lang="en-US" b="0" i="0" dirty="0">
+                <a:solidFill>
+                  <a:srgbClr val="212121"/>
+                </a:solidFill>
+                <a:effectLst/>
+              </a:rPr>
+              <a:t> in this test, it means that our distributions (original and synthetic) are sampled from the same distribution of data. </a:t>
+            </a:r>
+            <a:endParaRPr lang="en-US" i="0" dirty="0">
               <a:solidFill>
                 <a:srgbClr val="202124"/>
               </a:solidFill>
-              <a:latin typeface="arial" panose="020B0604020202020204" pitchFamily="34" charset="0"/>
-              <a:cs typeface="+mn-cs"/>
+              <a:effectLst/>
             </a:endParaRPr>
           </a:p>
         </p:txBody>
@@ -12433,8 +12988,8 @@
         </p:nvSpPr>
         <p:spPr>
           <a:xfrm>
-            <a:off x="468895" y="522711"/>
-            <a:ext cx="11269308" cy="365485"/>
+            <a:off x="474201" y="118754"/>
+            <a:ext cx="11269308" cy="769441"/>
           </a:xfrm>
           <a:noFill/>
           <a:ln>
@@ -12471,65 +13026,30 @@
           <a:p>
             <a:pPr algn="ctr"/>
             <a:r>
-              <a:rPr lang="it-IT" sz="2400" dirty="0">
-                <a:solidFill>
-                  <a:srgbClr val="212121"/>
-                </a:solidFill>
-                <a:latin typeface="Roboto" panose="02000000000000000000" pitchFamily="2" charset="0"/>
-              </a:rPr>
+              <a:rPr lang="it-IT" dirty="0"/>
               <a:t>Utility </a:t>
             </a:r>
             <a:r>
-              <a:rPr lang="it-IT" sz="2400" dirty="0" err="1">
-                <a:solidFill>
-                  <a:srgbClr val="212121"/>
-                </a:solidFill>
-                <a:latin typeface="Roboto" panose="02000000000000000000" pitchFamily="2" charset="0"/>
-              </a:rPr>
+              <a:rPr lang="it-IT" dirty="0" err="1"/>
               <a:t>Metrics</a:t>
             </a:r>
             <a:r>
-              <a:rPr lang="it-IT" sz="2400" dirty="0">
-                <a:solidFill>
-                  <a:srgbClr val="212121"/>
-                </a:solidFill>
-                <a:latin typeface="Roboto" panose="02000000000000000000" pitchFamily="2" charset="0"/>
-              </a:rPr>
+              <a:rPr lang="it-IT" dirty="0"/>
               <a:t> - Model Evaluation via </a:t>
             </a:r>
             <a:r>
-              <a:rPr lang="it-IT" sz="2400" dirty="0" err="1">
-                <a:solidFill>
-                  <a:srgbClr val="212121"/>
-                </a:solidFill>
-                <a:latin typeface="Roboto" panose="02000000000000000000" pitchFamily="2" charset="0"/>
-              </a:rPr>
+              <a:rPr lang="it-IT" dirty="0" err="1"/>
               <a:t>SDGym</a:t>
             </a:r>
             <a:r>
-              <a:rPr lang="it-IT" sz="2400" dirty="0">
-                <a:solidFill>
-                  <a:srgbClr val="212121"/>
-                </a:solidFill>
-                <a:latin typeface="Roboto" panose="02000000000000000000" pitchFamily="2" charset="0"/>
-              </a:rPr>
+              <a:rPr lang="it-IT" dirty="0"/>
               <a:t> Tools: Statistical </a:t>
             </a:r>
             <a:r>
-              <a:rPr lang="it-IT" sz="2400" dirty="0" err="1">
-                <a:solidFill>
-                  <a:srgbClr val="212121"/>
-                </a:solidFill>
-                <a:latin typeface="Roboto" panose="02000000000000000000" pitchFamily="2" charset="0"/>
-              </a:rPr>
+              <a:rPr lang="it-IT" dirty="0" err="1"/>
               <a:t>Metrics</a:t>
             </a:r>
-            <a:endParaRPr lang="it-IT" sz="2400" dirty="0">
-              <a:solidFill>
-                <a:srgbClr val="212121"/>
-              </a:solidFill>
-              <a:latin typeface="Roboto" panose="02000000000000000000" pitchFamily="2" charset="0"/>
-            </a:endParaRPr>
+            <a:endParaRPr lang="it-IT" dirty="0"/>
           </a:p>
         </p:txBody>
       </p:sp>
@@ -12625,7 +13145,7 @@
           <p:cNvPr id="7" name="Immagine 6">
             <a:extLst>
               <a:ext uri="{FF2B5EF4-FFF2-40B4-BE49-F238E27FC236}">
-                <a16:creationId xmlns:a16="http://schemas.microsoft.com/office/drawing/2014/main" id="{DBAC0694-DF06-68DF-F2C5-06382FFD21B8}"/>
+                <a16:creationId xmlns:a16="http://schemas.microsoft.com/office/drawing/2014/main" id="{295FED2D-11F6-A7A7-B228-3B55563F9BB1}"/>
               </a:ext>
             </a:extLst>
           </p:cNvPr>
@@ -12642,159 +13162,18 @@
         </p:blipFill>
         <p:spPr>
           <a:xfrm>
-            <a:off x="9667982" y="1410952"/>
-            <a:ext cx="1847582" cy="2308324"/>
+            <a:off x="6849270" y="1785347"/>
+            <a:ext cx="4868529" cy="3712254"/>
           </a:xfrm>
           <a:prstGeom prst="rect">
             <a:avLst/>
           </a:prstGeom>
         </p:spPr>
       </p:pic>
-      <p:sp>
-        <p:nvSpPr>
-          <p:cNvPr id="9" name="CasellaDiTesto 8">
-            <a:extLst>
-              <a:ext uri="{FF2B5EF4-FFF2-40B4-BE49-F238E27FC236}">
-                <a16:creationId xmlns:a16="http://schemas.microsoft.com/office/drawing/2014/main" id="{15B2DD09-E9DF-8619-8A7E-B276F6D60E50}"/>
-              </a:ext>
-            </a:extLst>
-          </p:cNvPr>
-          <p:cNvSpPr txBox="1"/>
-          <p:nvPr/>
-        </p:nvSpPr>
-        <p:spPr>
-          <a:xfrm>
-            <a:off x="430457" y="3959975"/>
-            <a:ext cx="11415645" cy="2308324"/>
-          </a:xfrm>
-          <a:prstGeom prst="rect">
-            <a:avLst/>
-          </a:prstGeom>
-          <a:noFill/>
-        </p:spPr>
-        <p:txBody>
-          <a:bodyPr wrap="square">
-            <a:spAutoFit/>
-          </a:bodyPr>
-          <a:lstStyle/>
-          <a:p>
-            <a:pPr marL="285750" indent="-285750" algn="l">
-              <a:buClr>
-                <a:schemeClr val="tx1"/>
-              </a:buClr>
-              <a:buFont typeface="Arial" panose="020B0604020202020204" pitchFamily="34" charset="0"/>
-              <a:buChar char="•"/>
-            </a:pPr>
-            <a:r>
-              <a:rPr lang="en-US" b="0" i="0" dirty="0">
-                <a:solidFill>
-                  <a:srgbClr val="212121"/>
-                </a:solidFill>
-                <a:effectLst/>
-                <a:latin typeface="Arial" panose="020B0604020202020204" pitchFamily="34" charset="0"/>
-                <a:cs typeface="Arial" panose="020B0604020202020204" pitchFamily="34" charset="0"/>
-              </a:rPr>
-              <a:t>If the two samples were randomly sampled from identical populations, what is the probability that the two cumulative frequency distributions would be as far apart as observed? More precisely, what is the chance that the value of the </a:t>
-            </a:r>
-            <a:r>
-              <a:rPr lang="en-US" b="1" i="0" dirty="0" err="1">
-                <a:solidFill>
-                  <a:srgbClr val="212121"/>
-                </a:solidFill>
-                <a:effectLst/>
-                <a:latin typeface="Arial" panose="020B0604020202020204" pitchFamily="34" charset="0"/>
-                <a:cs typeface="Arial" panose="020B0604020202020204" pitchFamily="34" charset="0"/>
-              </a:rPr>
-              <a:t>Komogorov</a:t>
-            </a:r>
-            <a:r>
-              <a:rPr lang="en-US" b="1" i="0" dirty="0">
-                <a:solidFill>
-                  <a:srgbClr val="212121"/>
-                </a:solidFill>
-                <a:effectLst/>
-                <a:latin typeface="Arial" panose="020B0604020202020204" pitchFamily="34" charset="0"/>
-                <a:cs typeface="Arial" panose="020B0604020202020204" pitchFamily="34" charset="0"/>
-              </a:rPr>
-              <a:t>-Smirnov D statistic</a:t>
-            </a:r>
-            <a:r>
-              <a:rPr lang="en-US" b="0" i="0" dirty="0">
-                <a:solidFill>
-                  <a:srgbClr val="212121"/>
-                </a:solidFill>
-                <a:effectLst/>
-                <a:latin typeface="Arial" panose="020B0604020202020204" pitchFamily="34" charset="0"/>
-                <a:cs typeface="Arial" panose="020B0604020202020204" pitchFamily="34" charset="0"/>
-              </a:rPr>
-              <a:t> would be as large or larger than observed? If the P value is small, conclude that the two groups were sampled from populations with different distributions. The populations may differ in median, variability or the shape of the distribution.</a:t>
-            </a:r>
-          </a:p>
-          <a:p>
-            <a:pPr algn="l">
-              <a:buClr>
-                <a:schemeClr val="tx1"/>
-              </a:buClr>
-              <a:buFont typeface="Arial" panose="020B0604020202020204" pitchFamily="34" charset="0"/>
-              <a:buChar char="•"/>
-            </a:pPr>
-            <a:endParaRPr lang="en-US" b="0" i="0" dirty="0">
-              <a:solidFill>
-                <a:srgbClr val="212121"/>
-              </a:solidFill>
-              <a:effectLst/>
-              <a:latin typeface="Arial" panose="020B0604020202020204" pitchFamily="34" charset="0"/>
-              <a:cs typeface="Arial" panose="020B0604020202020204" pitchFamily="34" charset="0"/>
-            </a:endParaRPr>
-          </a:p>
-          <a:p>
-            <a:pPr marL="285750" indent="-285750" algn="l">
-              <a:buClr>
-                <a:schemeClr val="tx1"/>
-              </a:buClr>
-              <a:buFont typeface="Arial" panose="020B0604020202020204" pitchFamily="34" charset="0"/>
-              <a:buChar char="•"/>
-            </a:pPr>
-            <a:r>
-              <a:rPr lang="en-US" b="0" i="0" dirty="0">
-                <a:solidFill>
-                  <a:srgbClr val="212121"/>
-                </a:solidFill>
-                <a:effectLst/>
-                <a:latin typeface="Arial" panose="020B0604020202020204" pitchFamily="34" charset="0"/>
-                <a:cs typeface="Arial" panose="020B0604020202020204" pitchFamily="34" charset="0"/>
-              </a:rPr>
-              <a:t>So our result </a:t>
-            </a:r>
-            <a:r>
-              <a:rPr lang="en-US" b="1" i="0" dirty="0">
-                <a:solidFill>
-                  <a:srgbClr val="212121"/>
-                </a:solidFill>
-                <a:effectLst/>
-                <a:latin typeface="Arial" panose="020B0604020202020204" pitchFamily="34" charset="0"/>
-                <a:cs typeface="Arial" panose="020B0604020202020204" pitchFamily="34" charset="0"/>
-              </a:rPr>
-              <a:t>0.95375</a:t>
-            </a:r>
-            <a:r>
-              <a:rPr lang="en-US" b="0" i="0" dirty="0">
-                <a:solidFill>
-                  <a:srgbClr val="212121"/>
-                </a:solidFill>
-                <a:effectLst/>
-                <a:latin typeface="Arial" panose="020B0604020202020204" pitchFamily="34" charset="0"/>
-                <a:cs typeface="Arial" panose="020B0604020202020204" pitchFamily="34" charset="0"/>
-              </a:rPr>
-              <a:t> which is 1-D, means that the distance between CDF of original data and CDF of Synthetic Data is low, hence the two distribution are very close.</a:t>
-            </a:r>
-          </a:p>
-        </p:txBody>
-      </p:sp>
     </p:spTree>
     <p:extLst>
       <p:ext uri="{BB962C8B-B14F-4D97-AF65-F5344CB8AC3E}">
-        <p14:creationId xmlns:p14="http://schemas.microsoft.com/office/powerpoint/2010/main" val="4204048035"/>
+        <p14:creationId xmlns:p14="http://schemas.microsoft.com/office/powerpoint/2010/main" val="3070098868"/>
       </p:ext>
     </p:extLst>
   </p:cSld>
@@ -12833,13 +13212,201 @@
         </p:nvSpPr>
         <p:spPr>
           <a:xfrm>
-            <a:off x="474201" y="1277420"/>
-            <a:ext cx="11264002" cy="5117333"/>
+            <a:off x="474200" y="1277420"/>
+            <a:ext cx="9193782" cy="2575389"/>
           </a:xfrm>
         </p:spPr>
         <p:txBody>
           <a:bodyPr/>
           <a:lstStyle/>
+          <a:p>
+            <a:pPr algn="l">
+              <a:buClr>
+                <a:schemeClr val="tx1"/>
+              </a:buClr>
+              <a:buFont typeface="Arial" panose="020B0604020202020204" pitchFamily="34" charset="0"/>
+              <a:buChar char="•"/>
+            </a:pPr>
+            <a:r>
+              <a:rPr lang="en-US" b="1" i="0" dirty="0" err="1">
+                <a:solidFill>
+                  <a:srgbClr val="212121"/>
+                </a:solidFill>
+                <a:effectLst/>
+              </a:rPr>
+              <a:t>sdv.metrics.tabular.KSTest</a:t>
+            </a:r>
+            <a:r>
+              <a:rPr lang="en-US" b="1" i="0" dirty="0">
+                <a:solidFill>
+                  <a:srgbClr val="212121"/>
+                </a:solidFill>
+                <a:effectLst/>
+              </a:rPr>
+              <a:t>:</a:t>
+            </a:r>
+            <a:r>
+              <a:rPr lang="en-US" b="0" i="0" dirty="0">
+                <a:solidFill>
+                  <a:srgbClr val="212121"/>
+                </a:solidFill>
+                <a:effectLst/>
+              </a:rPr>
+              <a:t> This metric uses the two-sample </a:t>
+            </a:r>
+            <a:r>
+              <a:rPr lang="en-US" b="1" i="0" dirty="0">
+                <a:solidFill>
+                  <a:srgbClr val="212121"/>
+                </a:solidFill>
+                <a:effectLst/>
+              </a:rPr>
+              <a:t>Kolmogorov–Smirnov Test</a:t>
+            </a:r>
+            <a:r>
+              <a:rPr lang="en-US" b="0" i="0" dirty="0">
+                <a:solidFill>
+                  <a:srgbClr val="212121"/>
+                </a:solidFill>
+                <a:effectLst/>
+              </a:rPr>
+              <a:t> to compare the distributions of continuous columns using the empirical </a:t>
+            </a:r>
+            <a:r>
+              <a:rPr lang="en-US" b="1" i="0" dirty="0">
+                <a:solidFill>
+                  <a:srgbClr val="212121"/>
+                </a:solidFill>
+                <a:effectLst/>
+              </a:rPr>
+              <a:t>CDF (Cumulative </a:t>
+            </a:r>
+            <a:r>
+              <a:rPr lang="en-US" b="1" i="0" dirty="0" err="1">
+                <a:solidFill>
+                  <a:srgbClr val="212121"/>
+                </a:solidFill>
+                <a:effectLst/>
+              </a:rPr>
+              <a:t>Distibution</a:t>
+            </a:r>
+            <a:r>
+              <a:rPr lang="en-US" b="1" i="0" dirty="0">
+                <a:solidFill>
+                  <a:srgbClr val="212121"/>
+                </a:solidFill>
+                <a:effectLst/>
+              </a:rPr>
+              <a:t> Function: P(</a:t>
+            </a:r>
+            <a:r>
+              <a:rPr lang="en-US" b="1" i="0" dirty="0" err="1">
+                <a:solidFill>
+                  <a:srgbClr val="212121"/>
+                </a:solidFill>
+                <a:effectLst/>
+              </a:rPr>
+              <a:t>X≤x</a:t>
+            </a:r>
+            <a:r>
+              <a:rPr lang="en-US" b="1" i="0" dirty="0">
+                <a:solidFill>
+                  <a:srgbClr val="212121"/>
+                </a:solidFill>
+                <a:effectLst/>
+              </a:rPr>
+              <a:t>)</a:t>
+            </a:r>
+            <a:r>
+              <a:rPr lang="en-US" dirty="0">
+                <a:solidFill>
+                  <a:srgbClr val="212121"/>
+                </a:solidFill>
+              </a:rPr>
+              <a:t>). </a:t>
+            </a:r>
+            <a:r>
+              <a:rPr lang="en-US" b="0" i="0" dirty="0">
+                <a:solidFill>
+                  <a:srgbClr val="212121"/>
+                </a:solidFill>
+                <a:effectLst/>
+              </a:rPr>
+              <a:t>The output of </a:t>
+            </a:r>
+            <a:r>
+              <a:rPr lang="en-US" b="1" i="0" dirty="0" err="1">
+                <a:solidFill>
+                  <a:srgbClr val="212121"/>
+                </a:solidFill>
+                <a:effectLst/>
+              </a:rPr>
+              <a:t>KSTest</a:t>
+            </a:r>
+            <a:r>
+              <a:rPr lang="en-US" b="0" i="0" dirty="0">
+                <a:solidFill>
+                  <a:srgbClr val="212121"/>
+                </a:solidFill>
+                <a:effectLst/>
+              </a:rPr>
+              <a:t> for each column is 1 minus the </a:t>
+            </a:r>
+            <a:r>
+              <a:rPr lang="en-US" b="1" i="0" dirty="0">
+                <a:solidFill>
+                  <a:srgbClr val="212121"/>
+                </a:solidFill>
+                <a:effectLst/>
+              </a:rPr>
+              <a:t>KS Test D </a:t>
+            </a:r>
+            <a:r>
+              <a:rPr lang="en-US" b="0" i="0" dirty="0">
+                <a:solidFill>
+                  <a:srgbClr val="212121"/>
+                </a:solidFill>
+                <a:effectLst/>
+              </a:rPr>
+              <a:t>statistic, which indicates the maximum distance between the expected CDF and the observed CDF values. </a:t>
+            </a:r>
+          </a:p>
+          <a:p>
+            <a:pPr algn="l">
+              <a:buClr>
+                <a:schemeClr val="tx1"/>
+              </a:buClr>
+              <a:buFont typeface="Arial" panose="020B0604020202020204" pitchFamily="34" charset="0"/>
+              <a:buChar char="•"/>
+            </a:pPr>
+            <a:r>
+              <a:rPr lang="en-US" b="0" i="0" dirty="0">
+                <a:solidFill>
+                  <a:srgbClr val="212121"/>
+                </a:solidFill>
+                <a:effectLst/>
+              </a:rPr>
+              <a:t>The letter </a:t>
+            </a:r>
+            <a:r>
+              <a:rPr lang="en-US" b="1" i="0" dirty="0">
+                <a:solidFill>
+                  <a:srgbClr val="212121"/>
+                </a:solidFill>
+                <a:effectLst/>
+              </a:rPr>
+              <a:t>"D"</a:t>
+            </a:r>
+            <a:r>
+              <a:rPr lang="en-US" b="0" i="0" dirty="0">
+                <a:solidFill>
+                  <a:srgbClr val="212121"/>
+                </a:solidFill>
+                <a:effectLst/>
+              </a:rPr>
+              <a:t> stands for "distance." Geometrically, D measures the maximum vertical distance between the empirical cumulative distribution function (ECDF) of the sample and the cumulative distribution function (CDF) of the reference distribution.</a:t>
+            </a:r>
+          </a:p>
           <a:p>
             <a:pPr>
               <a:buClr>
@@ -12848,162 +13415,13 @@
               <a:buFont typeface="Arial" panose="020B0604020202020204" pitchFamily="34" charset="0"/>
               <a:buChar char="•"/>
             </a:pPr>
-            <a:r>
-              <a:rPr lang="en-US" b="0" i="0" dirty="0">
-                <a:solidFill>
-                  <a:srgbClr val="212121"/>
-                </a:solidFill>
-                <a:effectLst/>
-              </a:rPr>
-              <a:t>The </a:t>
-            </a:r>
-            <a:r>
-              <a:rPr lang="en-US" b="1" i="0" dirty="0">
-                <a:solidFill>
-                  <a:srgbClr val="212121"/>
-                </a:solidFill>
-                <a:effectLst/>
-              </a:rPr>
-              <a:t>metrics</a:t>
-            </a:r>
-            <a:r>
-              <a:rPr lang="en-US" b="0" i="0" dirty="0">
-                <a:solidFill>
-                  <a:srgbClr val="212121"/>
-                </a:solidFill>
-                <a:effectLst/>
-              </a:rPr>
-              <a:t> of this family compare the tables by fitting the real data to a probabilistic model and afterwards compute the likelihood of the synthetic data belonging to the learned distribution.</a:t>
-            </a:r>
-          </a:p>
-          <a:p>
-            <a:pPr>
-              <a:buClr>
-                <a:schemeClr val="tx1"/>
-              </a:buClr>
-              <a:buFont typeface="Arial" panose="020B0604020202020204" pitchFamily="34" charset="0"/>
-              <a:buChar char="•"/>
-            </a:pPr>
-            <a:r>
-              <a:rPr lang="en-US" b="1" i="0" dirty="0" err="1">
-                <a:solidFill>
-                  <a:srgbClr val="212121"/>
-                </a:solidFill>
-                <a:effectLst/>
-              </a:rPr>
-              <a:t>sdv.metrics.tabular.BNLikelihood</a:t>
-            </a:r>
-            <a:r>
-              <a:rPr lang="en-US" b="1" i="0" dirty="0">
-                <a:solidFill>
-                  <a:srgbClr val="212121"/>
-                </a:solidFill>
-                <a:effectLst/>
-              </a:rPr>
-              <a:t>:</a:t>
-            </a:r>
-            <a:r>
-              <a:rPr lang="en-US" b="0" i="0" dirty="0">
-                <a:solidFill>
-                  <a:srgbClr val="212121"/>
-                </a:solidFill>
-                <a:effectLst/>
-              </a:rPr>
-              <a:t> This metric fits a </a:t>
-            </a:r>
-            <a:r>
-              <a:rPr lang="en-US" b="1" i="0" dirty="0">
-                <a:solidFill>
-                  <a:srgbClr val="212121"/>
-                </a:solidFill>
-                <a:effectLst/>
-              </a:rPr>
-              <a:t>Bayesian</a:t>
-            </a:r>
-            <a:r>
-              <a:rPr lang="en-US" b="0" i="0" dirty="0">
-                <a:solidFill>
-                  <a:srgbClr val="212121"/>
-                </a:solidFill>
-                <a:effectLst/>
-              </a:rPr>
-              <a:t> </a:t>
-            </a:r>
-            <a:r>
-              <a:rPr lang="en-US" b="1" i="0" dirty="0">
-                <a:solidFill>
-                  <a:srgbClr val="212121"/>
-                </a:solidFill>
-                <a:effectLst/>
-              </a:rPr>
-              <a:t>Network</a:t>
-            </a:r>
-            <a:r>
-              <a:rPr lang="en-US" b="0" i="0" dirty="0">
-                <a:solidFill>
-                  <a:srgbClr val="212121"/>
-                </a:solidFill>
-                <a:effectLst/>
-              </a:rPr>
-              <a:t> to the real data and then evaluates the average likelihood of the rows from the synthetic data on it.</a:t>
-            </a:r>
-          </a:p>
-          <a:p>
-            <a:pPr>
-              <a:buClr>
-                <a:schemeClr val="tx1"/>
-              </a:buClr>
-              <a:buFont typeface="Arial" panose="020B0604020202020204" pitchFamily="34" charset="0"/>
-              <a:buChar char="•"/>
-            </a:pPr>
-            <a:r>
-              <a:rPr lang="en-US" b="1" i="0" dirty="0">
-                <a:solidFill>
-                  <a:srgbClr val="212121"/>
-                </a:solidFill>
-                <a:effectLst/>
-              </a:rPr>
-              <a:t>Bayesian Networks Likelihood </a:t>
-            </a:r>
-            <a:r>
-              <a:rPr lang="en-US" b="0" i="0" dirty="0">
-                <a:solidFill>
-                  <a:srgbClr val="212121"/>
-                </a:solidFill>
-                <a:effectLst/>
-              </a:rPr>
-              <a:t>is the Error calculated on Synthetic data after fitting the model on Real Data. Very low error (likelihood) like </a:t>
-            </a:r>
-            <a:r>
-              <a:rPr lang="en-US" b="1" i="0" dirty="0">
-                <a:solidFill>
-                  <a:srgbClr val="212121"/>
-                </a:solidFill>
-                <a:effectLst/>
-              </a:rPr>
-              <a:t>0.00013183</a:t>
-            </a:r>
-            <a:r>
-              <a:rPr lang="en-US" b="0" i="0" dirty="0">
-                <a:solidFill>
-                  <a:srgbClr val="212121"/>
-                </a:solidFill>
-                <a:effectLst/>
-              </a:rPr>
-              <a:t> means the two datasets are very close in terms of probabilistic models.</a:t>
-            </a:r>
-          </a:p>
-          <a:p>
-            <a:pPr marL="0" indent="0">
-              <a:buNone/>
-            </a:pPr>
-            <a:endParaRPr lang="en-US" dirty="0"/>
-          </a:p>
-          <a:p>
-            <a:pPr marL="0" indent="0">
-              <a:buNone/>
-            </a:pPr>
-            <a:endParaRPr lang="it-IT" dirty="0"/>
+            <a:endParaRPr lang="en-US" dirty="0">
+              <a:solidFill>
+                <a:srgbClr val="202124"/>
+              </a:solidFill>
+              <a:latin typeface="arial" panose="020B0604020202020204" pitchFamily="34" charset="0"/>
+              <a:cs typeface="+mn-cs"/>
+            </a:endParaRPr>
           </a:p>
         </p:txBody>
       </p:sp>
@@ -13019,93 +13437,68 @@
         </p:nvSpPr>
         <p:spPr>
           <a:xfrm>
-            <a:off x="468895" y="503475"/>
-            <a:ext cx="11269308" cy="384721"/>
-          </a:xfrm>
+            <a:off x="468895" y="118755"/>
+            <a:ext cx="11269308" cy="769441"/>
+          </a:xfrm>
+          <a:noFill/>
+          <a:ln>
+            <a:noFill/>
+          </a:ln>
+          <a:extLst>
+            <a:ext uri="{909E8E84-426E-40DD-AFC4-6F175D3DCCD1}">
+              <a14:hiddenFill xmlns:a14="http://schemas.microsoft.com/office/drawing/2010/main">
+                <a:solidFill>
+                  <a:srgbClr val="FFFFFF"/>
+                </a:solidFill>
+              </a14:hiddenFill>
+            </a:ext>
+            <a:ext uri="{91240B29-F687-4F45-9708-019B960494DF}">
+              <a14:hiddenLine xmlns:a14="http://schemas.microsoft.com/office/drawing/2010/main" w="9525">
+                <a:solidFill>
+                  <a:srgbClr val="000000"/>
+                </a:solidFill>
+                <a:miter lim="800000"/>
+                <a:headEnd/>
+                <a:tailEnd/>
+              </a14:hiddenLine>
+            </a:ext>
+          </a:extLst>
         </p:spPr>
         <p:txBody>
-          <a:bodyPr/>
+          <a:bodyPr vert="horz" wrap="square" lIns="0" tIns="0" rIns="0" bIns="0" numCol="1" rtlCol="0" anchor="b" anchorCtr="0" compatLnSpc="1">
+            <a:prstTxWarp prst="textNoShape">
+              <a:avLst/>
+            </a:prstTxWarp>
+            <a:spAutoFit/>
+          </a:bodyPr>
           <a:lstStyle/>
           <a:p>
-            <a:r>
-              <a:rPr lang="it-IT" sz="2800" dirty="0">
-                <a:solidFill>
-                  <a:srgbClr val="212121"/>
-                </a:solidFill>
-                <a:latin typeface="Roboto" panose="02000000000000000000" pitchFamily="2" charset="0"/>
-              </a:rPr>
+            <a:pPr algn="ctr"/>
+            <a:r>
+              <a:rPr lang="it-IT" dirty="0"/>
               <a:t>Utility </a:t>
             </a:r>
             <a:r>
-              <a:rPr lang="it-IT" sz="2800" dirty="0" err="1">
-                <a:solidFill>
-                  <a:srgbClr val="212121"/>
-                </a:solidFill>
-                <a:latin typeface="Roboto" panose="02000000000000000000" pitchFamily="2" charset="0"/>
-              </a:rPr>
+              <a:rPr lang="it-IT" dirty="0" err="1"/>
               <a:t>Metrics</a:t>
             </a:r>
             <a:r>
-              <a:rPr lang="it-IT" sz="2800" dirty="0">
-                <a:solidFill>
-                  <a:srgbClr val="212121"/>
-                </a:solidFill>
-                <a:latin typeface="Roboto" panose="02000000000000000000" pitchFamily="2" charset="0"/>
-              </a:rPr>
+              <a:rPr lang="it-IT" dirty="0"/>
               <a:t> - Model Evaluation via </a:t>
             </a:r>
             <a:r>
-              <a:rPr lang="it-IT" sz="2800" dirty="0" err="1">
-                <a:solidFill>
-                  <a:srgbClr val="212121"/>
-                </a:solidFill>
-                <a:latin typeface="Roboto" panose="02000000000000000000" pitchFamily="2" charset="0"/>
-              </a:rPr>
+              <a:rPr lang="it-IT" dirty="0" err="1"/>
               <a:t>SDGym</a:t>
             </a:r>
             <a:r>
-              <a:rPr lang="it-IT" sz="2800" dirty="0">
-                <a:solidFill>
-                  <a:srgbClr val="212121"/>
-                </a:solidFill>
-                <a:latin typeface="Roboto" panose="02000000000000000000" pitchFamily="2" charset="0"/>
-              </a:rPr>
-              <a:t> Tools: </a:t>
-            </a:r>
-            <a:r>
-              <a:rPr lang="it-IT" sz="2800" dirty="0" err="1">
-                <a:solidFill>
-                  <a:srgbClr val="212121"/>
-                </a:solidFill>
-                <a:latin typeface="Roboto" panose="02000000000000000000" pitchFamily="2" charset="0"/>
-              </a:rPr>
-              <a:t>Likelihood</a:t>
-            </a:r>
-            <a:r>
-              <a:rPr lang="it-IT" sz="2800" dirty="0">
-                <a:solidFill>
-                  <a:srgbClr val="212121"/>
-                </a:solidFill>
-                <a:latin typeface="Roboto" panose="02000000000000000000" pitchFamily="2" charset="0"/>
-              </a:rPr>
-              <a:t> </a:t>
-            </a:r>
-            <a:r>
-              <a:rPr lang="it-IT" sz="2800" dirty="0" err="1">
-                <a:solidFill>
-                  <a:srgbClr val="212121"/>
-                </a:solidFill>
-                <a:latin typeface="Roboto" panose="02000000000000000000" pitchFamily="2" charset="0"/>
-              </a:rPr>
+              <a:rPr lang="it-IT" dirty="0"/>
+              <a:t> Tools: Statistical </a:t>
+            </a:r>
+            <a:r>
+              <a:rPr lang="it-IT" dirty="0" err="1"/>
               <a:t>Metrics</a:t>
             </a:r>
-            <a:endParaRPr lang="it-IT" b="0" i="0" dirty="0">
-              <a:solidFill>
-                <a:srgbClr val="212121"/>
-              </a:solidFill>
-              <a:effectLst/>
-              <a:latin typeface="Roboto" panose="02000000000000000000" pitchFamily="2" charset="0"/>
-            </a:endParaRPr>
+            <a:endParaRPr lang="it-IT" dirty="0"/>
           </a:p>
         </p:txBody>
       </p:sp>
@@ -13201,7 +13594,7 @@
           <p:cNvPr id="7" name="Immagine 6">
             <a:extLst>
               <a:ext uri="{FF2B5EF4-FFF2-40B4-BE49-F238E27FC236}">
-                <a16:creationId xmlns:a16="http://schemas.microsoft.com/office/drawing/2014/main" id="{E38450EE-2CC0-C20F-02B5-A52B21CA94C8}"/>
+                <a16:creationId xmlns:a16="http://schemas.microsoft.com/office/drawing/2014/main" id="{DBAC0694-DF06-68DF-F2C5-06382FFD21B8}"/>
               </a:ext>
             </a:extLst>
           </p:cNvPr>
@@ -13218,8 +13611,8 @@
         </p:blipFill>
         <p:spPr>
           <a:xfrm>
-            <a:off x="1457452" y="3637052"/>
-            <a:ext cx="3058890" cy="2440080"/>
+            <a:off x="9667982" y="1410952"/>
+            <a:ext cx="1847582" cy="2308324"/>
           </a:xfrm>
           <a:prstGeom prst="rect">
             <a:avLst/>
@@ -13231,7 +13624,7 @@
           <p:cNvPr id="9" name="CasellaDiTesto 8">
             <a:extLst>
               <a:ext uri="{FF2B5EF4-FFF2-40B4-BE49-F238E27FC236}">
-                <a16:creationId xmlns:a16="http://schemas.microsoft.com/office/drawing/2014/main" id="{9F6A42CB-9F82-CE0B-0BF5-E6754DB9D7A7}"/>
+                <a16:creationId xmlns:a16="http://schemas.microsoft.com/office/drawing/2014/main" id="{15B2DD09-E9DF-8619-8A7E-B276F6D60E50}"/>
               </a:ext>
             </a:extLst>
           </p:cNvPr>
@@ -13240,8 +13633,8 @@
         </p:nvSpPr>
         <p:spPr>
           <a:xfrm>
-            <a:off x="5946266" y="3533667"/>
-            <a:ext cx="4358714" cy="2862322"/>
+            <a:off x="430457" y="3959975"/>
+            <a:ext cx="11415645" cy="2308324"/>
           </a:xfrm>
           <a:prstGeom prst="rect">
             <a:avLst/>
@@ -13254,12 +13647,15 @@
           </a:bodyPr>
           <a:lstStyle/>
           <a:p>
-            <a:pPr marL="285750" indent="-285750" algn="just">
+            <a:pPr marL="285750" indent="-285750" algn="l">
+              <a:buClr>
+                <a:schemeClr val="tx1"/>
+              </a:buClr>
               <a:buFont typeface="Arial" panose="020B0604020202020204" pitchFamily="34" charset="0"/>
               <a:buChar char="•"/>
             </a:pPr>
             <a:r>
-              <a:rPr lang="en-US" b="1" i="0" dirty="0" err="1">
+              <a:rPr lang="en-US" b="0" i="0" dirty="0">
                 <a:solidFill>
                   <a:srgbClr val="212121"/>
                 </a:solidFill>
@@ -13267,10 +13663,10 @@
                 <a:latin typeface="Arial" panose="020B0604020202020204" pitchFamily="34" charset="0"/>
                 <a:cs typeface="Arial" panose="020B0604020202020204" pitchFamily="34" charset="0"/>
               </a:rPr>
-              <a:t>sdv.metrics.tabular.BNLikelihood</a:t>
-            </a:r>
-            <a:r>
-              <a:rPr lang="en-US" b="1" i="0" dirty="0">
+              <a:t>If the two samples were randomly sampled from identical populations, what is the probability that the two cumulative frequency distributions would be as far apart as observed? More precisely, what is the chance that the value of the </a:t>
+            </a:r>
+            <a:r>
+              <a:rPr lang="en-US" b="1" i="0" dirty="0" err="1">
                 <a:solidFill>
                   <a:srgbClr val="212121"/>
                 </a:solidFill>
@@ -13278,10 +13674,10 @@
                 <a:latin typeface="Arial" panose="020B0604020202020204" pitchFamily="34" charset="0"/>
                 <a:cs typeface="Arial" panose="020B0604020202020204" pitchFamily="34" charset="0"/>
               </a:rPr>
-              <a:t>:</a:t>
-            </a:r>
-            <a:r>
-              <a:rPr lang="en-US" b="0" i="0" dirty="0">
+              <a:t>Komogorov</a:t>
+            </a:r>
+            <a:r>
+              <a:rPr lang="en-US" b="1" i="0" dirty="0">
                 <a:solidFill>
                   <a:srgbClr val="212121"/>
                 </a:solidFill>
@@ -13289,10 +13685,10 @@
                 <a:latin typeface="Arial" panose="020B0604020202020204" pitchFamily="34" charset="0"/>
                 <a:cs typeface="Arial" panose="020B0604020202020204" pitchFamily="34" charset="0"/>
               </a:rPr>
-              <a:t> This metric fits a </a:t>
-            </a:r>
-            <a:r>
-              <a:rPr lang="en-US" b="1" i="0" dirty="0">
+              <a:t>-Smirnov D statistic</a:t>
+            </a:r>
+            <a:r>
+              <a:rPr lang="en-US" b="0" i="0" dirty="0">
                 <a:solidFill>
                   <a:srgbClr val="212121"/>
                 </a:solidFill>
@@ -13300,8 +13696,34 @@
                 <a:latin typeface="Arial" panose="020B0604020202020204" pitchFamily="34" charset="0"/>
                 <a:cs typeface="Arial" panose="020B0604020202020204" pitchFamily="34" charset="0"/>
               </a:rPr>
-              <a:t>Bayesian</a:t>
-            </a:r>
+              <a:t> would be as large or larger than observed? If the P value is small, conclude that the two groups were sampled from populations with different distributions. The populations may differ in median, variability or the shape of the distribution.</a:t>
+            </a:r>
+          </a:p>
+          <a:p>
+            <a:pPr algn="l">
+              <a:buClr>
+                <a:schemeClr val="tx1"/>
+              </a:buClr>
+              <a:buFont typeface="Arial" panose="020B0604020202020204" pitchFamily="34" charset="0"/>
+              <a:buChar char="•"/>
+            </a:pPr>
+            <a:endParaRPr lang="en-US" b="0" i="0" dirty="0">
+              <a:solidFill>
+                <a:srgbClr val="212121"/>
+              </a:solidFill>
+              <a:effectLst/>
+              <a:latin typeface="Arial" panose="020B0604020202020204" pitchFamily="34" charset="0"/>
+              <a:cs typeface="Arial" panose="020B0604020202020204" pitchFamily="34" charset="0"/>
+            </a:endParaRPr>
+          </a:p>
+          <a:p>
+            <a:pPr marL="285750" indent="-285750" algn="l">
+              <a:buClr>
+                <a:schemeClr val="tx1"/>
+              </a:buClr>
+              <a:buFont typeface="Arial" panose="020B0604020202020204" pitchFamily="34" charset="0"/>
+              <a:buChar char="•"/>
+            </a:pPr>
             <a:r>
               <a:rPr lang="en-US" b="0" i="0" dirty="0">
                 <a:solidFill>
@@ -13311,7 +13733,7 @@
                 <a:latin typeface="Arial" panose="020B0604020202020204" pitchFamily="34" charset="0"/>
                 <a:cs typeface="Arial" panose="020B0604020202020204" pitchFamily="34" charset="0"/>
               </a:rPr>
-              <a:t> </a:t>
+              <a:t>So our result </a:t>
             </a:r>
             <a:r>
               <a:rPr lang="en-US" b="1" i="0" dirty="0">
@@ -13322,7 +13744,7 @@
                 <a:latin typeface="Arial" panose="020B0604020202020204" pitchFamily="34" charset="0"/>
                 <a:cs typeface="Arial" panose="020B0604020202020204" pitchFamily="34" charset="0"/>
               </a:rPr>
-              <a:t>Network</a:t>
+              <a:t>0.95375</a:t>
             </a:r>
             <a:r>
               <a:rPr lang="en-US" b="0" i="0" dirty="0">
@@ -13333,41 +13755,15 @@
                 <a:latin typeface="Arial" panose="020B0604020202020204" pitchFamily="34" charset="0"/>
                 <a:cs typeface="Arial" panose="020B0604020202020204" pitchFamily="34" charset="0"/>
               </a:rPr>
-              <a:t> to the real data and then evaluates the average likelihood of the rows from the synthetic data on it. With very low error (close to 0) according to the Log function, the output value must be negative, therefore a score like this one: </a:t>
-            </a:r>
-            <a:r>
-              <a:rPr lang="en-US" b="1" i="0" dirty="0">
-                <a:solidFill>
-                  <a:srgbClr val="212121"/>
-                </a:solidFill>
-                <a:effectLst/>
-                <a:latin typeface="Arial" panose="020B0604020202020204" pitchFamily="34" charset="0"/>
-                <a:cs typeface="Arial" panose="020B0604020202020204" pitchFamily="34" charset="0"/>
-              </a:rPr>
-              <a:t>-17.415473543655498</a:t>
-            </a:r>
-            <a:r>
-              <a:rPr lang="en-US" b="0" i="0" dirty="0">
-                <a:solidFill>
-                  <a:srgbClr val="212121"/>
-                </a:solidFill>
-                <a:effectLst/>
-                <a:latin typeface="Arial" panose="020B0604020202020204" pitchFamily="34" charset="0"/>
-                <a:cs typeface="Arial" panose="020B0604020202020204" pitchFamily="34" charset="0"/>
-              </a:rPr>
-              <a:t>, it is a very good result.</a:t>
-            </a:r>
-            <a:endParaRPr lang="it-IT" dirty="0">
-              <a:latin typeface="Arial" panose="020B0604020202020204" pitchFamily="34" charset="0"/>
-              <a:cs typeface="Arial" panose="020B0604020202020204" pitchFamily="34" charset="0"/>
-            </a:endParaRPr>
+              <a:t> which is 1-D, means that the distance between CDF of original data and CDF of Synthetic Data is low, hence the two distribution are very close.</a:t>
+            </a:r>
           </a:p>
         </p:txBody>
       </p:sp>
     </p:spTree>
     <p:extLst>
       <p:ext uri="{BB962C8B-B14F-4D97-AF65-F5344CB8AC3E}">
-        <p14:creationId xmlns:p14="http://schemas.microsoft.com/office/powerpoint/2010/main" val="3082948200"/>
+        <p14:creationId xmlns:p14="http://schemas.microsoft.com/office/powerpoint/2010/main" val="4204048035"/>
       </p:ext>
     </p:extLst>
   </p:cSld>
@@ -13414,70 +13810,6 @@
           <a:bodyPr/>
           <a:lstStyle/>
           <a:p>
-            <a:pPr algn="l">
-              <a:buClr>
-                <a:schemeClr val="tx1"/>
-              </a:buClr>
-              <a:buFont typeface="Arial" panose="020B0604020202020204" pitchFamily="34" charset="0"/>
-              <a:buChar char="•"/>
-            </a:pPr>
-            <a:r>
-              <a:rPr lang="en-US" b="1" dirty="0">
-                <a:solidFill>
-                  <a:srgbClr val="212121"/>
-                </a:solidFill>
-              </a:rPr>
-              <a:t>Privacy Metric</a:t>
-            </a:r>
-            <a:r>
-              <a:rPr lang="en-US" b="1" i="0" dirty="0">
-                <a:solidFill>
-                  <a:srgbClr val="212121"/>
-                </a:solidFill>
-                <a:effectLst/>
-              </a:rPr>
-              <a:t>:</a:t>
-            </a:r>
-            <a:r>
-              <a:rPr lang="en-US" b="0" i="0" dirty="0">
-                <a:solidFill>
-                  <a:srgbClr val="212121"/>
-                </a:solidFill>
-                <a:effectLst/>
-              </a:rPr>
-              <a:t> In this kind of metric we merge the Original Dataset and the Synthetic Datase</a:t>
-            </a:r>
-            <a:r>
-              <a:rPr lang="en-US" dirty="0">
-                <a:solidFill>
-                  <a:srgbClr val="212121"/>
-                </a:solidFill>
-              </a:rPr>
-              <a:t>t doing and Inner Join over 1 or 2 columns. And we get the list of rows merged. After this step, we search for all the matches between the Original Dataset and the Synthetic Dataset over 1 other column. These matches will be depicted on a bar plot via histogram. The idea behind this Privacy Metric is looking for </a:t>
-            </a:r>
-            <a:r>
-              <a:rPr lang="en-US" b="1" dirty="0">
-                <a:solidFill>
-                  <a:srgbClr val="212121"/>
-                </a:solidFill>
-              </a:rPr>
-              <a:t>“values” </a:t>
-            </a:r>
-            <a:r>
-              <a:rPr lang="en-US" dirty="0">
-                <a:solidFill>
-                  <a:srgbClr val="212121"/>
-                </a:solidFill>
-              </a:rPr>
-              <a:t>within the Synthetic Dataset which are also within the Original Dataset. If there are many of these values, this means that the GAN model is not able to generate a Synthetic Dataset similar to the Original one, but preserving all the values within the Original Dataset, and so preserving its privacy. </a:t>
-            </a:r>
-            <a:endParaRPr lang="en-US" b="1" dirty="0">
-              <a:solidFill>
-                <a:srgbClr val="212121"/>
-              </a:solidFill>
-            </a:endParaRPr>
-          </a:p>
-          <a:p>
             <a:pPr>
               <a:buClr>
                 <a:schemeClr val="tx1"/>
@@ -13486,140 +13818,31 @@
               <a:buChar char="•"/>
             </a:pPr>
             <a:r>
-              <a:rPr lang="en-US" dirty="0">
+              <a:rPr lang="en-US" b="0" i="0" dirty="0">
                 <a:solidFill>
                   <a:srgbClr val="212121"/>
                 </a:solidFill>
-              </a:rPr>
-              <a:t>We performed </a:t>
-            </a:r>
-            <a:r>
-              <a:rPr lang="en-US" b="1" dirty="0">
+                <a:effectLst/>
+              </a:rPr>
+              <a:t>The </a:t>
+            </a:r>
+            <a:r>
+              <a:rPr lang="en-US" b="1" i="0" dirty="0">
                 <a:solidFill>
                   <a:srgbClr val="212121"/>
                 </a:solidFill>
-              </a:rPr>
-              <a:t>2 Privacy Metrics Tests</a:t>
-            </a:r>
-            <a:r>
-              <a:rPr lang="en-US" dirty="0">
+                <a:effectLst/>
+              </a:rPr>
+              <a:t>metrics</a:t>
+            </a:r>
+            <a:r>
+              <a:rPr lang="en-US" b="0" i="0" dirty="0">
                 <a:solidFill>
                   <a:srgbClr val="212121"/>
                 </a:solidFill>
-              </a:rPr>
-              <a:t>: In the </a:t>
-            </a:r>
-            <a:r>
-              <a:rPr lang="en-US" b="1" dirty="0">
-                <a:solidFill>
-                  <a:srgbClr val="212121"/>
-                </a:solidFill>
-              </a:rPr>
-              <a:t>Privacy Metrics Test 1 </a:t>
-            </a:r>
-            <a:r>
-              <a:rPr lang="en-US" dirty="0">
-                <a:solidFill>
-                  <a:srgbClr val="212121"/>
-                </a:solidFill>
-              </a:rPr>
-              <a:t>we took the field </a:t>
-            </a:r>
-            <a:r>
-              <a:rPr lang="en-US" b="1" dirty="0">
-                <a:solidFill>
-                  <a:srgbClr val="212121"/>
-                </a:solidFill>
-              </a:rPr>
-              <a:t>ANTENNA_CODE </a:t>
-            </a:r>
-            <a:r>
-              <a:rPr lang="en-US" dirty="0">
-                <a:solidFill>
-                  <a:srgbClr val="212121"/>
-                </a:solidFill>
-              </a:rPr>
-              <a:t>as first field for the merge and </a:t>
-            </a:r>
-            <a:r>
-              <a:rPr lang="en-US" b="1" dirty="0">
-                <a:solidFill>
-                  <a:srgbClr val="212121"/>
-                </a:solidFill>
-              </a:rPr>
-              <a:t>SIM_COSE </a:t>
-            </a:r>
-            <a:r>
-              <a:rPr lang="en-US" dirty="0">
-                <a:solidFill>
-                  <a:srgbClr val="212121"/>
-                </a:solidFill>
-              </a:rPr>
-              <a:t>as second feature for the final match. </a:t>
-            </a:r>
-            <a:r>
-              <a:rPr lang="en-US" dirty="0" err="1">
-                <a:solidFill>
-                  <a:srgbClr val="212121"/>
-                </a:solidFill>
-              </a:rPr>
-              <a:t>Vicevers</a:t>
-            </a:r>
-            <a:r>
-              <a:rPr lang="en-US" dirty="0">
-                <a:solidFill>
-                  <a:srgbClr val="212121"/>
-                </a:solidFill>
-              </a:rPr>
-              <a:t>, in the </a:t>
-            </a:r>
-            <a:r>
-              <a:rPr lang="en-US" b="1" dirty="0">
-                <a:solidFill>
-                  <a:srgbClr val="212121"/>
-                </a:solidFill>
-              </a:rPr>
-              <a:t>Privacy Metrics Test 2 </a:t>
-            </a:r>
-            <a:r>
-              <a:rPr lang="en-US" dirty="0">
-                <a:solidFill>
-                  <a:srgbClr val="212121"/>
-                </a:solidFill>
-              </a:rPr>
-              <a:t>we chose </a:t>
-            </a:r>
-            <a:r>
-              <a:rPr lang="en-US" b="1" dirty="0">
-                <a:solidFill>
-                  <a:srgbClr val="212121"/>
-                </a:solidFill>
-              </a:rPr>
-              <a:t>SIM_COSE</a:t>
-            </a:r>
-            <a:r>
-              <a:rPr lang="en-US" dirty="0">
-                <a:solidFill>
-                  <a:srgbClr val="212121"/>
-                </a:solidFill>
-              </a:rPr>
-              <a:t> as first field and </a:t>
-            </a:r>
-            <a:r>
-              <a:rPr lang="en-US" b="1" dirty="0">
-                <a:solidFill>
-                  <a:srgbClr val="212121"/>
-                </a:solidFill>
-              </a:rPr>
-              <a:t>ANTENNA_CODE</a:t>
-            </a:r>
-            <a:r>
-              <a:rPr lang="en-US" dirty="0">
-                <a:solidFill>
-                  <a:srgbClr val="212121"/>
-                </a:solidFill>
-              </a:rPr>
-              <a:t> as second field. </a:t>
+                <a:effectLst/>
+              </a:rPr>
+              <a:t> of this family compare the tables by fitting the real data to a probabilistic model and afterwards compute the likelihood of the synthetic data belonging to the learned distribution.</a:t>
             </a:r>
           </a:p>
           <a:p>
@@ -13631,14 +13854,22 @@
               <a:buChar char="•"/>
             </a:pPr>
             <a:r>
+              <a:rPr lang="en-US" b="1" i="0" dirty="0" err="1">
+                <a:solidFill>
+                  <a:srgbClr val="212121"/>
+                </a:solidFill>
+                <a:effectLst/>
+              </a:rPr>
+              <a:t>sdv.metrics.tabular.BNLikelihood</a:t>
+            </a:r>
+            <a:r>
               <a:rPr lang="en-US" b="1" i="0" dirty="0">
                 <a:solidFill>
                   <a:srgbClr val="212121"/>
                 </a:solidFill>
                 <a:effectLst/>
-                <a:latin typeface="Roboto" panose="02000000000000000000" pitchFamily="2" charset="0"/>
-              </a:rPr>
-              <a:t>Aggregated Privacy Metric (APM)</a:t>
+              </a:rPr>
+              <a:t>:</a:t>
             </a:r>
             <a:r>
               <a:rPr lang="en-US" b="0" i="0" dirty="0">
@@ -13646,9 +13877,8 @@
                   <a:srgbClr val="212121"/>
                 </a:solidFill>
                 <a:effectLst/>
-                <a:latin typeface="Roboto" panose="02000000000000000000" pitchFamily="2" charset="0"/>
-              </a:rPr>
-              <a:t>: Eventually, in order to have a final aggregate measure of privacy (APM) in the interval [0, 1] we calculated a normalized sum of all matches. More matches means less privacy, if 1 - (normalized sum) is equal to 1 means high privacy, 0 means low privacy. In our first test we achieved a value close to </a:t>
+              </a:rPr>
+              <a:t> This metric fits a </a:t>
             </a:r>
             <a:r>
               <a:rPr lang="en-US" b="1" i="0" dirty="0">
@@ -13656,9 +13886,8 @@
                   <a:srgbClr val="212121"/>
                 </a:solidFill>
                 <a:effectLst/>
-                <a:latin typeface="Roboto" panose="02000000000000000000" pitchFamily="2" charset="0"/>
-              </a:rPr>
-              <a:t>0.9876543209876543,</a:t>
+              </a:rPr>
+              <a:t>Bayesian</a:t>
             </a:r>
             <a:r>
               <a:rPr lang="en-US" b="0" i="0" dirty="0">
@@ -13666,9 +13895,8 @@
                   <a:srgbClr val="212121"/>
                 </a:solidFill>
                 <a:effectLst/>
-                <a:latin typeface="Roboto" panose="02000000000000000000" pitchFamily="2" charset="0"/>
-              </a:rPr>
-              <a:t> which means very high privacy. In the second test we achieved </a:t>
+              </a:rPr>
+              <a:t> </a:t>
             </a:r>
             <a:r>
               <a:rPr lang="en-US" b="1" i="0" dirty="0">
@@ -13676,47 +13904,75 @@
                   <a:srgbClr val="212121"/>
                 </a:solidFill>
                 <a:effectLst/>
-                <a:latin typeface="Roboto" panose="02000000000000000000" pitchFamily="2" charset="0"/>
-              </a:rPr>
-              <a:t>1.0 </a:t>
-            </a:r>
-            <a:r>
-              <a:rPr lang="en-US" i="0" dirty="0">
+              </a:rPr>
+              <a:t>Network</a:t>
+            </a:r>
+            <a:r>
+              <a:rPr lang="en-US" b="0" i="0" dirty="0">
                 <a:solidFill>
                   <a:srgbClr val="212121"/>
                 </a:solidFill>
                 <a:effectLst/>
-                <a:latin typeface="Roboto" panose="02000000000000000000" pitchFamily="2" charset="0"/>
-              </a:rPr>
-              <a:t>as aggregated value which means maximum privacy. The formula we adopted is reported in the next slide with all the results. </a:t>
-            </a:r>
-            <a:endParaRPr lang="it-IT" b="1" dirty="0">
-              <a:solidFill>
-                <a:srgbClr val="212121"/>
-              </a:solidFill>
-            </a:endParaRPr>
-          </a:p>
-          <a:p>
-            <a:pPr algn="l">
+              </a:rPr>
+              <a:t> to the real data and then evaluates the average likelihood of the rows from the synthetic data on it.</a:t>
+            </a:r>
+          </a:p>
+          <a:p>
+            <a:pPr>
               <a:buClr>
                 <a:schemeClr val="tx1"/>
               </a:buClr>
               <a:buFont typeface="Arial" panose="020B0604020202020204" pitchFamily="34" charset="0"/>
               <a:buChar char="•"/>
             </a:pPr>
-            <a:endParaRPr lang="en-US" b="0" i="0" dirty="0">
-              <a:solidFill>
-                <a:srgbClr val="212121"/>
-              </a:solidFill>
-              <a:effectLst/>
-              <a:latin typeface="Roboto" panose="02000000000000000000" pitchFamily="2" charset="0"/>
-            </a:endParaRPr>
+            <a:r>
+              <a:rPr lang="en-US" b="1" i="0" dirty="0">
+                <a:solidFill>
+                  <a:srgbClr val="212121"/>
+                </a:solidFill>
+                <a:effectLst/>
+              </a:rPr>
+              <a:t>Bayesian Networks Likelihood </a:t>
+            </a:r>
+            <a:r>
+              <a:rPr lang="en-US" b="0" i="0" dirty="0">
+                <a:solidFill>
+                  <a:srgbClr val="212121"/>
+                </a:solidFill>
+                <a:effectLst/>
+              </a:rPr>
+              <a:t>is the Error calculated on Synthetic data after fitting the model on Real Data. Very low error (likelihood) like </a:t>
+            </a:r>
+            <a:r>
+              <a:rPr lang="en-US" b="1" i="0" dirty="0">
+                <a:solidFill>
+                  <a:srgbClr val="212121"/>
+                </a:solidFill>
+                <a:effectLst/>
+              </a:rPr>
+              <a:t>0.00013183</a:t>
+            </a:r>
+            <a:r>
+              <a:rPr lang="en-US" b="0" i="0" dirty="0">
+                <a:solidFill>
+                  <a:srgbClr val="212121"/>
+                </a:solidFill>
+                <a:effectLst/>
+              </a:rPr>
+              <a:t> means the two datasets are very close in terms of probabilistic models.</a:t>
+            </a:r>
           </a:p>
           <a:p>
             <a:pPr marL="0" indent="0">
               <a:buNone/>
             </a:pPr>
-            <a:endParaRPr lang="it-IT" b="1" dirty="0"/>
+            <a:endParaRPr lang="en-US" dirty="0"/>
+          </a:p>
+          <a:p>
+            <a:pPr marL="0" indent="0">
+              <a:buNone/>
+            </a:pPr>
+            <a:endParaRPr lang="it-IT" dirty="0"/>
           </a:p>
         </p:txBody>
       </p:sp>
@@ -13732,66 +13988,48 @@
         </p:nvSpPr>
         <p:spPr>
           <a:xfrm>
-            <a:off x="461346" y="463247"/>
-            <a:ext cx="11269308" cy="384721"/>
+            <a:off x="468895" y="118755"/>
+            <a:ext cx="11269308" cy="769441"/>
           </a:xfrm>
         </p:spPr>
         <p:txBody>
           <a:bodyPr/>
           <a:lstStyle/>
           <a:p>
-            <a:r>
-              <a:rPr lang="it-IT" dirty="0">
-                <a:solidFill>
-                  <a:srgbClr val="212121"/>
-                </a:solidFill>
-                <a:latin typeface="Roboto" panose="02000000000000000000" pitchFamily="2" charset="0"/>
-              </a:rPr>
-              <a:t>Privacy</a:t>
-            </a:r>
-            <a:r>
-              <a:rPr lang="it-IT" sz="2800" dirty="0">
-                <a:solidFill>
-                  <a:srgbClr val="212121"/>
-                </a:solidFill>
-                <a:latin typeface="Roboto" panose="02000000000000000000" pitchFamily="2" charset="0"/>
-              </a:rPr>
+            <a:pPr algn="ctr"/>
+            <a:r>
+              <a:rPr lang="it-IT" dirty="0"/>
+              <a:t>Utility </a:t>
+            </a:r>
+            <a:r>
+              <a:rPr lang="it-IT" dirty="0" err="1"/>
+              <a:t>Metrics</a:t>
+            </a:r>
+            <a:r>
+              <a:rPr lang="it-IT" dirty="0"/>
+              <a:t> - Model Evaluation via </a:t>
+            </a:r>
+            <a:r>
+              <a:rPr lang="it-IT" dirty="0" err="1"/>
+              <a:t>SDGym</a:t>
+            </a:r>
+            <a:r>
+              <a:rPr lang="it-IT" dirty="0"/>
+              <a:t> Tools: </a:t>
+            </a:r>
+            <a:r>
+              <a:rPr lang="it-IT" dirty="0" err="1"/>
+              <a:t>Likelihood</a:t>
+            </a:r>
+            <a:r>
+              <a:rPr lang="it-IT" dirty="0"/>
               <a:t> </a:t>
             </a:r>
             <a:r>
-              <a:rPr lang="it-IT" sz="2800" dirty="0" err="1">
-                <a:solidFill>
-                  <a:srgbClr val="212121"/>
-                </a:solidFill>
-                <a:latin typeface="Roboto" panose="02000000000000000000" pitchFamily="2" charset="0"/>
-              </a:rPr>
+              <a:rPr lang="it-IT" dirty="0" err="1"/>
               <a:t>Metrics</a:t>
             </a:r>
-            <a:r>
-              <a:rPr lang="it-IT" sz="2800" dirty="0">
-                <a:solidFill>
-                  <a:srgbClr val="212121"/>
-                </a:solidFill>
-                <a:latin typeface="Roboto" panose="02000000000000000000" pitchFamily="2" charset="0"/>
-              </a:rPr>
-              <a:t> - Model Evaluation by Matching Common </a:t>
-            </a:r>
-            <a:r>
-              <a:rPr lang="it-IT" sz="2800" dirty="0" err="1">
-                <a:solidFill>
-                  <a:srgbClr val="212121"/>
-                </a:solidFill>
-                <a:latin typeface="Roboto" panose="02000000000000000000" pitchFamily="2" charset="0"/>
-              </a:rPr>
-              <a:t>Values</a:t>
-            </a:r>
-            <a:endParaRPr lang="it-IT" b="0" i="0" dirty="0">
-              <a:solidFill>
-                <a:srgbClr val="212121"/>
-              </a:solidFill>
-              <a:effectLst/>
-              <a:latin typeface="Roboto" panose="02000000000000000000" pitchFamily="2" charset="0"/>
-            </a:endParaRPr>
+            <a:endParaRPr lang="it-IT" dirty="0"/>
           </a:p>
         </p:txBody>
       </p:sp>
@@ -13882,10 +14120,178 @@
           </a:p>
         </p:txBody>
       </p:sp>
+      <p:pic>
+        <p:nvPicPr>
+          <p:cNvPr id="7" name="Immagine 6">
+            <a:extLst>
+              <a:ext uri="{FF2B5EF4-FFF2-40B4-BE49-F238E27FC236}">
+                <a16:creationId xmlns:a16="http://schemas.microsoft.com/office/drawing/2014/main" id="{E38450EE-2CC0-C20F-02B5-A52B21CA94C8}"/>
+              </a:ext>
+            </a:extLst>
+          </p:cNvPr>
+          <p:cNvPicPr>
+            <a:picLocks noChangeAspect="1"/>
+          </p:cNvPicPr>
+          <p:nvPr/>
+        </p:nvPicPr>
+        <p:blipFill>
+          <a:blip r:embed="rId2"/>
+          <a:stretch>
+            <a:fillRect/>
+          </a:stretch>
+        </p:blipFill>
+        <p:spPr>
+          <a:xfrm>
+            <a:off x="1457452" y="3637052"/>
+            <a:ext cx="3058890" cy="2440080"/>
+          </a:xfrm>
+          <a:prstGeom prst="rect">
+            <a:avLst/>
+          </a:prstGeom>
+        </p:spPr>
+      </p:pic>
+      <p:sp>
+        <p:nvSpPr>
+          <p:cNvPr id="9" name="CasellaDiTesto 8">
+            <a:extLst>
+              <a:ext uri="{FF2B5EF4-FFF2-40B4-BE49-F238E27FC236}">
+                <a16:creationId xmlns:a16="http://schemas.microsoft.com/office/drawing/2014/main" id="{9F6A42CB-9F82-CE0B-0BF5-E6754DB9D7A7}"/>
+              </a:ext>
+            </a:extLst>
+          </p:cNvPr>
+          <p:cNvSpPr txBox="1"/>
+          <p:nvPr/>
+        </p:nvSpPr>
+        <p:spPr>
+          <a:xfrm>
+            <a:off x="5946266" y="3533667"/>
+            <a:ext cx="4358714" cy="2862322"/>
+          </a:xfrm>
+          <a:prstGeom prst="rect">
+            <a:avLst/>
+          </a:prstGeom>
+          <a:noFill/>
+        </p:spPr>
+        <p:txBody>
+          <a:bodyPr wrap="square">
+            <a:spAutoFit/>
+          </a:bodyPr>
+          <a:lstStyle/>
+          <a:p>
+            <a:pPr marL="285750" indent="-285750" algn="just">
+              <a:buFont typeface="Arial" panose="020B0604020202020204" pitchFamily="34" charset="0"/>
+              <a:buChar char="•"/>
+            </a:pPr>
+            <a:r>
+              <a:rPr lang="en-US" b="1" i="0" dirty="0" err="1">
+                <a:solidFill>
+                  <a:srgbClr val="212121"/>
+                </a:solidFill>
+                <a:effectLst/>
+                <a:latin typeface="Arial" panose="020B0604020202020204" pitchFamily="34" charset="0"/>
+                <a:cs typeface="Arial" panose="020B0604020202020204" pitchFamily="34" charset="0"/>
+              </a:rPr>
+              <a:t>sdv.metrics.tabular.BNLikelihood</a:t>
+            </a:r>
+            <a:r>
+              <a:rPr lang="en-US" b="1" i="0" dirty="0">
+                <a:solidFill>
+                  <a:srgbClr val="212121"/>
+                </a:solidFill>
+                <a:effectLst/>
+                <a:latin typeface="Arial" panose="020B0604020202020204" pitchFamily="34" charset="0"/>
+                <a:cs typeface="Arial" panose="020B0604020202020204" pitchFamily="34" charset="0"/>
+              </a:rPr>
+              <a:t>:</a:t>
+            </a:r>
+            <a:r>
+              <a:rPr lang="en-US" b="0" i="0" dirty="0">
+                <a:solidFill>
+                  <a:srgbClr val="212121"/>
+                </a:solidFill>
+                <a:effectLst/>
+                <a:latin typeface="Arial" panose="020B0604020202020204" pitchFamily="34" charset="0"/>
+                <a:cs typeface="Arial" panose="020B0604020202020204" pitchFamily="34" charset="0"/>
+              </a:rPr>
+              <a:t> This metric fits a </a:t>
+            </a:r>
+            <a:r>
+              <a:rPr lang="en-US" b="1" i="0" dirty="0">
+                <a:solidFill>
+                  <a:srgbClr val="212121"/>
+                </a:solidFill>
+                <a:effectLst/>
+                <a:latin typeface="Arial" panose="020B0604020202020204" pitchFamily="34" charset="0"/>
+                <a:cs typeface="Arial" panose="020B0604020202020204" pitchFamily="34" charset="0"/>
+              </a:rPr>
+              <a:t>Bayesian</a:t>
+            </a:r>
+            <a:r>
+              <a:rPr lang="en-US" b="0" i="0" dirty="0">
+                <a:solidFill>
+                  <a:srgbClr val="212121"/>
+                </a:solidFill>
+                <a:effectLst/>
+                <a:latin typeface="Arial" panose="020B0604020202020204" pitchFamily="34" charset="0"/>
+                <a:cs typeface="Arial" panose="020B0604020202020204" pitchFamily="34" charset="0"/>
+              </a:rPr>
+              <a:t> </a:t>
+            </a:r>
+            <a:r>
+              <a:rPr lang="en-US" b="1" i="0" dirty="0">
+                <a:solidFill>
+                  <a:srgbClr val="212121"/>
+                </a:solidFill>
+                <a:effectLst/>
+                <a:latin typeface="Arial" panose="020B0604020202020204" pitchFamily="34" charset="0"/>
+                <a:cs typeface="Arial" panose="020B0604020202020204" pitchFamily="34" charset="0"/>
+              </a:rPr>
+              <a:t>Network</a:t>
+            </a:r>
+            <a:r>
+              <a:rPr lang="en-US" b="0" i="0" dirty="0">
+                <a:solidFill>
+                  <a:srgbClr val="212121"/>
+                </a:solidFill>
+                <a:effectLst/>
+                <a:latin typeface="Arial" panose="020B0604020202020204" pitchFamily="34" charset="0"/>
+                <a:cs typeface="Arial" panose="020B0604020202020204" pitchFamily="34" charset="0"/>
+              </a:rPr>
+              <a:t> to the real data and then evaluates the average likelihood of the rows from the synthetic data on it. With very low error (close to 0) according to the Log function, the output value must be negative, therefore a score like this one: </a:t>
+            </a:r>
+            <a:r>
+              <a:rPr lang="en-US" b="1" i="0" dirty="0">
+                <a:solidFill>
+                  <a:srgbClr val="212121"/>
+                </a:solidFill>
+                <a:effectLst/>
+                <a:latin typeface="Arial" panose="020B0604020202020204" pitchFamily="34" charset="0"/>
+                <a:cs typeface="Arial" panose="020B0604020202020204" pitchFamily="34" charset="0"/>
+              </a:rPr>
+              <a:t>-17.415473543655498</a:t>
+            </a:r>
+            <a:r>
+              <a:rPr lang="en-US" b="0" i="0" dirty="0">
+                <a:solidFill>
+                  <a:srgbClr val="212121"/>
+                </a:solidFill>
+                <a:effectLst/>
+                <a:latin typeface="Arial" panose="020B0604020202020204" pitchFamily="34" charset="0"/>
+                <a:cs typeface="Arial" panose="020B0604020202020204" pitchFamily="34" charset="0"/>
+              </a:rPr>
+              <a:t>, it is a very good result.</a:t>
+            </a:r>
+            <a:endParaRPr lang="it-IT" dirty="0">
+              <a:latin typeface="Arial" panose="020B0604020202020204" pitchFamily="34" charset="0"/>
+              <a:cs typeface="Arial" panose="020B0604020202020204" pitchFamily="34" charset="0"/>
+            </a:endParaRPr>
+          </a:p>
+        </p:txBody>
+      </p:sp>
     </p:spTree>
     <p:extLst>
       <p:ext uri="{BB962C8B-B14F-4D97-AF65-F5344CB8AC3E}">
-        <p14:creationId xmlns:p14="http://schemas.microsoft.com/office/powerpoint/2010/main" val="2715839222"/>
+        <p14:creationId xmlns:p14="http://schemas.microsoft.com/office/powerpoint/2010/main" val="3082948200"/>
       </p:ext>
     </p:extLst>
   </p:cSld>
@@ -14460,80 +14866,6 @@
 </file>
 
 <file path=customXml/item1.xml><?xml version="1.0" encoding="utf-8"?>
-<?mso-contentType ?>
-<FormTemplates xmlns="http://schemas.microsoft.com/sharepoint/v3/contenttype/forms">
-  <Display>DocumentLibraryForm</Display>
-  <Edit>DocumentLibraryForm</Edit>
-  <New>DocumentLibraryForm</New>
-</FormTemplates>
-</file>
-
-<file path=customXml/item2.xml><?xml version="1.0" encoding="utf-8"?>
-<?mso-contentType ?>
-<spe:Receivers xmlns:spe="http://schemas.microsoft.com/sharepoint/events">
-  <Receiver>
-    <Name>Document ID Generator</Name>
-    <Synchronization>Synchronous</Synchronization>
-    <Type>10001</Type>
-    <SequenceNumber>1000</SequenceNumber>
-    <Url/>
-    <Assembly>Microsoft.Office.DocumentManagement, Version=15.0.0.0, Culture=neutral, PublicKeyToken=71e9bce111e9429c</Assembly>
-    <Class>Microsoft.Office.DocumentManagement.Internal.DocIdHandler</Class>
-    <Data/>
-    <Filter/>
-  </Receiver>
-  <Receiver>
-    <Name>Document ID Generator</Name>
-    <Synchronization>Synchronous</Synchronization>
-    <Type>10002</Type>
-    <SequenceNumber>1001</SequenceNumber>
-    <Url/>
-    <Assembly>Microsoft.Office.DocumentManagement, Version=15.0.0.0, Culture=neutral, PublicKeyToken=71e9bce111e9429c</Assembly>
-    <Class>Microsoft.Office.DocumentManagement.Internal.DocIdHandler</Class>
-    <Data/>
-    <Filter/>
-  </Receiver>
-  <Receiver>
-    <Name>Document ID Generator</Name>
-    <Synchronization>Synchronous</Synchronization>
-    <Type>10004</Type>
-    <SequenceNumber>1002</SequenceNumber>
-    <Url/>
-    <Assembly>Microsoft.Office.DocumentManagement, Version=15.0.0.0, Culture=neutral, PublicKeyToken=71e9bce111e9429c</Assembly>
-    <Class>Microsoft.Office.DocumentManagement.Internal.DocIdHandler</Class>
-    <Data/>
-    <Filter/>
-  </Receiver>
-  <Receiver>
-    <Name>Document ID Generator</Name>
-    <Synchronization>Synchronous</Synchronization>
-    <Type>10006</Type>
-    <SequenceNumber>1003</SequenceNumber>
-    <Url/>
-    <Assembly>Microsoft.Office.DocumentManagement, Version=15.0.0.0, Culture=neutral, PublicKeyToken=71e9bce111e9429c</Assembly>
-    <Class>Microsoft.Office.DocumentManagement.Internal.DocIdHandler</Class>
-    <Data/>
-    <Filter/>
-  </Receiver>
-</spe:Receivers>
-</file>
-
-<file path=customXml/item3.xml><?xml version="1.0" encoding="utf-8"?>
-<p:properties xmlns:p="http://schemas.microsoft.com/office/2006/metadata/properties" xmlns:xsi="http://www.w3.org/2001/XMLSchema-instance" xmlns:pc="http://schemas.microsoft.com/office/infopath/2007/PartnerControls">
-  <documentManagement>
-    <SottoCategoria xmlns="679261c3-551f-4e86-913f-177e0e529669">-</SottoCategoria>
-    <Categoria xmlns="c58f2efd-82a8-4ecf-b395-8c25e928921d">Power Point</Categoria>
-    <_dlc_DocId xmlns="459159c4-d20a-4ff3-9b11-fbd127bd52e5">INTRANET-14-158</_dlc_DocId>
-    <_dlc_DocIdUrl xmlns="459159c4-d20a-4ff3-9b11-fbd127bd52e5">
-      <Url>https://intranet.istat.it/Collaborativi/_layouts/15/DocIdRedir.aspx?ID=INTRANET-14-158</Url>
-      <Description>INTRANET-14-158</Description>
-    </_dlc_DocIdUrl>
-    <Ordine xmlns="679261c3-551f-4e86-913f-177e0e529669" xsi:nil="true"/>
-  </documentManagement>
-</p:properties>
-</file>
-
-<file path=customXml/item4.xml><?xml version="1.0" encoding="utf-8"?>
 <ct:contentTypeSchema xmlns:ct="http://schemas.microsoft.com/office/2006/metadata/contentType" xmlns:ma="http://schemas.microsoft.com/office/2006/metadata/properties/metaAttributes" ct:_="" ma:_="" ma:contentTypeName="Documento" ma:contentTypeID="0x010100661A2BE3120D674DA36C11D6006822D4" ma:contentTypeVersion="5" ma:contentTypeDescription="Creare un nuovo documento." ma:contentTypeScope="" ma:versionID="b74c87ac489b73827490412ee3cfe72c">
   <xsd:schema xmlns:xsd="http://www.w3.org/2001/XMLSchema" xmlns:xs="http://www.w3.org/2001/XMLSchema" xmlns:p="http://schemas.microsoft.com/office/2006/metadata/properties" xmlns:ns2="c58f2efd-82a8-4ecf-b395-8c25e928921d" xmlns:ns3="459159c4-d20a-4ff3-9b11-fbd127bd52e5" xmlns:ns4="679261c3-551f-4e86-913f-177e0e529669" targetNamespace="http://schemas.microsoft.com/office/2006/metadata/properties" ma:root="true" ma:fieldsID="e2cc380ee14def62782d85c4be25510e" ns2:_="" ns3:_="" ns4:_="">
     <xsd:import namespace="c58f2efd-82a8-4ecf-b395-8c25e928921d"/>
@@ -14727,35 +15059,81 @@
 </ct:contentTypeSchema>
 </file>
 
-<file path=customXml/itemProps1.xml><?xml version="1.0" encoding="utf-8"?>
-<ds:datastoreItem xmlns:ds="http://schemas.openxmlformats.org/officeDocument/2006/customXml" ds:itemID="{BD9C238D-4D5C-4783-820B-4854DCE45D41}">
-  <ds:schemaRefs>
-    <ds:schemaRef ds:uri="http://schemas.microsoft.com/sharepoint/v3/contenttype/forms"/>
-  </ds:schemaRefs>
-</ds:datastoreItem>
+<file path=customXml/item2.xml><?xml version="1.0" encoding="utf-8"?>
+<p:properties xmlns:p="http://schemas.microsoft.com/office/2006/metadata/properties" xmlns:xsi="http://www.w3.org/2001/XMLSchema-instance" xmlns:pc="http://schemas.microsoft.com/office/infopath/2007/PartnerControls">
+  <documentManagement>
+    <SottoCategoria xmlns="679261c3-551f-4e86-913f-177e0e529669">-</SottoCategoria>
+    <Categoria xmlns="c58f2efd-82a8-4ecf-b395-8c25e928921d">Power Point</Categoria>
+    <_dlc_DocId xmlns="459159c4-d20a-4ff3-9b11-fbd127bd52e5">INTRANET-14-158</_dlc_DocId>
+    <_dlc_DocIdUrl xmlns="459159c4-d20a-4ff3-9b11-fbd127bd52e5">
+      <Url>https://intranet.istat.it/Collaborativi/_layouts/15/DocIdRedir.aspx?ID=INTRANET-14-158</Url>
+      <Description>INTRANET-14-158</Description>
+    </_dlc_DocIdUrl>
+    <Ordine xmlns="679261c3-551f-4e86-913f-177e0e529669" xsi:nil="true"/>
+  </documentManagement>
+</p:properties>
 </file>
 
-<file path=customXml/itemProps2.xml><?xml version="1.0" encoding="utf-8"?>
-<ds:datastoreItem xmlns:ds="http://schemas.openxmlformats.org/officeDocument/2006/customXml" ds:itemID="{D9296C4F-9DE9-4B43-AA80-1FC85656CFFA}">
-  <ds:schemaRefs>
-    <ds:schemaRef ds:uri="http://schemas.microsoft.com/sharepoint/events"/>
-  </ds:schemaRefs>
-</ds:datastoreItem>
+<file path=customXml/item3.xml><?xml version="1.0" encoding="utf-8"?>
+<?mso-contentType ?>
+<spe:Receivers xmlns:spe="http://schemas.microsoft.com/sharepoint/events">
+  <Receiver>
+    <Name>Document ID Generator</Name>
+    <Synchronization>Synchronous</Synchronization>
+    <Type>10001</Type>
+    <SequenceNumber>1000</SequenceNumber>
+    <Url/>
+    <Assembly>Microsoft.Office.DocumentManagement, Version=15.0.0.0, Culture=neutral, PublicKeyToken=71e9bce111e9429c</Assembly>
+    <Class>Microsoft.Office.DocumentManagement.Internal.DocIdHandler</Class>
+    <Data/>
+    <Filter/>
+  </Receiver>
+  <Receiver>
+    <Name>Document ID Generator</Name>
+    <Synchronization>Synchronous</Synchronization>
+    <Type>10002</Type>
+    <SequenceNumber>1001</SequenceNumber>
+    <Url/>
+    <Assembly>Microsoft.Office.DocumentManagement, Version=15.0.0.0, Culture=neutral, PublicKeyToken=71e9bce111e9429c</Assembly>
+    <Class>Microsoft.Office.DocumentManagement.Internal.DocIdHandler</Class>
+    <Data/>
+    <Filter/>
+  </Receiver>
+  <Receiver>
+    <Name>Document ID Generator</Name>
+    <Synchronization>Synchronous</Synchronization>
+    <Type>10004</Type>
+    <SequenceNumber>1002</SequenceNumber>
+    <Url/>
+    <Assembly>Microsoft.Office.DocumentManagement, Version=15.0.0.0, Culture=neutral, PublicKeyToken=71e9bce111e9429c</Assembly>
+    <Class>Microsoft.Office.DocumentManagement.Internal.DocIdHandler</Class>
+    <Data/>
+    <Filter/>
+  </Receiver>
+  <Receiver>
+    <Name>Document ID Generator</Name>
+    <Synchronization>Synchronous</Synchronization>
+    <Type>10006</Type>
+    <SequenceNumber>1003</SequenceNumber>
+    <Url/>
+    <Assembly>Microsoft.Office.DocumentManagement, Version=15.0.0.0, Culture=neutral, PublicKeyToken=71e9bce111e9429c</Assembly>
+    <Class>Microsoft.Office.DocumentManagement.Internal.DocIdHandler</Class>
+    <Data/>
+    <Filter/>
+  </Receiver>
+</spe:Receivers>
 </file>
 
-<file path=customXml/itemProps3.xml><?xml version="1.0" encoding="utf-8"?>
-<ds:datastoreItem xmlns:ds="http://schemas.openxmlformats.org/officeDocument/2006/customXml" ds:itemID="{3EF378BC-F4D0-4510-B4EC-07B6EFE18CF8}">
-  <ds:schemaRefs>
-    <ds:schemaRef ds:uri="http://schemas.microsoft.com/office/2006/metadata/properties"/>
-    <ds:schemaRef ds:uri="http://schemas.microsoft.com/office/infopath/2007/PartnerControls"/>
-    <ds:schemaRef ds:uri="679261c3-551f-4e86-913f-177e0e529669"/>
-    <ds:schemaRef ds:uri="c58f2efd-82a8-4ecf-b395-8c25e928921d"/>
-    <ds:schemaRef ds:uri="459159c4-d20a-4ff3-9b11-fbd127bd52e5"/>
-  </ds:schemaRefs>
-</ds:datastoreItem>
+<file path=customXml/item4.xml><?xml version="1.0" encoding="utf-8"?>
+<?mso-contentType ?>
+<FormTemplates xmlns="http://schemas.microsoft.com/sharepoint/v3/contenttype/forms">
+  <Display>DocumentLibraryForm</Display>
+  <Edit>DocumentLibraryForm</Edit>
+  <New>DocumentLibraryForm</New>
+</FormTemplates>
 </file>
 
-<file path=customXml/itemProps4.xml><?xml version="1.0" encoding="utf-8"?>
+<file path=customXml/itemProps1.xml><?xml version="1.0" encoding="utf-8"?>
 <ds:datastoreItem xmlns:ds="http://schemas.openxmlformats.org/officeDocument/2006/customXml" ds:itemID="{C44F034E-DE69-4892-9E35-DE49F97F6ECC}">
   <ds:schemaRefs>
     <ds:schemaRef ds:uri="http://schemas.microsoft.com/office/2006/metadata/contentType"/>
@@ -14773,4 +15151,32 @@
     <ds:schemaRef ds:uri="http://schemas.microsoft.com/internal/obd"/>
   </ds:schemaRefs>
 </ds:datastoreItem>
+</file>
+
+<file path=customXml/itemProps2.xml><?xml version="1.0" encoding="utf-8"?>
+<ds:datastoreItem xmlns:ds="http://schemas.openxmlformats.org/officeDocument/2006/customXml" ds:itemID="{3EF378BC-F4D0-4510-B4EC-07B6EFE18CF8}">
+  <ds:schemaRefs>
+    <ds:schemaRef ds:uri="http://schemas.microsoft.com/office/2006/metadata/properties"/>
+    <ds:schemaRef ds:uri="http://schemas.microsoft.com/office/infopath/2007/PartnerControls"/>
+    <ds:schemaRef ds:uri="679261c3-551f-4e86-913f-177e0e529669"/>
+    <ds:schemaRef ds:uri="c58f2efd-82a8-4ecf-b395-8c25e928921d"/>
+    <ds:schemaRef ds:uri="459159c4-d20a-4ff3-9b11-fbd127bd52e5"/>
+  </ds:schemaRefs>
+</ds:datastoreItem>
+</file>
+
+<file path=customXml/itemProps3.xml><?xml version="1.0" encoding="utf-8"?>
+<ds:datastoreItem xmlns:ds="http://schemas.openxmlformats.org/officeDocument/2006/customXml" ds:itemID="{D9296C4F-9DE9-4B43-AA80-1FC85656CFFA}">
+  <ds:schemaRefs>
+    <ds:schemaRef ds:uri="http://schemas.microsoft.com/sharepoint/events"/>
+  </ds:schemaRefs>
+</ds:datastoreItem>
+</file>
+
+<file path=customXml/itemProps4.xml><?xml version="1.0" encoding="utf-8"?>
+<ds:datastoreItem xmlns:ds="http://schemas.openxmlformats.org/officeDocument/2006/customXml" ds:itemID="{BD9C238D-4D5C-4783-820B-4854DCE45D41}">
+  <ds:schemaRefs>
+    <ds:schemaRef ds:uri="http://schemas.microsoft.com/sharepoint/v3/contenttype/forms"/>
+  </ds:schemaRefs>
+</ds:datastoreItem>
 </file>